--- a/Group 4 presentation.pptx
+++ b/Group 4 presentation.pptx
@@ -8,15 +8,17 @@
     <p:sldId id="265" r:id="rId2"/>
     <p:sldId id="257" r:id="rId3"/>
     <p:sldId id="269" r:id="rId4"/>
-    <p:sldId id="258" r:id="rId5"/>
-    <p:sldId id="259" r:id="rId6"/>
-    <p:sldId id="268" r:id="rId7"/>
-    <p:sldId id="266" r:id="rId8"/>
+    <p:sldId id="259" r:id="rId5"/>
+    <p:sldId id="268" r:id="rId6"/>
+    <p:sldId id="266" r:id="rId7"/>
+    <p:sldId id="258" r:id="rId8"/>
     <p:sldId id="267" r:id="rId9"/>
-    <p:sldId id="260" r:id="rId10"/>
-    <p:sldId id="263" r:id="rId11"/>
-    <p:sldId id="262" r:id="rId12"/>
-    <p:sldId id="264" r:id="rId13"/>
+    <p:sldId id="270" r:id="rId10"/>
+    <p:sldId id="260" r:id="rId11"/>
+    <p:sldId id="271" r:id="rId12"/>
+    <p:sldId id="263" r:id="rId13"/>
+    <p:sldId id="262" r:id="rId14"/>
+    <p:sldId id="264" r:id="rId15"/>
   </p:sldIdLst>
   <p:sldSz cx="12192000" cy="6858000"/>
   <p:notesSz cx="6858000" cy="9144000"/>
@@ -127,7 +129,10 @@
 <p1510:revInfo xmlns:a="http://schemas.openxmlformats.org/drawingml/2006/main" xmlns:r="http://schemas.openxmlformats.org/officeDocument/2006/relationships" xmlns:p1510="http://schemas.microsoft.com/office/powerpoint/2015/10/main">
   <p1510:revLst>
     <p1510:client id="{06E50AF8-B02E-45B6-ABFB-CC5EEC6234EE}" v="1206" dt="2022-04-22T22:38:36.911"/>
-    <p1510:client id="{EF25CBD5-B5A6-451E-8E0A-C33B93484E52}" v="723" dt="2022-04-22T20:22:36.734"/>
+    <p1510:client id="{3A8E3961-09EE-7BE5-8920-1F7261F1D3A6}" v="73" dt="2022-04-23T07:31:35.863"/>
+    <p1510:client id="{55A2CA78-A2C4-AE94-A3BD-3A289670B56C}" v="498" dt="2022-04-23T07:52:17.256"/>
+    <p1510:client id="{EF25CBD5-B5A6-451E-8E0A-C33B93484E52}" v="724" dt="2022-04-23T08:05:44.056"/>
+    <p1510:client id="{FD7877EE-B128-D1DF-CCB8-D647E22BD0EF}" v="540" dt="2022-04-23T06:50:07.617"/>
   </p1510:revLst>
 </p1510:revInfo>
 </file>
@@ -3416,7 +3421,7 @@
               <a:rPr lang="en-GB">
                 <a:cs typeface="Calibri" panose="020F0502020204030204"/>
               </a:rPr>
-              <a:t> Analysing Crime Data in the west Midlands</a:t>
+              <a:t> Analysing Crime Data in the West Midlands</a:t>
             </a:r>
           </a:p>
           <a:p>
@@ -3510,6 +3515,697 @@
 <file path=ppt/slides/slide10.xml><?xml version="1.0" encoding="utf-8"?>
 <p:sld xmlns:a="http://schemas.openxmlformats.org/drawingml/2006/main" xmlns:r="http://schemas.openxmlformats.org/officeDocument/2006/relationships" xmlns:p="http://schemas.openxmlformats.org/presentationml/2006/main">
   <p:cSld>
+    <p:bg>
+      <p:bgPr>
+        <a:solidFill>
+          <a:schemeClr val="bg1"/>
+        </a:solidFill>
+        <a:effectLst/>
+      </p:bgPr>
+    </p:bg>
+    <p:spTree>
+      <p:nvGrpSpPr>
+        <p:cNvPr id="1" name=""/>
+        <p:cNvGrpSpPr/>
+        <p:nvPr/>
+      </p:nvGrpSpPr>
+      <p:grpSpPr>
+        <a:xfrm>
+          <a:off x="0" y="0"/>
+          <a:ext cx="0" cy="0"/>
+          <a:chOff x="0" y="0"/>
+          <a:chExt cx="0" cy="0"/>
+        </a:xfrm>
+      </p:grpSpPr>
+      <p:sp useBgFill="1">
+        <p:nvSpPr>
+          <p:cNvPr id="11" name="Rectangle 10">
+            <a:extLst>
+              <a:ext uri="{FF2B5EF4-FFF2-40B4-BE49-F238E27FC236}">
+                <a16:creationId xmlns:a16="http://schemas.microsoft.com/office/drawing/2014/main" id="{5DCB5928-DC7D-4612-9922-441966E15627}"/>
+              </a:ext>
+              <a:ext uri="{C183D7F6-B498-43B3-948B-1728B52AA6E4}">
+                <adec:decorative xmlns:adec="http://schemas.microsoft.com/office/drawing/2017/decorative" val="1"/>
+              </a:ext>
+            </a:extLst>
+          </p:cNvPr>
+          <p:cNvSpPr>
+            <a:spLocks noGrp="1" noRot="1" noChangeAspect="1" noMove="1" noResize="1" noEditPoints="1" noAdjustHandles="1" noChangeArrowheads="1" noChangeShapeType="1" noTextEdit="1"/>
+          </p:cNvSpPr>
+          <p:nvPr>
+            <p:extLst>
+              <p:ext uri="{386F3935-93C4-4BCD-93E2-E3B085C9AB24}">
+                <p16:designElem xmlns:p16="http://schemas.microsoft.com/office/powerpoint/2015/main" val="1"/>
+              </p:ext>
+            </p:extLst>
+          </p:nvPr>
+        </p:nvSpPr>
+        <p:spPr>
+          <a:xfrm>
+            <a:off x="0" y="0"/>
+            <a:ext cx="12192000" cy="6858000"/>
+          </a:xfrm>
+          <a:prstGeom prst="rect">
+            <a:avLst/>
+          </a:prstGeom>
+          <a:ln>
+            <a:noFill/>
+          </a:ln>
+        </p:spPr>
+        <p:style>
+          <a:lnRef idx="2">
+            <a:schemeClr val="accent1">
+              <a:shade val="50000"/>
+            </a:schemeClr>
+          </a:lnRef>
+          <a:fillRef idx="1">
+            <a:schemeClr val="accent1"/>
+          </a:fillRef>
+          <a:effectRef idx="0">
+            <a:schemeClr val="accent1"/>
+          </a:effectRef>
+          <a:fontRef idx="minor">
+            <a:schemeClr val="lt1"/>
+          </a:fontRef>
+        </p:style>
+        <p:txBody>
+          <a:bodyPr rtlCol="0" anchor="ctr"/>
+          <a:lstStyle/>
+          <a:p>
+            <a:pPr algn="ctr"/>
+            <a:endParaRPr lang="en-US"/>
+          </a:p>
+        </p:txBody>
+      </p:sp>
+      <p:sp useBgFill="1">
+        <p:nvSpPr>
+          <p:cNvPr id="13" name="Freeform: Shape 12">
+            <a:extLst>
+              <a:ext uri="{FF2B5EF4-FFF2-40B4-BE49-F238E27FC236}">
+                <a16:creationId xmlns:a16="http://schemas.microsoft.com/office/drawing/2014/main" id="{682C1161-1736-45EC-99B7-33F3CAE9D517}"/>
+              </a:ext>
+              <a:ext uri="{C183D7F6-B498-43B3-948B-1728B52AA6E4}">
+                <adec:decorative xmlns:adec="http://schemas.microsoft.com/office/drawing/2017/decorative" val="1"/>
+              </a:ext>
+            </a:extLst>
+          </p:cNvPr>
+          <p:cNvSpPr>
+            <a:spLocks noGrp="1" noRot="1" noChangeAspect="1" noMove="1" noResize="1" noEditPoints="1" noAdjustHandles="1" noChangeArrowheads="1" noChangeShapeType="1" noTextEdit="1"/>
+          </p:cNvSpPr>
+          <p:nvPr>
+            <p:extLst>
+              <p:ext uri="{386F3935-93C4-4BCD-93E2-E3B085C9AB24}">
+                <p16:designElem xmlns:p16="http://schemas.microsoft.com/office/powerpoint/2015/main" val="1"/>
+              </p:ext>
+            </p:extLst>
+          </p:nvPr>
+        </p:nvSpPr>
+        <p:spPr>
+          <a:xfrm>
+            <a:off x="0" y="0"/>
+            <a:ext cx="4959047" cy="6858000"/>
+          </a:xfrm>
+          <a:custGeom>
+            <a:avLst/>
+            <a:gdLst>
+              <a:gd name="connsiteX0" fmla="*/ 0 w 4959047"/>
+              <a:gd name="connsiteY0" fmla="*/ 0 h 6858000"/>
+              <a:gd name="connsiteX1" fmla="*/ 4110127 w 4959047"/>
+              <a:gd name="connsiteY1" fmla="*/ 0 h 6858000"/>
+              <a:gd name="connsiteX2" fmla="*/ 4179024 w 4959047"/>
+              <a:gd name="connsiteY2" fmla="*/ 123368 h 6858000"/>
+              <a:gd name="connsiteX3" fmla="*/ 4959047 w 4959047"/>
+              <a:gd name="connsiteY3" fmla="*/ 3429000 h 6858000"/>
+              <a:gd name="connsiteX4" fmla="*/ 4179024 w 4959047"/>
+              <a:gd name="connsiteY4" fmla="*/ 6734633 h 6858000"/>
+              <a:gd name="connsiteX5" fmla="*/ 4110127 w 4959047"/>
+              <a:gd name="connsiteY5" fmla="*/ 6858000 h 6858000"/>
+              <a:gd name="connsiteX6" fmla="*/ 0 w 4959047"/>
+              <a:gd name="connsiteY6" fmla="*/ 6858000 h 6858000"/>
+            </a:gdLst>
+            <a:ahLst/>
+            <a:cxnLst>
+              <a:cxn ang="0">
+                <a:pos x="connsiteX0" y="connsiteY0"/>
+              </a:cxn>
+              <a:cxn ang="0">
+                <a:pos x="connsiteX1" y="connsiteY1"/>
+              </a:cxn>
+              <a:cxn ang="0">
+                <a:pos x="connsiteX2" y="connsiteY2"/>
+              </a:cxn>
+              <a:cxn ang="0">
+                <a:pos x="connsiteX3" y="connsiteY3"/>
+              </a:cxn>
+              <a:cxn ang="0">
+                <a:pos x="connsiteX4" y="connsiteY4"/>
+              </a:cxn>
+              <a:cxn ang="0">
+                <a:pos x="connsiteX5" y="connsiteY5"/>
+              </a:cxn>
+              <a:cxn ang="0">
+                <a:pos x="connsiteX6" y="connsiteY6"/>
+              </a:cxn>
+            </a:cxnLst>
+            <a:rect l="l" t="t" r="r" b="b"/>
+            <a:pathLst>
+              <a:path w="4959047" h="6858000">
+                <a:moveTo>
+                  <a:pt x="0" y="0"/>
+                </a:moveTo>
+                <a:lnTo>
+                  <a:pt x="4110127" y="0"/>
+                </a:lnTo>
+                <a:lnTo>
+                  <a:pt x="4179024" y="123368"/>
+                </a:lnTo>
+                <a:cubicBezTo>
+                  <a:pt x="4668929" y="1045156"/>
+                  <a:pt x="4959047" y="2189404"/>
+                  <a:pt x="4959047" y="3429000"/>
+                </a:cubicBezTo>
+                <a:cubicBezTo>
+                  <a:pt x="4959047" y="4668597"/>
+                  <a:pt x="4668929" y="5812845"/>
+                  <a:pt x="4179024" y="6734633"/>
+                </a:cubicBezTo>
+                <a:lnTo>
+                  <a:pt x="4110127" y="6858000"/>
+                </a:lnTo>
+                <a:lnTo>
+                  <a:pt x="0" y="6858000"/>
+                </a:lnTo>
+                <a:close/>
+              </a:path>
+            </a:pathLst>
+          </a:custGeom>
+          <a:ln w="9525">
+            <a:solidFill>
+              <a:srgbClr val="E6E6E6"/>
+            </a:solidFill>
+          </a:ln>
+          <a:effectLst>
+            <a:outerShdw blurRad="76200" dist="38100" algn="l" rotWithShape="0">
+              <a:schemeClr val="bg1">
+                <a:lumMod val="85000"/>
+                <a:alpha val="50000"/>
+              </a:schemeClr>
+            </a:outerShdw>
+          </a:effectLst>
+        </p:spPr>
+        <p:style>
+          <a:lnRef idx="2">
+            <a:schemeClr val="accent1">
+              <a:shade val="50000"/>
+            </a:schemeClr>
+          </a:lnRef>
+          <a:fillRef idx="1">
+            <a:schemeClr val="accent1"/>
+          </a:fillRef>
+          <a:effectRef idx="0">
+            <a:schemeClr val="accent1"/>
+          </a:effectRef>
+          <a:fontRef idx="minor">
+            <a:schemeClr val="lt1"/>
+          </a:fontRef>
+        </p:style>
+        <p:txBody>
+          <a:bodyPr wrap="square" rtlCol="0" anchor="ctr">
+            <a:noAutofit/>
+          </a:bodyPr>
+          <a:lstStyle/>
+          <a:p>
+            <a:pPr marL="0" marR="0" lvl="0" indent="0" algn="ctr" defTabSz="914400" rtl="0" eaLnBrk="1" fontAlgn="auto" latinLnBrk="0" hangingPunct="1">
+              <a:lnSpc>
+                <a:spcPct val="100000"/>
+              </a:lnSpc>
+              <a:spcBef>
+                <a:spcPts val="0"/>
+              </a:spcBef>
+              <a:spcAft>
+                <a:spcPts val="0"/>
+              </a:spcAft>
+              <a:buClrTx/>
+              <a:buSzTx/>
+              <a:buFontTx/>
+              <a:buNone/>
+              <a:tabLst/>
+              <a:defRPr/>
+            </a:pPr>
+            <a:endParaRPr kumimoji="0" lang="en-US" sz="1800" b="0" i="0" u="none" strike="noStrike" kern="1200" cap="none" spc="0" normalizeH="0" baseline="0" noProof="0">
+              <a:ln>
+                <a:noFill/>
+              </a:ln>
+              <a:solidFill>
+                <a:prstClr val="white"/>
+              </a:solidFill>
+              <a:effectLst/>
+              <a:uLnTx/>
+              <a:uFillTx/>
+              <a:latin typeface="Calibri" panose="020F0502020204030204"/>
+              <a:ea typeface="+mn-ea"/>
+              <a:cs typeface="+mn-cs"/>
+            </a:endParaRPr>
+          </a:p>
+        </p:txBody>
+      </p:sp>
+      <p:sp useBgFill="1">
+        <p:nvSpPr>
+          <p:cNvPr id="15" name="Freeform: Shape 14">
+            <a:extLst>
+              <a:ext uri="{FF2B5EF4-FFF2-40B4-BE49-F238E27FC236}">
+                <a16:creationId xmlns:a16="http://schemas.microsoft.com/office/drawing/2014/main" id="{84D4DDB8-B68F-45B0-9F62-C4279996F672}"/>
+              </a:ext>
+              <a:ext uri="{C183D7F6-B498-43B3-948B-1728B52AA6E4}">
+                <adec:decorative xmlns:adec="http://schemas.microsoft.com/office/drawing/2017/decorative" val="1"/>
+              </a:ext>
+            </a:extLst>
+          </p:cNvPr>
+          <p:cNvSpPr>
+            <a:spLocks noGrp="1" noRot="1" noChangeAspect="1" noMove="1" noResize="1" noEditPoints="1" noAdjustHandles="1" noChangeArrowheads="1" noChangeShapeType="1" noTextEdit="1"/>
+          </p:cNvSpPr>
+          <p:nvPr>
+            <p:extLst>
+              <p:ext uri="{386F3935-93C4-4BCD-93E2-E3B085C9AB24}">
+                <p16:designElem xmlns:p16="http://schemas.microsoft.com/office/powerpoint/2015/main" val="1"/>
+              </p:ext>
+            </p:extLst>
+          </p:nvPr>
+        </p:nvSpPr>
+        <p:spPr>
+          <a:xfrm>
+            <a:off x="0" y="0"/>
+            <a:ext cx="4948887" cy="6858000"/>
+          </a:xfrm>
+          <a:custGeom>
+            <a:avLst/>
+            <a:gdLst>
+              <a:gd name="connsiteX0" fmla="*/ 0 w 4948887"/>
+              <a:gd name="connsiteY0" fmla="*/ 0 h 6858000"/>
+              <a:gd name="connsiteX1" fmla="*/ 4099967 w 4948887"/>
+              <a:gd name="connsiteY1" fmla="*/ 0 h 6858000"/>
+              <a:gd name="connsiteX2" fmla="*/ 4168864 w 4948887"/>
+              <a:gd name="connsiteY2" fmla="*/ 123368 h 6858000"/>
+              <a:gd name="connsiteX3" fmla="*/ 4948887 w 4948887"/>
+              <a:gd name="connsiteY3" fmla="*/ 3429000 h 6858000"/>
+              <a:gd name="connsiteX4" fmla="*/ 4168864 w 4948887"/>
+              <a:gd name="connsiteY4" fmla="*/ 6734633 h 6858000"/>
+              <a:gd name="connsiteX5" fmla="*/ 4099967 w 4948887"/>
+              <a:gd name="connsiteY5" fmla="*/ 6858000 h 6858000"/>
+              <a:gd name="connsiteX6" fmla="*/ 0 w 4948887"/>
+              <a:gd name="connsiteY6" fmla="*/ 6858000 h 6858000"/>
+            </a:gdLst>
+            <a:ahLst/>
+            <a:cxnLst>
+              <a:cxn ang="0">
+                <a:pos x="connsiteX0" y="connsiteY0"/>
+              </a:cxn>
+              <a:cxn ang="0">
+                <a:pos x="connsiteX1" y="connsiteY1"/>
+              </a:cxn>
+              <a:cxn ang="0">
+                <a:pos x="connsiteX2" y="connsiteY2"/>
+              </a:cxn>
+              <a:cxn ang="0">
+                <a:pos x="connsiteX3" y="connsiteY3"/>
+              </a:cxn>
+              <a:cxn ang="0">
+                <a:pos x="connsiteX4" y="connsiteY4"/>
+              </a:cxn>
+              <a:cxn ang="0">
+                <a:pos x="connsiteX5" y="connsiteY5"/>
+              </a:cxn>
+              <a:cxn ang="0">
+                <a:pos x="connsiteX6" y="connsiteY6"/>
+              </a:cxn>
+            </a:cxnLst>
+            <a:rect l="l" t="t" r="r" b="b"/>
+            <a:pathLst>
+              <a:path w="4948887" h="6858000">
+                <a:moveTo>
+                  <a:pt x="0" y="0"/>
+                </a:moveTo>
+                <a:lnTo>
+                  <a:pt x="4099967" y="0"/>
+                </a:lnTo>
+                <a:lnTo>
+                  <a:pt x="4168864" y="123368"/>
+                </a:lnTo>
+                <a:cubicBezTo>
+                  <a:pt x="4658769" y="1045156"/>
+                  <a:pt x="4948887" y="2189404"/>
+                  <a:pt x="4948887" y="3429000"/>
+                </a:cubicBezTo>
+                <a:cubicBezTo>
+                  <a:pt x="4948887" y="4668597"/>
+                  <a:pt x="4658769" y="5812845"/>
+                  <a:pt x="4168864" y="6734633"/>
+                </a:cubicBezTo>
+                <a:lnTo>
+                  <a:pt x="4099967" y="6858000"/>
+                </a:lnTo>
+                <a:lnTo>
+                  <a:pt x="0" y="6858000"/>
+                </a:lnTo>
+                <a:close/>
+              </a:path>
+            </a:pathLst>
+          </a:custGeom>
+          <a:ln w="9525">
+            <a:noFill/>
+          </a:ln>
+          <a:effectLst/>
+        </p:spPr>
+        <p:style>
+          <a:lnRef idx="2">
+            <a:schemeClr val="accent1">
+              <a:shade val="50000"/>
+            </a:schemeClr>
+          </a:lnRef>
+          <a:fillRef idx="1">
+            <a:schemeClr val="accent1"/>
+          </a:fillRef>
+          <a:effectRef idx="0">
+            <a:schemeClr val="accent1"/>
+          </a:effectRef>
+          <a:fontRef idx="minor">
+            <a:schemeClr val="lt1"/>
+          </a:fontRef>
+        </p:style>
+        <p:txBody>
+          <a:bodyPr wrap="square" rtlCol="0" anchor="ctr">
+            <a:noAutofit/>
+          </a:bodyPr>
+          <a:lstStyle/>
+          <a:p>
+            <a:pPr marL="0" marR="0" lvl="0" indent="0" algn="ctr" defTabSz="914400" rtl="0" eaLnBrk="1" fontAlgn="auto" latinLnBrk="0" hangingPunct="1">
+              <a:lnSpc>
+                <a:spcPct val="100000"/>
+              </a:lnSpc>
+              <a:spcBef>
+                <a:spcPts val="0"/>
+              </a:spcBef>
+              <a:spcAft>
+                <a:spcPts val="0"/>
+              </a:spcAft>
+              <a:buClrTx/>
+              <a:buSzTx/>
+              <a:buFontTx/>
+              <a:buNone/>
+              <a:tabLst/>
+              <a:defRPr/>
+            </a:pPr>
+            <a:endParaRPr kumimoji="0" lang="en-US" sz="1800" b="0" i="0" u="none" strike="noStrike" kern="1200" cap="none" spc="0" normalizeH="0" baseline="0" noProof="0">
+              <a:ln>
+                <a:noFill/>
+              </a:ln>
+              <a:solidFill>
+                <a:prstClr val="white"/>
+              </a:solidFill>
+              <a:effectLst/>
+              <a:uLnTx/>
+              <a:uFillTx/>
+              <a:latin typeface="Calibri" panose="020F0502020204030204"/>
+              <a:ea typeface="+mn-ea"/>
+              <a:cs typeface="+mn-cs"/>
+            </a:endParaRPr>
+          </a:p>
+        </p:txBody>
+      </p:sp>
+      <p:sp>
+        <p:nvSpPr>
+          <p:cNvPr id="6" name="TextBox 5">
+            <a:extLst>
+              <a:ext uri="{FF2B5EF4-FFF2-40B4-BE49-F238E27FC236}">
+                <a16:creationId xmlns:a16="http://schemas.microsoft.com/office/drawing/2014/main" id="{C3A9A4E7-69CC-4FD0-AE73-7EA6EA0E5089}"/>
+              </a:ext>
+            </a:extLst>
+          </p:cNvPr>
+          <p:cNvSpPr txBox="1"/>
+          <p:nvPr/>
+        </p:nvSpPr>
+        <p:spPr>
+          <a:xfrm>
+            <a:off x="477981" y="1122363"/>
+            <a:ext cx="4023360" cy="3204134"/>
+          </a:xfrm>
+          <a:prstGeom prst="rect">
+            <a:avLst/>
+          </a:prstGeom>
+        </p:spPr>
+        <p:txBody>
+          <a:bodyPr vert="horz" lIns="91440" tIns="45720" rIns="91440" bIns="45720" rtlCol="0" anchor="b">
+            <a:normAutofit/>
+          </a:bodyPr>
+          <a:lstStyle/>
+          <a:p>
+            <a:pPr>
+              <a:lnSpc>
+                <a:spcPct val="90000"/>
+              </a:lnSpc>
+              <a:spcBef>
+                <a:spcPct val="0"/>
+              </a:spcBef>
+              <a:spcAft>
+                <a:spcPts val="600"/>
+              </a:spcAft>
+            </a:pPr>
+            <a:r>
+              <a:rPr lang="en-US" sz="3700" kern="1200">
+                <a:solidFill>
+                  <a:schemeClr val="tx1"/>
+                </a:solidFill>
+                <a:effectLst/>
+                <a:latin typeface="+mj-lt"/>
+                <a:ea typeface="+mj-ea"/>
+                <a:cs typeface="+mj-cs"/>
+              </a:rPr>
+              <a:t>Which district and Lower Layer Super Output Areas (LLSOAs) have higher rates of crime?</a:t>
+            </a:r>
+          </a:p>
+        </p:txBody>
+      </p:sp>
+      <p:sp>
+        <p:nvSpPr>
+          <p:cNvPr id="17" name="Rectangle 16">
+            <a:extLst>
+              <a:ext uri="{FF2B5EF4-FFF2-40B4-BE49-F238E27FC236}">
+                <a16:creationId xmlns:a16="http://schemas.microsoft.com/office/drawing/2014/main" id="{AF2F604E-43BE-4DC3-B983-E071523364F8}"/>
+              </a:ext>
+              <a:ext uri="{C183D7F6-B498-43B3-948B-1728B52AA6E4}">
+                <adec:decorative xmlns:adec="http://schemas.microsoft.com/office/drawing/2017/decorative" val="1"/>
+              </a:ext>
+            </a:extLst>
+          </p:cNvPr>
+          <p:cNvSpPr>
+            <a:spLocks noGrp="1" noRot="1" noChangeAspect="1" noMove="1" noResize="1" noEditPoints="1" noAdjustHandles="1" noChangeArrowheads="1" noChangeShapeType="1" noTextEdit="1"/>
+          </p:cNvSpPr>
+          <p:nvPr>
+            <p:extLst>
+              <p:ext uri="{386F3935-93C4-4BCD-93E2-E3B085C9AB24}">
+                <p16:designElem xmlns:p16="http://schemas.microsoft.com/office/powerpoint/2015/main" val="1"/>
+              </p:ext>
+            </p:extLst>
+          </p:nvPr>
+        </p:nvSpPr>
+        <p:spPr>
+          <a:xfrm rot="5400000">
+            <a:off x="759921" y="346791"/>
+            <a:ext cx="146304" cy="704088"/>
+          </a:xfrm>
+          <a:prstGeom prst="rect">
+            <a:avLst/>
+          </a:prstGeom>
+          <a:solidFill>
+            <a:schemeClr val="accent2"/>
+          </a:solidFill>
+          <a:ln>
+            <a:noFill/>
+          </a:ln>
+        </p:spPr>
+        <p:style>
+          <a:lnRef idx="2">
+            <a:schemeClr val="accent1">
+              <a:shade val="50000"/>
+            </a:schemeClr>
+          </a:lnRef>
+          <a:fillRef idx="1">
+            <a:schemeClr val="accent1"/>
+          </a:fillRef>
+          <a:effectRef idx="0">
+            <a:schemeClr val="accent1"/>
+          </a:effectRef>
+          <a:fontRef idx="minor">
+            <a:schemeClr val="lt1"/>
+          </a:fontRef>
+        </p:style>
+        <p:txBody>
+          <a:bodyPr rtlCol="0" anchor="ctr"/>
+          <a:lstStyle/>
+          <a:p>
+            <a:pPr algn="ctr"/>
+            <a:endParaRPr lang="en-US">
+              <a:solidFill>
+                <a:prstClr val="white"/>
+              </a:solidFill>
+              <a:latin typeface="Calibri" panose="020F0502020204030204"/>
+            </a:endParaRPr>
+          </a:p>
+        </p:txBody>
+      </p:sp>
+      <p:sp>
+        <p:nvSpPr>
+          <p:cNvPr id="19" name="Rectangle 18">
+            <a:extLst>
+              <a:ext uri="{FF2B5EF4-FFF2-40B4-BE49-F238E27FC236}">
+                <a16:creationId xmlns:a16="http://schemas.microsoft.com/office/drawing/2014/main" id="{08C9B587-E65E-4B52-B37C-ABEBB6E87928}"/>
+              </a:ext>
+              <a:ext uri="{C183D7F6-B498-43B3-948B-1728B52AA6E4}">
+                <adec:decorative xmlns:adec="http://schemas.microsoft.com/office/drawing/2017/decorative" val="1"/>
+              </a:ext>
+            </a:extLst>
+          </p:cNvPr>
+          <p:cNvSpPr>
+            <a:spLocks noGrp="1" noRot="1" noChangeAspect="1" noMove="1" noResize="1" noEditPoints="1" noAdjustHandles="1" noChangeArrowheads="1" noChangeShapeType="1" noTextEdit="1"/>
+          </p:cNvSpPr>
+          <p:nvPr>
+            <p:extLst>
+              <p:ext uri="{386F3935-93C4-4BCD-93E2-E3B085C9AB24}">
+                <p16:designElem xmlns:p16="http://schemas.microsoft.com/office/powerpoint/2015/main" val="1"/>
+              </p:ext>
+            </p:extLst>
+          </p:nvPr>
+        </p:nvSpPr>
+        <p:spPr>
+          <a:xfrm>
+            <a:off x="481029" y="4546920"/>
+            <a:ext cx="4023360" cy="18288"/>
+          </a:xfrm>
+          <a:prstGeom prst="rect">
+            <a:avLst/>
+          </a:prstGeom>
+          <a:solidFill>
+            <a:srgbClr val="D5D5D5"/>
+          </a:solidFill>
+          <a:ln w="3175">
+            <a:noFill/>
+          </a:ln>
+          <a:effectLst/>
+        </p:spPr>
+        <p:style>
+          <a:lnRef idx="2">
+            <a:schemeClr val="accent1">
+              <a:shade val="50000"/>
+            </a:schemeClr>
+          </a:lnRef>
+          <a:fillRef idx="1">
+            <a:schemeClr val="accent1"/>
+          </a:fillRef>
+          <a:effectRef idx="0">
+            <a:schemeClr val="accent1"/>
+          </a:effectRef>
+          <a:fontRef idx="minor">
+            <a:schemeClr val="lt1"/>
+          </a:fontRef>
+        </p:style>
+        <p:txBody>
+          <a:bodyPr rtlCol="0" anchor="ctr"/>
+          <a:lstStyle/>
+          <a:p>
+            <a:pPr marL="0" marR="0" lvl="0" indent="0" algn="ctr" defTabSz="914400" rtl="0" eaLnBrk="1" fontAlgn="auto" latinLnBrk="0" hangingPunct="1">
+              <a:lnSpc>
+                <a:spcPct val="100000"/>
+              </a:lnSpc>
+              <a:spcBef>
+                <a:spcPts val="0"/>
+              </a:spcBef>
+              <a:spcAft>
+                <a:spcPts val="0"/>
+              </a:spcAft>
+              <a:buClrTx/>
+              <a:buSzTx/>
+              <a:buFontTx/>
+              <a:buNone/>
+              <a:tabLst/>
+              <a:defRPr/>
+            </a:pPr>
+            <a:endParaRPr kumimoji="0" lang="en-US" sz="1800" b="0" i="0" u="none" strike="noStrike" kern="1200" cap="none" spc="0" normalizeH="0" baseline="0" noProof="0">
+              <a:ln>
+                <a:noFill/>
+              </a:ln>
+              <a:solidFill>
+                <a:prstClr val="white"/>
+              </a:solidFill>
+              <a:effectLst/>
+              <a:uLnTx/>
+              <a:uFillTx/>
+              <a:latin typeface="Calibri" panose="020F0502020204030204"/>
+              <a:ea typeface="+mn-ea"/>
+              <a:cs typeface="+mn-cs"/>
+            </a:endParaRPr>
+          </a:p>
+        </p:txBody>
+      </p:sp>
+      <p:pic>
+        <p:nvPicPr>
+          <p:cNvPr id="3" name="Picture 2" descr="Chart, bar chart&#10;&#10;Description automatically generated">
+            <a:extLst>
+              <a:ext uri="{FF2B5EF4-FFF2-40B4-BE49-F238E27FC236}">
+                <a16:creationId xmlns:a16="http://schemas.microsoft.com/office/drawing/2014/main" id="{2B77A3F5-AEFA-4FF6-874A-9484778ECD80}"/>
+              </a:ext>
+            </a:extLst>
+          </p:cNvPr>
+          <p:cNvPicPr>
+            <a:picLocks noChangeAspect="1"/>
+          </p:cNvPicPr>
+          <p:nvPr/>
+        </p:nvPicPr>
+        <p:blipFill>
+          <a:blip r:embed="rId2">
+            <a:extLst>
+              <a:ext uri="{28A0092B-C50C-407E-A947-70E740481C1C}">
+                <a14:useLocalDpi xmlns:a14="http://schemas.microsoft.com/office/drawing/2010/main" val="0"/>
+              </a:ext>
+            </a:extLst>
+          </a:blip>
+          <a:stretch>
+            <a:fillRect/>
+          </a:stretch>
+        </p:blipFill>
+        <p:spPr>
+          <a:xfrm>
+            <a:off x="4857144" y="1430723"/>
+            <a:ext cx="6966048" cy="4178676"/>
+          </a:xfrm>
+          <a:prstGeom prst="rect">
+            <a:avLst/>
+          </a:prstGeom>
+        </p:spPr>
+      </p:pic>
+    </p:spTree>
+    <p:extLst>
+      <p:ext uri="{BB962C8B-B14F-4D97-AF65-F5344CB8AC3E}">
+        <p14:creationId xmlns:p14="http://schemas.microsoft.com/office/powerpoint/2010/main" val="2483310997"/>
+      </p:ext>
+    </p:extLst>
+  </p:cSld>
+  <p:clrMapOvr>
+    <a:masterClrMapping/>
+  </p:clrMapOvr>
+</p:sld>
+</file>
+
+<file path=ppt/slides/slide11.xml><?xml version="1.0" encoding="utf-8"?>
+<p:sld xmlns:a="http://schemas.openxmlformats.org/drawingml/2006/main" xmlns:r="http://schemas.openxmlformats.org/officeDocument/2006/relationships" xmlns:p="http://schemas.openxmlformats.org/presentationml/2006/main">
+  <p:cSld>
+    <p:bg>
+      <p:bgPr>
+        <a:solidFill>
+          <a:schemeClr val="bg1"/>
+        </a:solidFill>
+        <a:effectLst/>
+      </p:bgPr>
+    </p:bg>
     <p:spTree>
       <p:nvGrpSpPr>
         <p:cNvPr id="1" name=""/>
@@ -3526,55 +4222,269 @@
       </p:grpSpPr>
       <p:sp>
         <p:nvSpPr>
-          <p:cNvPr id="6" name="TextBox 5">
-            <a:extLst>
-              <a:ext uri="{FF2B5EF4-FFF2-40B4-BE49-F238E27FC236}">
-                <a16:creationId xmlns:a16="http://schemas.microsoft.com/office/drawing/2014/main" id="{C3A9A4E7-69CC-4FD0-AE73-7EA6EA0E5089}"/>
-              </a:ext>
-            </a:extLst>
-          </p:cNvPr>
-          <p:cNvSpPr txBox="1"/>
-          <p:nvPr/>
-        </p:nvSpPr>
-        <p:spPr>
+          <p:cNvPr id="43" name="Freeform 6">
+            <a:extLst>
+              <a:ext uri="{FF2B5EF4-FFF2-40B4-BE49-F238E27FC236}">
+                <a16:creationId xmlns:a16="http://schemas.microsoft.com/office/drawing/2014/main" id="{69D184B2-2226-4E31-BCCB-444330767440}"/>
+              </a:ext>
+              <a:ext uri="{C183D7F6-B498-43B3-948B-1728B52AA6E4}">
+                <adec:decorative xmlns:adec="http://schemas.microsoft.com/office/drawing/2017/decorative" val="1"/>
+              </a:ext>
+            </a:extLst>
+          </p:cNvPr>
+          <p:cNvSpPr>
+            <a:spLocks noGrp="1" noRot="1" noChangeAspect="1" noMove="1" noResize="1" noEditPoints="1" noAdjustHandles="1" noChangeArrowheads="1" noChangeShapeType="1" noTextEdit="1"/>
+          </p:cNvSpPr>
+          <p:nvPr>
+            <p:extLst>
+              <p:ext uri="{386F3935-93C4-4BCD-93E2-E3B085C9AB24}">
+                <p16:designElem xmlns:p16="http://schemas.microsoft.com/office/powerpoint/2015/main" val="1"/>
+              </p:ext>
+            </p:extLst>
+          </p:nvPr>
+        </p:nvSpPr>
+        <p:spPr bwMode="auto">
           <a:xfrm>
-            <a:off x="92475" y="76983"/>
-            <a:ext cx="6094520" cy="375552"/>
+            <a:off x="11118533" y="918266"/>
+            <a:ext cx="706127" cy="5863534"/>
+          </a:xfrm>
+          <a:custGeom>
+            <a:avLst/>
+            <a:gdLst>
+              <a:gd name="T0" fmla="*/ 414 w 414"/>
+              <a:gd name="T1" fmla="*/ 2447 h 2447"/>
+              <a:gd name="T2" fmla="*/ 0 w 414"/>
+              <a:gd name="T3" fmla="*/ 2247 h 2447"/>
+              <a:gd name="T4" fmla="*/ 0 w 414"/>
+              <a:gd name="T5" fmla="*/ 0 h 2447"/>
+              <a:gd name="T6" fmla="*/ 414 w 414"/>
+              <a:gd name="T7" fmla="*/ 200 h 2447"/>
+              <a:gd name="T8" fmla="*/ 414 w 414"/>
+              <a:gd name="T9" fmla="*/ 2447 h 2447"/>
+            </a:gdLst>
+            <a:ahLst/>
+            <a:cxnLst>
+              <a:cxn ang="0">
+                <a:pos x="T0" y="T1"/>
+              </a:cxn>
+              <a:cxn ang="0">
+                <a:pos x="T2" y="T3"/>
+              </a:cxn>
+              <a:cxn ang="0">
+                <a:pos x="T4" y="T5"/>
+              </a:cxn>
+              <a:cxn ang="0">
+                <a:pos x="T6" y="T7"/>
+              </a:cxn>
+              <a:cxn ang="0">
+                <a:pos x="T8" y="T9"/>
+              </a:cxn>
+            </a:cxnLst>
+            <a:rect l="0" t="0" r="r" b="b"/>
+            <a:pathLst>
+              <a:path w="414" h="2447">
+                <a:moveTo>
+                  <a:pt x="414" y="2447"/>
+                </a:moveTo>
+                <a:lnTo>
+                  <a:pt x="0" y="2247"/>
+                </a:lnTo>
+                <a:lnTo>
+                  <a:pt x="0" y="0"/>
+                </a:lnTo>
+                <a:lnTo>
+                  <a:pt x="414" y="200"/>
+                </a:lnTo>
+                <a:lnTo>
+                  <a:pt x="414" y="2447"/>
+                </a:lnTo>
+                <a:close/>
+              </a:path>
+            </a:pathLst>
+          </a:custGeom>
+          <a:solidFill>
+            <a:schemeClr val="accent1">
+              <a:lumMod val="75000"/>
+            </a:schemeClr>
+          </a:solidFill>
+          <a:ln>
+            <a:noFill/>
+          </a:ln>
+        </p:spPr>
+        <p:txBody>
+          <a:bodyPr vert="horz" wrap="square" lIns="91440" tIns="45720" rIns="91440" bIns="45720" numCol="1" anchor="t" anchorCtr="0" compatLnSpc="1">
+            <a:prstTxWarp prst="textNoShape">
+              <a:avLst/>
+            </a:prstTxWarp>
+          </a:bodyPr>
+          <a:lstStyle/>
+          <a:p>
+            <a:endParaRPr lang="en-US"/>
+          </a:p>
+        </p:txBody>
+      </p:sp>
+      <p:sp>
+        <p:nvSpPr>
+          <p:cNvPr id="45" name="Freeform 7">
+            <a:extLst>
+              <a:ext uri="{FF2B5EF4-FFF2-40B4-BE49-F238E27FC236}">
+                <a16:creationId xmlns:a16="http://schemas.microsoft.com/office/drawing/2014/main" id="{1AC4D4E3-486A-464A-8EC8-D44881097267}"/>
+              </a:ext>
+              <a:ext uri="{C183D7F6-B498-43B3-948B-1728B52AA6E4}">
+                <adec:decorative xmlns:adec="http://schemas.microsoft.com/office/drawing/2017/decorative" val="1"/>
+              </a:ext>
+            </a:extLst>
+          </p:cNvPr>
+          <p:cNvSpPr>
+            <a:spLocks noGrp="1" noRot="1" noChangeAspect="1" noMove="1" noResize="1" noEditPoints="1" noAdjustHandles="1" noChangeArrowheads="1" noChangeShapeType="1" noTextEdit="1"/>
+          </p:cNvSpPr>
+          <p:nvPr>
+            <p:extLst>
+              <p:ext uri="{386F3935-93C4-4BCD-93E2-E3B085C9AB24}">
+                <p16:designElem xmlns:p16="http://schemas.microsoft.com/office/powerpoint/2015/main" val="1"/>
+              </p:ext>
+            </p:extLst>
+          </p:nvPr>
+        </p:nvSpPr>
+        <p:spPr bwMode="auto">
+          <a:xfrm>
+            <a:off x="11117879" y="643467"/>
+            <a:ext cx="420307" cy="5668919"/>
+          </a:xfrm>
+          <a:custGeom>
+            <a:avLst/>
+            <a:gdLst>
+              <a:gd name="T0" fmla="*/ 209 w 209"/>
+              <a:gd name="T1" fmla="*/ 2246 h 2358"/>
+              <a:gd name="T2" fmla="*/ 0 w 209"/>
+              <a:gd name="T3" fmla="*/ 2358 h 2358"/>
+              <a:gd name="T4" fmla="*/ 0 w 209"/>
+              <a:gd name="T5" fmla="*/ 111 h 2358"/>
+              <a:gd name="T6" fmla="*/ 209 w 209"/>
+              <a:gd name="T7" fmla="*/ 0 h 2358"/>
+              <a:gd name="T8" fmla="*/ 209 w 209"/>
+              <a:gd name="T9" fmla="*/ 2246 h 2358"/>
+            </a:gdLst>
+            <a:ahLst/>
+            <a:cxnLst>
+              <a:cxn ang="0">
+                <a:pos x="T0" y="T1"/>
+              </a:cxn>
+              <a:cxn ang="0">
+                <a:pos x="T2" y="T3"/>
+              </a:cxn>
+              <a:cxn ang="0">
+                <a:pos x="T4" y="T5"/>
+              </a:cxn>
+              <a:cxn ang="0">
+                <a:pos x="T6" y="T7"/>
+              </a:cxn>
+              <a:cxn ang="0">
+                <a:pos x="T8" y="T9"/>
+              </a:cxn>
+            </a:cxnLst>
+            <a:rect l="0" t="0" r="r" b="b"/>
+            <a:pathLst>
+              <a:path w="209" h="2358">
+                <a:moveTo>
+                  <a:pt x="209" y="2246"/>
+                </a:moveTo>
+                <a:lnTo>
+                  <a:pt x="0" y="2358"/>
+                </a:lnTo>
+                <a:lnTo>
+                  <a:pt x="0" y="111"/>
+                </a:lnTo>
+                <a:lnTo>
+                  <a:pt x="209" y="0"/>
+                </a:lnTo>
+                <a:lnTo>
+                  <a:pt x="209" y="2246"/>
+                </a:lnTo>
+                <a:close/>
+              </a:path>
+            </a:pathLst>
+          </a:custGeom>
+          <a:solidFill>
+            <a:schemeClr val="accent1">
+              <a:lumMod val="50000"/>
+            </a:schemeClr>
+          </a:solidFill>
+          <a:ln>
+            <a:noFill/>
+          </a:ln>
+        </p:spPr>
+        <p:txBody>
+          <a:bodyPr vert="horz" wrap="square" lIns="91440" tIns="45720" rIns="91440" bIns="45720" numCol="1" anchor="t" anchorCtr="0" compatLnSpc="1">
+            <a:prstTxWarp prst="textNoShape">
+              <a:avLst/>
+            </a:prstTxWarp>
+          </a:bodyPr>
+          <a:lstStyle/>
+          <a:p>
+            <a:endParaRPr lang="en-US"/>
+          </a:p>
+        </p:txBody>
+      </p:sp>
+      <p:sp>
+        <p:nvSpPr>
+          <p:cNvPr id="47" name="Rectangle 46">
+            <a:extLst>
+              <a:ext uri="{FF2B5EF4-FFF2-40B4-BE49-F238E27FC236}">
+                <a16:creationId xmlns:a16="http://schemas.microsoft.com/office/drawing/2014/main" id="{864DE13E-58EB-4475-B79C-0D4FC651239B}"/>
+              </a:ext>
+              <a:ext uri="{C183D7F6-B498-43B3-948B-1728B52AA6E4}">
+                <adec:decorative xmlns:adec="http://schemas.microsoft.com/office/drawing/2017/decorative" val="1"/>
+              </a:ext>
+            </a:extLst>
+          </p:cNvPr>
+          <p:cNvSpPr>
+            <a:spLocks noGrp="1" noRot="1" noChangeAspect="1" noMove="1" noResize="1" noEditPoints="1" noAdjustHandles="1" noChangeArrowheads="1" noChangeShapeType="1" noTextEdit="1"/>
+          </p:cNvSpPr>
+          <p:nvPr>
+            <p:extLst>
+              <p:ext uri="{386F3935-93C4-4BCD-93E2-E3B085C9AB24}">
+                <p16:designElem xmlns:p16="http://schemas.microsoft.com/office/powerpoint/2015/main" val="1"/>
+              </p:ext>
+            </p:extLst>
+          </p:nvPr>
+        </p:nvSpPr>
+        <p:spPr bwMode="auto">
+          <a:xfrm>
+            <a:off x="638387" y="643467"/>
+            <a:ext cx="10933503" cy="5391944"/>
           </a:xfrm>
           <a:prstGeom prst="rect">
             <a:avLst/>
           </a:prstGeom>
-          <a:noFill/>
+          <a:solidFill>
+            <a:srgbClr val="FFFFFF"/>
+          </a:solidFill>
+          <a:ln w="12700">
+            <a:solidFill>
+              <a:schemeClr val="accent1"/>
+            </a:solidFill>
+            <a:miter lim="800000"/>
+          </a:ln>
         </p:spPr>
         <p:txBody>
-          <a:bodyPr wrap="square">
-            <a:spAutoFit/>
+          <a:bodyPr vert="horz" wrap="square" lIns="91440" tIns="45720" rIns="91440" bIns="45720" numCol="1" anchor="t" anchorCtr="0" compatLnSpc="1">
+            <a:prstTxWarp prst="textNoShape">
+              <a:avLst/>
+            </a:prstTxWarp>
           </a:bodyPr>
           <a:lstStyle/>
           <a:p>
-            <a:pPr>
-              <a:lnSpc>
-                <a:spcPct val="107000"/>
-              </a:lnSpc>
-            </a:pPr>
-            <a:r>
-              <a:rPr lang="en-US" sz="1800">
-                <a:effectLst/>
-                <a:latin typeface="Calibri" panose="020F0502020204030204" pitchFamily="34" charset="0"/>
-                <a:ea typeface="Calibri" panose="020F0502020204030204" pitchFamily="34" charset="0"/>
-                <a:cs typeface="Times New Roman" panose="02020603050405020304" pitchFamily="18" charset="0"/>
-              </a:rPr>
-              <a:t>What type of crime might you be exposed to in certain LLSOAs?</a:t>
-            </a:r>
+            <a:endParaRPr lang="en-US"/>
           </a:p>
         </p:txBody>
       </p:sp>
       <p:pic>
         <p:nvPicPr>
-          <p:cNvPr id="5" name="Picture 4" descr="Chart, pie chart&#10;&#10;Description automatically generated">
-            <a:extLst>
-              <a:ext uri="{FF2B5EF4-FFF2-40B4-BE49-F238E27FC236}">
-                <a16:creationId xmlns:a16="http://schemas.microsoft.com/office/drawing/2014/main" id="{D2386F5A-60AB-4F42-B0E1-36EA1F386DE6}"/>
+          <p:cNvPr id="13" name="Picture 12" descr="Chart, scatter chart&#10;&#10;Description automatically generated">
+            <a:extLst>
+              <a:ext uri="{FF2B5EF4-FFF2-40B4-BE49-F238E27FC236}">
+                <a16:creationId xmlns:a16="http://schemas.microsoft.com/office/drawing/2014/main" id="{64CAFD55-4E8D-1AF8-1B0B-2F952C3B32E1}"/>
               </a:ext>
             </a:extLst>
           </p:cNvPr>
@@ -3583,7 +4493,7 @@
           </p:cNvPicPr>
           <p:nvPr/>
         </p:nvPicPr>
-        <p:blipFill>
+        <p:blipFill rotWithShape="1">
           <a:blip r:embed="rId2">
             <a:extLst>
               <a:ext uri="{28A0092B-C50C-407E-A947-70E740481C1C}">
@@ -3591,14 +4501,13 @@
               </a:ext>
             </a:extLst>
           </a:blip>
-          <a:stretch>
-            <a:fillRect/>
-          </a:stretch>
+          <a:srcRect t="3465" r="1" b="3392"/>
+          <a:stretch/>
         </p:blipFill>
         <p:spPr>
           <a:xfrm>
-            <a:off x="-1607206" y="76982"/>
-            <a:ext cx="6252296" cy="3751378"/>
+            <a:off x="4157663" y="572911"/>
+            <a:ext cx="3728334" cy="2034647"/>
           </a:xfrm>
           <a:prstGeom prst="rect">
             <a:avLst/>
@@ -3607,10 +4516,10 @@
       </p:pic>
       <p:pic>
         <p:nvPicPr>
-          <p:cNvPr id="8" name="Picture 7" descr="Chart, pie chart&#10;&#10;Description automatically generated">
-            <a:extLst>
-              <a:ext uri="{FF2B5EF4-FFF2-40B4-BE49-F238E27FC236}">
-                <a16:creationId xmlns:a16="http://schemas.microsoft.com/office/drawing/2014/main" id="{658C4970-0496-4FEC-B2A9-DCAFF7CCF628}"/>
+          <p:cNvPr id="5" name="Picture 4" descr="Chart, scatter chart&#10;&#10;Description automatically generated">
+            <a:extLst>
+              <a:ext uri="{FF2B5EF4-FFF2-40B4-BE49-F238E27FC236}">
+                <a16:creationId xmlns:a16="http://schemas.microsoft.com/office/drawing/2014/main" id="{34185AEC-4228-46C1-AB34-FCBCEBC2A130}"/>
               </a:ext>
             </a:extLst>
           </p:cNvPr>
@@ -3619,7 +4528,7 @@
           </p:cNvPicPr>
           <p:nvPr/>
         </p:nvPicPr>
-        <p:blipFill>
+        <p:blipFill rotWithShape="1">
           <a:blip r:embed="rId3">
             <a:extLst>
               <a:ext uri="{28A0092B-C50C-407E-A947-70E740481C1C}">
@@ -3627,14 +4536,13 @@
               </a:ext>
             </a:extLst>
           </a:blip>
-          <a:stretch>
-            <a:fillRect/>
-          </a:stretch>
+          <a:srcRect t="3205" r="2" b="3094"/>
+          <a:stretch/>
         </p:blipFill>
         <p:spPr>
           <a:xfrm>
-            <a:off x="1155440" y="120136"/>
-            <a:ext cx="6252296" cy="3751378"/>
+            <a:off x="257352" y="3532189"/>
+            <a:ext cx="4388732" cy="2371901"/>
           </a:xfrm>
           <a:prstGeom prst="rect">
             <a:avLst/>
@@ -3643,10 +4551,10 @@
       </p:pic>
       <p:pic>
         <p:nvPicPr>
-          <p:cNvPr id="10" name="Picture 9" descr="Chart, pie chart&#10;&#10;Description automatically generated">
-            <a:extLst>
-              <a:ext uri="{FF2B5EF4-FFF2-40B4-BE49-F238E27FC236}">
-                <a16:creationId xmlns:a16="http://schemas.microsoft.com/office/drawing/2014/main" id="{F0958C8F-FF24-44E9-A3A6-FDDBF95346CE}"/>
+          <p:cNvPr id="7" name="Picture 6" descr="Chart, scatter chart&#10;&#10;Description automatically generated">
+            <a:extLst>
+              <a:ext uri="{FF2B5EF4-FFF2-40B4-BE49-F238E27FC236}">
+                <a16:creationId xmlns:a16="http://schemas.microsoft.com/office/drawing/2014/main" id="{FC9B2650-C014-D9A3-2BC4-9B5385CDC67A}"/>
               </a:ext>
             </a:extLst>
           </p:cNvPr>
@@ -3655,7 +4563,7 @@
           </p:cNvPicPr>
           <p:nvPr/>
         </p:nvPicPr>
-        <p:blipFill>
+        <p:blipFill rotWithShape="1">
           <a:blip r:embed="rId4">
             <a:extLst>
               <a:ext uri="{28A0092B-C50C-407E-A947-70E740481C1C}">
@@ -3663,14 +4571,13 @@
               </a:ext>
             </a:extLst>
           </a:blip>
-          <a:stretch>
-            <a:fillRect/>
-          </a:stretch>
+          <a:srcRect t="3307" r="2" b="2992"/>
+          <a:stretch/>
         </p:blipFill>
         <p:spPr>
           <a:xfrm>
-            <a:off x="3963244" y="120136"/>
-            <a:ext cx="6252296" cy="3751378"/>
+            <a:off x="393172" y="702736"/>
+            <a:ext cx="4117620" cy="2219499"/>
           </a:xfrm>
           <a:prstGeom prst="rect">
             <a:avLst/>
@@ -3679,10 +4586,10 @@
       </p:pic>
       <p:pic>
         <p:nvPicPr>
-          <p:cNvPr id="12" name="Picture 11" descr="Chart, pie chart&#10;&#10;Description automatically generated">
-            <a:extLst>
-              <a:ext uri="{FF2B5EF4-FFF2-40B4-BE49-F238E27FC236}">
-                <a16:creationId xmlns:a16="http://schemas.microsoft.com/office/drawing/2014/main" id="{3EEF34B6-9214-4848-B446-753E7297E044}"/>
+          <p:cNvPr id="11" name="Picture 10" descr="Chart, scatter chart&#10;&#10;Description automatically generated">
+            <a:extLst>
+              <a:ext uri="{FF2B5EF4-FFF2-40B4-BE49-F238E27FC236}">
+                <a16:creationId xmlns:a16="http://schemas.microsoft.com/office/drawing/2014/main" id="{D83EB581-AE52-2B15-8F50-6AC0C414FBA2}"/>
               </a:ext>
             </a:extLst>
           </p:cNvPr>
@@ -3691,7 +4598,7 @@
           </p:cNvPicPr>
           <p:nvPr/>
         </p:nvPicPr>
-        <p:blipFill>
+        <p:blipFill rotWithShape="1">
           <a:blip r:embed="rId5">
             <a:extLst>
               <a:ext uri="{28A0092B-C50C-407E-A947-70E740481C1C}">
@@ -3699,14 +4606,13 @@
               </a:ext>
             </a:extLst>
           </a:blip>
-          <a:stretch>
-            <a:fillRect/>
-          </a:stretch>
+          <a:srcRect t="3475" r="1" b="3381"/>
+          <a:stretch/>
         </p:blipFill>
         <p:spPr>
           <a:xfrm>
-            <a:off x="-879655" y="2944918"/>
-            <a:ext cx="6807323" cy="4084395"/>
+            <a:off x="4135440" y="2390600"/>
+            <a:ext cx="3733797" cy="1968145"/>
           </a:xfrm>
           <a:prstGeom prst="rect">
             <a:avLst/>
@@ -3715,10 +4621,10 @@
       </p:pic>
       <p:pic>
         <p:nvPicPr>
-          <p:cNvPr id="18" name="Picture 17" descr="Chart, pie chart&#10;&#10;Description automatically generated">
-            <a:extLst>
-              <a:ext uri="{FF2B5EF4-FFF2-40B4-BE49-F238E27FC236}">
-                <a16:creationId xmlns:a16="http://schemas.microsoft.com/office/drawing/2014/main" id="{6982F7E3-2C9F-42AE-87BF-2AEA98886514}"/>
+          <p:cNvPr id="9" name="Picture 8" descr="Chart, scatter chart&#10;&#10;Description automatically generated">
+            <a:extLst>
+              <a:ext uri="{FF2B5EF4-FFF2-40B4-BE49-F238E27FC236}">
+                <a16:creationId xmlns:a16="http://schemas.microsoft.com/office/drawing/2014/main" id="{8B96B9AD-63B7-A37F-70D2-9B301CB8A672}"/>
               </a:ext>
             </a:extLst>
           </p:cNvPr>
@@ -3727,7 +4633,7 @@
           </p:cNvPicPr>
           <p:nvPr/>
         </p:nvPicPr>
-        <p:blipFill>
+        <p:blipFill rotWithShape="1">
           <a:blip r:embed="rId6">
             <a:extLst>
               <a:ext uri="{28A0092B-C50C-407E-A947-70E740481C1C}">
@@ -3735,14 +4641,13 @@
               </a:ext>
             </a:extLst>
           </a:blip>
-          <a:stretch>
-            <a:fillRect/>
-          </a:stretch>
+          <a:srcRect t="3466" r="1" b="3390"/>
+          <a:stretch/>
         </p:blipFill>
         <p:spPr>
           <a:xfrm>
-            <a:off x="7008015" y="163289"/>
-            <a:ext cx="6252297" cy="3751378"/>
+            <a:off x="4163662" y="4188355"/>
+            <a:ext cx="3711220" cy="1900414"/>
           </a:xfrm>
           <a:prstGeom prst="rect">
             <a:avLst/>
@@ -3751,10 +4656,10 @@
       </p:pic>
       <p:pic>
         <p:nvPicPr>
-          <p:cNvPr id="20" name="Picture 19" descr="Chart, pie chart&#10;&#10;Description automatically generated">
-            <a:extLst>
-              <a:ext uri="{FF2B5EF4-FFF2-40B4-BE49-F238E27FC236}">
-                <a16:creationId xmlns:a16="http://schemas.microsoft.com/office/drawing/2014/main" id="{EA338B57-5D9C-4EDF-B3E9-9F2CAD8C509B}"/>
+          <p:cNvPr id="15" name="Picture 14" descr="Chart, scatter chart&#10;&#10;Description automatically generated">
+            <a:extLst>
+              <a:ext uri="{FF2B5EF4-FFF2-40B4-BE49-F238E27FC236}">
+                <a16:creationId xmlns:a16="http://schemas.microsoft.com/office/drawing/2014/main" id="{21BB1A6A-9BF2-502F-83E1-D2FEEEA9D30A}"/>
               </a:ext>
             </a:extLst>
           </p:cNvPr>
@@ -3763,7 +4668,7 @@
           </p:cNvPicPr>
           <p:nvPr/>
         </p:nvPicPr>
-        <p:blipFill>
+        <p:blipFill rotWithShape="1">
           <a:blip r:embed="rId7">
             <a:extLst>
               <a:ext uri="{28A0092B-C50C-407E-A947-70E740481C1C}">
@@ -3771,14 +4676,13 @@
               </a:ext>
             </a:extLst>
           </a:blip>
-          <a:stretch>
-            <a:fillRect/>
-          </a:stretch>
+          <a:srcRect t="3469" r="1" b="3388"/>
+          <a:stretch/>
         </p:blipFill>
         <p:spPr>
           <a:xfrm>
-            <a:off x="5801053" y="3072638"/>
-            <a:ext cx="6807324" cy="4084394"/>
+            <a:off x="7463367" y="657577"/>
+            <a:ext cx="4242329" cy="2260424"/>
           </a:xfrm>
           <a:prstGeom prst="rect">
             <a:avLst/>
@@ -3787,10 +4691,10 @@
       </p:pic>
       <p:pic>
         <p:nvPicPr>
-          <p:cNvPr id="22" name="Picture 21" descr="Chart, pie chart&#10;&#10;Description automatically generated">
-            <a:extLst>
-              <a:ext uri="{FF2B5EF4-FFF2-40B4-BE49-F238E27FC236}">
-                <a16:creationId xmlns:a16="http://schemas.microsoft.com/office/drawing/2014/main" id="{B663E0EA-EE84-4E00-9521-64EA876491A7}"/>
+          <p:cNvPr id="17" name="Picture 16" descr="Chart, scatter chart&#10;&#10;Description automatically generated">
+            <a:extLst>
+              <a:ext uri="{FF2B5EF4-FFF2-40B4-BE49-F238E27FC236}">
+                <a16:creationId xmlns:a16="http://schemas.microsoft.com/office/drawing/2014/main" id="{6786906B-BF69-462D-2DF6-63B4EEE6992A}"/>
               </a:ext>
             </a:extLst>
           </p:cNvPr>
@@ -3799,7 +4703,7 @@
           </p:cNvPicPr>
           <p:nvPr/>
         </p:nvPicPr>
-        <p:blipFill>
+        <p:blipFill rotWithShape="1">
           <a:blip r:embed="rId8">
             <a:extLst>
               <a:ext uri="{28A0092B-C50C-407E-A947-70E740481C1C}">
@@ -3807,14 +4711,13 @@
               </a:ext>
             </a:extLst>
           </a:blip>
-          <a:stretch>
-            <a:fillRect/>
-          </a:stretch>
+          <a:srcRect l="1485" r="-1" b="-1"/>
+          <a:stretch/>
         </p:blipFill>
         <p:spPr>
           <a:xfrm>
-            <a:off x="2524007" y="3072638"/>
-            <a:ext cx="6807322" cy="4084394"/>
+            <a:off x="7514167" y="3475744"/>
+            <a:ext cx="4242329" cy="2490435"/>
           </a:xfrm>
           <a:prstGeom prst="rect">
             <a:avLst/>
@@ -3824,328 +4727,7 @@
     </p:spTree>
     <p:extLst>
       <p:ext uri="{BB962C8B-B14F-4D97-AF65-F5344CB8AC3E}">
-        <p14:creationId xmlns:p14="http://schemas.microsoft.com/office/powerpoint/2010/main" val="283133807"/>
-      </p:ext>
-    </p:extLst>
-  </p:cSld>
-  <p:clrMapOvr>
-    <a:masterClrMapping/>
-  </p:clrMapOvr>
-</p:sld>
-</file>
-
-<file path=ppt/slides/slide11.xml><?xml version="1.0" encoding="utf-8"?>
-<p:sld xmlns:a="http://schemas.openxmlformats.org/drawingml/2006/main" xmlns:r="http://schemas.openxmlformats.org/officeDocument/2006/relationships" xmlns:p="http://schemas.openxmlformats.org/presentationml/2006/main">
-  <p:cSld>
-    <p:spTree>
-      <p:nvGrpSpPr>
-        <p:cNvPr id="1" name=""/>
-        <p:cNvGrpSpPr/>
-        <p:nvPr/>
-      </p:nvGrpSpPr>
-      <p:grpSpPr>
-        <a:xfrm>
-          <a:off x="0" y="0"/>
-          <a:ext cx="0" cy="0"/>
-          <a:chOff x="0" y="0"/>
-          <a:chExt cx="0" cy="0"/>
-        </a:xfrm>
-      </p:grpSpPr>
-      <p:sp>
-        <p:nvSpPr>
-          <p:cNvPr id="6" name="TextBox 5">
-            <a:extLst>
-              <a:ext uri="{FF2B5EF4-FFF2-40B4-BE49-F238E27FC236}">
-                <a16:creationId xmlns:a16="http://schemas.microsoft.com/office/drawing/2014/main" id="{C3A9A4E7-69CC-4FD0-AE73-7EA6EA0E5089}"/>
-              </a:ext>
-            </a:extLst>
-          </p:cNvPr>
-          <p:cNvSpPr txBox="1"/>
-          <p:nvPr/>
-        </p:nvSpPr>
-        <p:spPr>
-          <a:xfrm>
-            <a:off x="92475" y="76983"/>
-            <a:ext cx="6094520" cy="375552"/>
-          </a:xfrm>
-          <a:prstGeom prst="rect">
-            <a:avLst/>
-          </a:prstGeom>
-          <a:noFill/>
-        </p:spPr>
-        <p:txBody>
-          <a:bodyPr wrap="square">
-            <a:spAutoFit/>
-          </a:bodyPr>
-          <a:lstStyle/>
-          <a:p>
-            <a:pPr>
-              <a:lnSpc>
-                <a:spcPct val="107000"/>
-              </a:lnSpc>
-            </a:pPr>
-            <a:r>
-              <a:rPr lang="en-US" sz="1800">
-                <a:effectLst/>
-                <a:latin typeface="Calibri" panose="020F0502020204030204" pitchFamily="34" charset="0"/>
-                <a:ea typeface="Calibri" panose="020F0502020204030204" pitchFamily="34" charset="0"/>
-                <a:cs typeface="Times New Roman" panose="02020603050405020304" pitchFamily="18" charset="0"/>
-              </a:rPr>
-              <a:t>Where is the safest place to park your bike?</a:t>
-            </a:r>
-            <a:endParaRPr lang="en-GB" sz="1800">
-              <a:effectLst/>
-              <a:latin typeface="Calibri" panose="020F0502020204030204" pitchFamily="34" charset="0"/>
-              <a:ea typeface="Calibri" panose="020F0502020204030204" pitchFamily="34" charset="0"/>
-              <a:cs typeface="Times New Roman" panose="02020603050405020304" pitchFamily="18" charset="0"/>
-            </a:endParaRPr>
-          </a:p>
-        </p:txBody>
-      </p:sp>
-      <p:pic>
-        <p:nvPicPr>
-          <p:cNvPr id="12" name="Picture 11" descr="Map&#10;&#10;Description automatically generated">
-            <a:extLst>
-              <a:ext uri="{FF2B5EF4-FFF2-40B4-BE49-F238E27FC236}">
-                <a16:creationId xmlns:a16="http://schemas.microsoft.com/office/drawing/2014/main" id="{776A329B-8914-461E-B167-8E005BFEF6FA}"/>
-              </a:ext>
-            </a:extLst>
-          </p:cNvPr>
-          <p:cNvPicPr>
-            <a:picLocks noChangeAspect="1"/>
-          </p:cNvPicPr>
-          <p:nvPr/>
-        </p:nvPicPr>
-        <p:blipFill>
-          <a:blip r:embed="rId2">
-            <a:extLst>
-              <a:ext uri="{28A0092B-C50C-407E-A947-70E740481C1C}">
-                <a14:useLocalDpi xmlns:a14="http://schemas.microsoft.com/office/drawing/2010/main" val="0"/>
-              </a:ext>
-            </a:extLst>
-          </a:blip>
-          <a:stretch>
-            <a:fillRect/>
-          </a:stretch>
-        </p:blipFill>
-        <p:spPr>
-          <a:xfrm>
-            <a:off x="9719" y="2314232"/>
-            <a:ext cx="6094520" cy="4265322"/>
-          </a:xfrm>
-          <a:prstGeom prst="rect">
-            <a:avLst/>
-          </a:prstGeom>
-        </p:spPr>
-      </p:pic>
-      <p:pic>
-        <p:nvPicPr>
-          <p:cNvPr id="14" name="Picture 13" descr="Map&#10;&#10;Description automatically generated">
-            <a:extLst>
-              <a:ext uri="{FF2B5EF4-FFF2-40B4-BE49-F238E27FC236}">
-                <a16:creationId xmlns:a16="http://schemas.microsoft.com/office/drawing/2014/main" id="{8DC62B4E-82BD-4A75-B175-92E6FA735F25}"/>
-              </a:ext>
-            </a:extLst>
-          </p:cNvPr>
-          <p:cNvPicPr>
-            <a:picLocks noChangeAspect="1"/>
-          </p:cNvPicPr>
-          <p:nvPr/>
-        </p:nvPicPr>
-        <p:blipFill>
-          <a:blip r:embed="rId3">
-            <a:extLst>
-              <a:ext uri="{28A0092B-C50C-407E-A947-70E740481C1C}">
-                <a14:useLocalDpi xmlns:a14="http://schemas.microsoft.com/office/drawing/2010/main" val="0"/>
-              </a:ext>
-            </a:extLst>
-          </a:blip>
-          <a:stretch>
-            <a:fillRect/>
-          </a:stretch>
-        </p:blipFill>
-        <p:spPr>
-          <a:xfrm>
-            <a:off x="6131958" y="2304502"/>
-            <a:ext cx="6069968" cy="4282446"/>
-          </a:xfrm>
-          <a:prstGeom prst="rect">
-            <a:avLst/>
-          </a:prstGeom>
-        </p:spPr>
-      </p:pic>
-      <p:sp>
-        <p:nvSpPr>
-          <p:cNvPr id="15" name="TextBox 14">
-            <a:extLst>
-              <a:ext uri="{FF2B5EF4-FFF2-40B4-BE49-F238E27FC236}">
-                <a16:creationId xmlns:a16="http://schemas.microsoft.com/office/drawing/2014/main" id="{EF72C8D2-3472-4817-AC8C-95F010B6DD59}"/>
-              </a:ext>
-            </a:extLst>
-          </p:cNvPr>
-          <p:cNvSpPr txBox="1"/>
-          <p:nvPr/>
-        </p:nvSpPr>
-        <p:spPr>
-          <a:xfrm>
-            <a:off x="6186995" y="1844176"/>
-            <a:ext cx="6094520" cy="375552"/>
-          </a:xfrm>
-          <a:prstGeom prst="rect">
-            <a:avLst/>
-          </a:prstGeom>
-          <a:noFill/>
-        </p:spPr>
-        <p:txBody>
-          <a:bodyPr wrap="square">
-            <a:spAutoFit/>
-          </a:bodyPr>
-          <a:lstStyle/>
-          <a:p>
-            <a:pPr>
-              <a:lnSpc>
-                <a:spcPct val="107000"/>
-              </a:lnSpc>
-            </a:pPr>
-            <a:r>
-              <a:rPr lang="en-US" sz="1800">
-                <a:effectLst/>
-                <a:latin typeface="Calibri" panose="020F0502020204030204" pitchFamily="34" charset="0"/>
-                <a:ea typeface="Calibri" panose="020F0502020204030204" pitchFamily="34" charset="0"/>
-                <a:cs typeface="Times New Roman" panose="02020603050405020304" pitchFamily="18" charset="0"/>
-              </a:rPr>
-              <a:t>Distribution of all crimes across the West Midlands in 2019</a:t>
-            </a:r>
-            <a:endParaRPr lang="en-GB" sz="1800">
-              <a:effectLst/>
-              <a:latin typeface="Calibri" panose="020F0502020204030204" pitchFamily="34" charset="0"/>
-              <a:ea typeface="Calibri" panose="020F0502020204030204" pitchFamily="34" charset="0"/>
-              <a:cs typeface="Times New Roman" panose="02020603050405020304" pitchFamily="18" charset="0"/>
-            </a:endParaRPr>
-          </a:p>
-        </p:txBody>
-      </p:sp>
-      <p:sp>
-        <p:nvSpPr>
-          <p:cNvPr id="16" name="TextBox 15">
-            <a:extLst>
-              <a:ext uri="{FF2B5EF4-FFF2-40B4-BE49-F238E27FC236}">
-                <a16:creationId xmlns:a16="http://schemas.microsoft.com/office/drawing/2014/main" id="{1111CFD9-207E-4A91-B3CB-9FA3BC864459}"/>
-              </a:ext>
-            </a:extLst>
-          </p:cNvPr>
-          <p:cNvSpPr txBox="1"/>
-          <p:nvPr/>
-        </p:nvSpPr>
-        <p:spPr>
-          <a:xfrm>
-            <a:off x="92475" y="1844176"/>
-            <a:ext cx="6094520" cy="375552"/>
-          </a:xfrm>
-          <a:prstGeom prst="rect">
-            <a:avLst/>
-          </a:prstGeom>
-          <a:noFill/>
-        </p:spPr>
-        <p:txBody>
-          <a:bodyPr wrap="square">
-            <a:spAutoFit/>
-          </a:bodyPr>
-          <a:lstStyle/>
-          <a:p>
-            <a:pPr>
-              <a:lnSpc>
-                <a:spcPct val="107000"/>
-              </a:lnSpc>
-            </a:pPr>
-            <a:r>
-              <a:rPr lang="en-US" sz="1800">
-                <a:effectLst/>
-                <a:latin typeface="Calibri" panose="020F0502020204030204" pitchFamily="34" charset="0"/>
-                <a:ea typeface="Calibri" panose="020F0502020204030204" pitchFamily="34" charset="0"/>
-                <a:cs typeface="Times New Roman" panose="02020603050405020304" pitchFamily="18" charset="0"/>
-              </a:rPr>
-              <a:t>Distribution of all bike thefts across the West Midlands in 2019</a:t>
-            </a:r>
-            <a:endParaRPr lang="en-GB" sz="1800">
-              <a:effectLst/>
-              <a:latin typeface="Calibri" panose="020F0502020204030204" pitchFamily="34" charset="0"/>
-              <a:ea typeface="Calibri" panose="020F0502020204030204" pitchFamily="34" charset="0"/>
-              <a:cs typeface="Times New Roman" panose="02020603050405020304" pitchFamily="18" charset="0"/>
-            </a:endParaRPr>
-          </a:p>
-        </p:txBody>
-      </p:sp>
-      <p:sp>
-        <p:nvSpPr>
-          <p:cNvPr id="17" name="TextBox 16">
-            <a:extLst>
-              <a:ext uri="{FF2B5EF4-FFF2-40B4-BE49-F238E27FC236}">
-                <a16:creationId xmlns:a16="http://schemas.microsoft.com/office/drawing/2014/main" id="{E21FC1A4-5BA9-498F-B91D-437D82CC7900}"/>
-              </a:ext>
-            </a:extLst>
-          </p:cNvPr>
-          <p:cNvSpPr txBox="1"/>
-          <p:nvPr/>
-        </p:nvSpPr>
-        <p:spPr>
-          <a:xfrm>
-            <a:off x="92474" y="537776"/>
-            <a:ext cx="12099525" cy="1264642"/>
-          </a:xfrm>
-          <a:prstGeom prst="rect">
-            <a:avLst/>
-          </a:prstGeom>
-          <a:noFill/>
-        </p:spPr>
-        <p:txBody>
-          <a:bodyPr wrap="square">
-            <a:spAutoFit/>
-          </a:bodyPr>
-          <a:lstStyle/>
-          <a:p>
-            <a:pPr>
-              <a:lnSpc>
-                <a:spcPct val="107000"/>
-              </a:lnSpc>
-            </a:pPr>
-            <a:r>
-              <a:rPr lang="en-US" sz="1800">
-                <a:effectLst/>
-                <a:latin typeface="Calibri" panose="020F0502020204030204" pitchFamily="34" charset="0"/>
-                <a:ea typeface="Calibri" panose="020F0502020204030204" pitchFamily="34" charset="0"/>
-                <a:cs typeface="Times New Roman" panose="02020603050405020304" pitchFamily="18" charset="0"/>
-              </a:rPr>
-              <a:t>Crimes are focused on the city centers and when you look specifically at bike thefts the story is similar with some notable exceptions.</a:t>
-            </a:r>
-          </a:p>
-          <a:p>
-            <a:pPr>
-              <a:lnSpc>
-                <a:spcPct val="107000"/>
-              </a:lnSpc>
-            </a:pPr>
-            <a:r>
-              <a:rPr lang="en-US">
-                <a:latin typeface="Calibri" panose="020F0502020204030204" pitchFamily="34" charset="0"/>
-                <a:ea typeface="Calibri" panose="020F0502020204030204" pitchFamily="34" charset="0"/>
-                <a:cs typeface="Times New Roman" panose="02020603050405020304" pitchFamily="18" charset="0"/>
-              </a:rPr>
-              <a:t>There appears to be a lot of bike thefts in areas around Universities, especially Warwick &amp; Birmingham University and notably less bike thefts in Dudley! </a:t>
-            </a:r>
-            <a:endParaRPr lang="en-GB" sz="1800">
-              <a:effectLst/>
-              <a:latin typeface="Calibri" panose="020F0502020204030204" pitchFamily="34" charset="0"/>
-              <a:ea typeface="Calibri" panose="020F0502020204030204" pitchFamily="34" charset="0"/>
-              <a:cs typeface="Times New Roman" panose="02020603050405020304" pitchFamily="18" charset="0"/>
-            </a:endParaRPr>
-          </a:p>
-        </p:txBody>
-      </p:sp>
-    </p:spTree>
-    <p:extLst>
-      <p:ext uri="{BB962C8B-B14F-4D97-AF65-F5344CB8AC3E}">
-        <p14:creationId xmlns:p14="http://schemas.microsoft.com/office/powerpoint/2010/main" val="65529273"/>
+        <p14:creationId xmlns:p14="http://schemas.microsoft.com/office/powerpoint/2010/main" val="3773345020"/>
       </p:ext>
     </p:extLst>
   </p:cSld>
@@ -4174,6 +4756,654 @@
       </p:grpSpPr>
       <p:sp>
         <p:nvSpPr>
+          <p:cNvPr id="6" name="TextBox 5">
+            <a:extLst>
+              <a:ext uri="{FF2B5EF4-FFF2-40B4-BE49-F238E27FC236}">
+                <a16:creationId xmlns:a16="http://schemas.microsoft.com/office/drawing/2014/main" id="{C3A9A4E7-69CC-4FD0-AE73-7EA6EA0E5089}"/>
+              </a:ext>
+            </a:extLst>
+          </p:cNvPr>
+          <p:cNvSpPr txBox="1"/>
+          <p:nvPr/>
+        </p:nvSpPr>
+        <p:spPr>
+          <a:xfrm>
+            <a:off x="2655053" y="-2039"/>
+            <a:ext cx="6094520" cy="375552"/>
+          </a:xfrm>
+          <a:prstGeom prst="rect">
+            <a:avLst/>
+          </a:prstGeom>
+          <a:noFill/>
+        </p:spPr>
+        <p:txBody>
+          <a:bodyPr wrap="square">
+            <a:spAutoFit/>
+          </a:bodyPr>
+          <a:lstStyle/>
+          <a:p>
+            <a:pPr>
+              <a:lnSpc>
+                <a:spcPct val="107000"/>
+              </a:lnSpc>
+            </a:pPr>
+            <a:r>
+              <a:rPr lang="en-US" sz="1800">
+                <a:effectLst/>
+                <a:latin typeface="Calibri" panose="020F0502020204030204" pitchFamily="34" charset="0"/>
+                <a:ea typeface="Calibri" panose="020F0502020204030204" pitchFamily="34" charset="0"/>
+                <a:cs typeface="Times New Roman" panose="02020603050405020304" pitchFamily="18" charset="0"/>
+              </a:rPr>
+              <a:t>What type of crime might you be exposed to in certain LLSOAs?</a:t>
+            </a:r>
+          </a:p>
+        </p:txBody>
+      </p:sp>
+      <p:pic>
+        <p:nvPicPr>
+          <p:cNvPr id="5" name="Picture 4" descr="Chart, pie chart&#10;&#10;Description automatically generated">
+            <a:extLst>
+              <a:ext uri="{FF2B5EF4-FFF2-40B4-BE49-F238E27FC236}">
+                <a16:creationId xmlns:a16="http://schemas.microsoft.com/office/drawing/2014/main" id="{D2386F5A-60AB-4F42-B0E1-36EA1F386DE6}"/>
+              </a:ext>
+            </a:extLst>
+          </p:cNvPr>
+          <p:cNvPicPr>
+            <a:picLocks noChangeAspect="1"/>
+          </p:cNvPicPr>
+          <p:nvPr/>
+        </p:nvPicPr>
+        <p:blipFill>
+          <a:blip r:embed="rId2">
+            <a:extLst>
+              <a:ext uri="{28A0092B-C50C-407E-A947-70E740481C1C}">
+                <a14:useLocalDpi xmlns:a14="http://schemas.microsoft.com/office/drawing/2010/main" val="0"/>
+              </a:ext>
+            </a:extLst>
+          </a:blip>
+          <a:stretch>
+            <a:fillRect/>
+          </a:stretch>
+        </p:blipFill>
+        <p:spPr>
+          <a:xfrm>
+            <a:off x="-1635428" y="184227"/>
+            <a:ext cx="6252296" cy="3751378"/>
+          </a:xfrm>
+          <a:prstGeom prst="rect">
+            <a:avLst/>
+          </a:prstGeom>
+        </p:spPr>
+      </p:pic>
+      <p:pic>
+        <p:nvPicPr>
+          <p:cNvPr id="8" name="Picture 7" descr="Chart, pie chart&#10;&#10;Description automatically generated">
+            <a:extLst>
+              <a:ext uri="{FF2B5EF4-FFF2-40B4-BE49-F238E27FC236}">
+                <a16:creationId xmlns:a16="http://schemas.microsoft.com/office/drawing/2014/main" id="{658C4970-0496-4FEC-B2A9-DCAFF7CCF628}"/>
+              </a:ext>
+            </a:extLst>
+          </p:cNvPr>
+          <p:cNvPicPr>
+            <a:picLocks noChangeAspect="1"/>
+          </p:cNvPicPr>
+          <p:nvPr/>
+        </p:nvPicPr>
+        <p:blipFill>
+          <a:blip r:embed="rId3">
+            <a:extLst>
+              <a:ext uri="{28A0092B-C50C-407E-A947-70E740481C1C}">
+                <a14:useLocalDpi xmlns:a14="http://schemas.microsoft.com/office/drawing/2010/main" val="0"/>
+              </a:ext>
+            </a:extLst>
+          </a:blip>
+          <a:stretch>
+            <a:fillRect/>
+          </a:stretch>
+        </p:blipFill>
+        <p:spPr>
+          <a:xfrm>
+            <a:off x="1257040" y="114492"/>
+            <a:ext cx="6252296" cy="3751378"/>
+          </a:xfrm>
+          <a:prstGeom prst="rect">
+            <a:avLst/>
+          </a:prstGeom>
+        </p:spPr>
+      </p:pic>
+      <p:pic>
+        <p:nvPicPr>
+          <p:cNvPr id="10" name="Picture 9" descr="Chart, pie chart&#10;&#10;Description automatically generated">
+            <a:extLst>
+              <a:ext uri="{FF2B5EF4-FFF2-40B4-BE49-F238E27FC236}">
+                <a16:creationId xmlns:a16="http://schemas.microsoft.com/office/drawing/2014/main" id="{F0958C8F-FF24-44E9-A3A6-FDDBF95346CE}"/>
+              </a:ext>
+            </a:extLst>
+          </p:cNvPr>
+          <p:cNvPicPr>
+            <a:picLocks noChangeAspect="1"/>
+          </p:cNvPicPr>
+          <p:nvPr/>
+        </p:nvPicPr>
+        <p:blipFill>
+          <a:blip r:embed="rId4">
+            <a:extLst>
+              <a:ext uri="{28A0092B-C50C-407E-A947-70E740481C1C}">
+                <a14:useLocalDpi xmlns:a14="http://schemas.microsoft.com/office/drawing/2010/main" val="0"/>
+              </a:ext>
+            </a:extLst>
+          </a:blip>
+          <a:stretch>
+            <a:fillRect/>
+          </a:stretch>
+        </p:blipFill>
+        <p:spPr>
+          <a:xfrm>
+            <a:off x="4110000" y="120136"/>
+            <a:ext cx="6252296" cy="3751378"/>
+          </a:xfrm>
+          <a:prstGeom prst="rect">
+            <a:avLst/>
+          </a:prstGeom>
+        </p:spPr>
+      </p:pic>
+      <p:pic>
+        <p:nvPicPr>
+          <p:cNvPr id="12" name="Picture 11" descr="Chart, pie chart&#10;&#10;Description automatically generated">
+            <a:extLst>
+              <a:ext uri="{FF2B5EF4-FFF2-40B4-BE49-F238E27FC236}">
+                <a16:creationId xmlns:a16="http://schemas.microsoft.com/office/drawing/2014/main" id="{3EEF34B6-9214-4848-B446-753E7297E044}"/>
+              </a:ext>
+            </a:extLst>
+          </p:cNvPr>
+          <p:cNvPicPr>
+            <a:picLocks noChangeAspect="1"/>
+          </p:cNvPicPr>
+          <p:nvPr/>
+        </p:nvPicPr>
+        <p:blipFill>
+          <a:blip r:embed="rId5">
+            <a:extLst>
+              <a:ext uri="{28A0092B-C50C-407E-A947-70E740481C1C}">
+                <a14:useLocalDpi xmlns:a14="http://schemas.microsoft.com/office/drawing/2010/main" val="0"/>
+              </a:ext>
+            </a:extLst>
+          </a:blip>
+          <a:stretch>
+            <a:fillRect/>
+          </a:stretch>
+        </p:blipFill>
+        <p:spPr>
+          <a:xfrm>
+            <a:off x="-879655" y="3074740"/>
+            <a:ext cx="6807323" cy="4084395"/>
+          </a:xfrm>
+          <a:prstGeom prst="rect">
+            <a:avLst/>
+          </a:prstGeom>
+        </p:spPr>
+      </p:pic>
+      <p:pic>
+        <p:nvPicPr>
+          <p:cNvPr id="18" name="Picture 17" descr="Chart, pie chart&#10;&#10;Description automatically generated">
+            <a:extLst>
+              <a:ext uri="{FF2B5EF4-FFF2-40B4-BE49-F238E27FC236}">
+                <a16:creationId xmlns:a16="http://schemas.microsoft.com/office/drawing/2014/main" id="{6982F7E3-2C9F-42AE-87BF-2AEA98886514}"/>
+              </a:ext>
+            </a:extLst>
+          </p:cNvPr>
+          <p:cNvPicPr>
+            <a:picLocks noChangeAspect="1"/>
+          </p:cNvPicPr>
+          <p:nvPr/>
+        </p:nvPicPr>
+        <p:blipFill>
+          <a:blip r:embed="rId6">
+            <a:extLst>
+              <a:ext uri="{28A0092B-C50C-407E-A947-70E740481C1C}">
+                <a14:useLocalDpi xmlns:a14="http://schemas.microsoft.com/office/drawing/2010/main" val="0"/>
+              </a:ext>
+            </a:extLst>
+          </a:blip>
+          <a:stretch>
+            <a:fillRect/>
+          </a:stretch>
+        </p:blipFill>
+        <p:spPr>
+          <a:xfrm>
+            <a:off x="7363616" y="185867"/>
+            <a:ext cx="6252297" cy="3751378"/>
+          </a:xfrm>
+          <a:prstGeom prst="rect">
+            <a:avLst/>
+          </a:prstGeom>
+        </p:spPr>
+      </p:pic>
+      <p:pic>
+        <p:nvPicPr>
+          <p:cNvPr id="20" name="Picture 19" descr="Chart, pie chart&#10;&#10;Description automatically generated">
+            <a:extLst>
+              <a:ext uri="{FF2B5EF4-FFF2-40B4-BE49-F238E27FC236}">
+                <a16:creationId xmlns:a16="http://schemas.microsoft.com/office/drawing/2014/main" id="{EA338B57-5D9C-4EDF-B3E9-9F2CAD8C509B}"/>
+              </a:ext>
+            </a:extLst>
+          </p:cNvPr>
+          <p:cNvPicPr>
+            <a:picLocks noChangeAspect="1"/>
+          </p:cNvPicPr>
+          <p:nvPr/>
+        </p:nvPicPr>
+        <p:blipFill>
+          <a:blip r:embed="rId7">
+            <a:extLst>
+              <a:ext uri="{28A0092B-C50C-407E-A947-70E740481C1C}">
+                <a14:useLocalDpi xmlns:a14="http://schemas.microsoft.com/office/drawing/2010/main" val="0"/>
+              </a:ext>
+            </a:extLst>
+          </a:blip>
+          <a:stretch>
+            <a:fillRect/>
+          </a:stretch>
+        </p:blipFill>
+        <p:spPr>
+          <a:xfrm>
+            <a:off x="5665586" y="2948460"/>
+            <a:ext cx="6807324" cy="4084394"/>
+          </a:xfrm>
+          <a:prstGeom prst="rect">
+            <a:avLst/>
+          </a:prstGeom>
+        </p:spPr>
+      </p:pic>
+      <p:pic>
+        <p:nvPicPr>
+          <p:cNvPr id="22" name="Picture 21" descr="Chart, pie chart&#10;&#10;Description automatically generated">
+            <a:extLst>
+              <a:ext uri="{FF2B5EF4-FFF2-40B4-BE49-F238E27FC236}">
+                <a16:creationId xmlns:a16="http://schemas.microsoft.com/office/drawing/2014/main" id="{B663E0EA-EE84-4E00-9521-64EA876491A7}"/>
+              </a:ext>
+            </a:extLst>
+          </p:cNvPr>
+          <p:cNvPicPr>
+            <a:picLocks noChangeAspect="1"/>
+          </p:cNvPicPr>
+          <p:nvPr/>
+        </p:nvPicPr>
+        <p:blipFill>
+          <a:blip r:embed="rId8">
+            <a:extLst>
+              <a:ext uri="{28A0092B-C50C-407E-A947-70E740481C1C}">
+                <a14:useLocalDpi xmlns:a14="http://schemas.microsoft.com/office/drawing/2010/main" val="0"/>
+              </a:ext>
+            </a:extLst>
+          </a:blip>
+          <a:stretch>
+            <a:fillRect/>
+          </a:stretch>
+        </p:blipFill>
+        <p:spPr>
+          <a:xfrm>
+            <a:off x="2399829" y="2993616"/>
+            <a:ext cx="6807322" cy="4084394"/>
+          </a:xfrm>
+          <a:prstGeom prst="rect">
+            <a:avLst/>
+          </a:prstGeom>
+        </p:spPr>
+      </p:pic>
+    </p:spTree>
+    <p:extLst>
+      <p:ext uri="{BB962C8B-B14F-4D97-AF65-F5344CB8AC3E}">
+        <p14:creationId xmlns:p14="http://schemas.microsoft.com/office/powerpoint/2010/main" val="283133807"/>
+      </p:ext>
+    </p:extLst>
+  </p:cSld>
+  <p:clrMapOvr>
+    <a:masterClrMapping/>
+  </p:clrMapOvr>
+</p:sld>
+</file>
+
+<file path=ppt/slides/slide13.xml><?xml version="1.0" encoding="utf-8"?>
+<p:sld xmlns:a="http://schemas.openxmlformats.org/drawingml/2006/main" xmlns:r="http://schemas.openxmlformats.org/officeDocument/2006/relationships" xmlns:p="http://schemas.openxmlformats.org/presentationml/2006/main">
+  <p:cSld>
+    <p:spTree>
+      <p:nvGrpSpPr>
+        <p:cNvPr id="1" name=""/>
+        <p:cNvGrpSpPr/>
+        <p:nvPr/>
+      </p:nvGrpSpPr>
+      <p:grpSpPr>
+        <a:xfrm>
+          <a:off x="0" y="0"/>
+          <a:ext cx="0" cy="0"/>
+          <a:chOff x="0" y="0"/>
+          <a:chExt cx="0" cy="0"/>
+        </a:xfrm>
+      </p:grpSpPr>
+      <p:sp>
+        <p:nvSpPr>
+          <p:cNvPr id="6" name="TextBox 5">
+            <a:extLst>
+              <a:ext uri="{FF2B5EF4-FFF2-40B4-BE49-F238E27FC236}">
+                <a16:creationId xmlns:a16="http://schemas.microsoft.com/office/drawing/2014/main" id="{C3A9A4E7-69CC-4FD0-AE73-7EA6EA0E5089}"/>
+              </a:ext>
+            </a:extLst>
+          </p:cNvPr>
+          <p:cNvSpPr txBox="1"/>
+          <p:nvPr/>
+        </p:nvSpPr>
+        <p:spPr>
+          <a:xfrm>
+            <a:off x="92475" y="76983"/>
+            <a:ext cx="6094520" cy="375552"/>
+          </a:xfrm>
+          <a:prstGeom prst="rect">
+            <a:avLst/>
+          </a:prstGeom>
+          <a:noFill/>
+        </p:spPr>
+        <p:txBody>
+          <a:bodyPr wrap="square">
+            <a:spAutoFit/>
+          </a:bodyPr>
+          <a:lstStyle/>
+          <a:p>
+            <a:pPr>
+              <a:lnSpc>
+                <a:spcPct val="107000"/>
+              </a:lnSpc>
+            </a:pPr>
+            <a:r>
+              <a:rPr lang="en-US" sz="1800">
+                <a:effectLst/>
+                <a:latin typeface="Calibri" panose="020F0502020204030204" pitchFamily="34" charset="0"/>
+                <a:ea typeface="Calibri" panose="020F0502020204030204" pitchFamily="34" charset="0"/>
+                <a:cs typeface="Times New Roman" panose="02020603050405020304" pitchFamily="18" charset="0"/>
+              </a:rPr>
+              <a:t>Where is the safest place to park your bike?</a:t>
+            </a:r>
+            <a:endParaRPr lang="en-GB" sz="1800">
+              <a:effectLst/>
+              <a:latin typeface="Calibri" panose="020F0502020204030204" pitchFamily="34" charset="0"/>
+              <a:ea typeface="Calibri" panose="020F0502020204030204" pitchFamily="34" charset="0"/>
+              <a:cs typeface="Times New Roman" panose="02020603050405020304" pitchFamily="18" charset="0"/>
+            </a:endParaRPr>
+          </a:p>
+        </p:txBody>
+      </p:sp>
+      <p:pic>
+        <p:nvPicPr>
+          <p:cNvPr id="12" name="Picture 11" descr="Map&#10;&#10;Description automatically generated">
+            <a:extLst>
+              <a:ext uri="{FF2B5EF4-FFF2-40B4-BE49-F238E27FC236}">
+                <a16:creationId xmlns:a16="http://schemas.microsoft.com/office/drawing/2014/main" id="{776A329B-8914-461E-B167-8E005BFEF6FA}"/>
+              </a:ext>
+            </a:extLst>
+          </p:cNvPr>
+          <p:cNvPicPr>
+            <a:picLocks noChangeAspect="1"/>
+          </p:cNvPicPr>
+          <p:nvPr/>
+        </p:nvPicPr>
+        <p:blipFill>
+          <a:blip r:embed="rId2">
+            <a:extLst>
+              <a:ext uri="{28A0092B-C50C-407E-A947-70E740481C1C}">
+                <a14:useLocalDpi xmlns:a14="http://schemas.microsoft.com/office/drawing/2010/main" val="0"/>
+              </a:ext>
+            </a:extLst>
+          </a:blip>
+          <a:stretch>
+            <a:fillRect/>
+          </a:stretch>
+        </p:blipFill>
+        <p:spPr>
+          <a:xfrm>
+            <a:off x="9719" y="2314232"/>
+            <a:ext cx="6094520" cy="4265322"/>
+          </a:xfrm>
+          <a:prstGeom prst="rect">
+            <a:avLst/>
+          </a:prstGeom>
+        </p:spPr>
+      </p:pic>
+      <p:pic>
+        <p:nvPicPr>
+          <p:cNvPr id="14" name="Picture 13" descr="Map&#10;&#10;Description automatically generated">
+            <a:extLst>
+              <a:ext uri="{FF2B5EF4-FFF2-40B4-BE49-F238E27FC236}">
+                <a16:creationId xmlns:a16="http://schemas.microsoft.com/office/drawing/2014/main" id="{8DC62B4E-82BD-4A75-B175-92E6FA735F25}"/>
+              </a:ext>
+            </a:extLst>
+          </p:cNvPr>
+          <p:cNvPicPr>
+            <a:picLocks noChangeAspect="1"/>
+          </p:cNvPicPr>
+          <p:nvPr/>
+        </p:nvPicPr>
+        <p:blipFill>
+          <a:blip r:embed="rId3">
+            <a:extLst>
+              <a:ext uri="{28A0092B-C50C-407E-A947-70E740481C1C}">
+                <a14:useLocalDpi xmlns:a14="http://schemas.microsoft.com/office/drawing/2010/main" val="0"/>
+              </a:ext>
+            </a:extLst>
+          </a:blip>
+          <a:stretch>
+            <a:fillRect/>
+          </a:stretch>
+        </p:blipFill>
+        <p:spPr>
+          <a:xfrm>
+            <a:off x="6131958" y="2304502"/>
+            <a:ext cx="6069968" cy="4282446"/>
+          </a:xfrm>
+          <a:prstGeom prst="rect">
+            <a:avLst/>
+          </a:prstGeom>
+        </p:spPr>
+      </p:pic>
+      <p:sp>
+        <p:nvSpPr>
+          <p:cNvPr id="15" name="TextBox 14">
+            <a:extLst>
+              <a:ext uri="{FF2B5EF4-FFF2-40B4-BE49-F238E27FC236}">
+                <a16:creationId xmlns:a16="http://schemas.microsoft.com/office/drawing/2014/main" id="{EF72C8D2-3472-4817-AC8C-95F010B6DD59}"/>
+              </a:ext>
+            </a:extLst>
+          </p:cNvPr>
+          <p:cNvSpPr txBox="1"/>
+          <p:nvPr/>
+        </p:nvSpPr>
+        <p:spPr>
+          <a:xfrm>
+            <a:off x="6186995" y="1844176"/>
+            <a:ext cx="6094520" cy="375552"/>
+          </a:xfrm>
+          <a:prstGeom prst="rect">
+            <a:avLst/>
+          </a:prstGeom>
+          <a:noFill/>
+        </p:spPr>
+        <p:txBody>
+          <a:bodyPr wrap="square">
+            <a:spAutoFit/>
+          </a:bodyPr>
+          <a:lstStyle/>
+          <a:p>
+            <a:pPr>
+              <a:lnSpc>
+                <a:spcPct val="107000"/>
+              </a:lnSpc>
+            </a:pPr>
+            <a:r>
+              <a:rPr lang="en-US" sz="1800">
+                <a:effectLst/>
+                <a:latin typeface="Calibri" panose="020F0502020204030204" pitchFamily="34" charset="0"/>
+                <a:ea typeface="Calibri" panose="020F0502020204030204" pitchFamily="34" charset="0"/>
+                <a:cs typeface="Times New Roman" panose="02020603050405020304" pitchFamily="18" charset="0"/>
+              </a:rPr>
+              <a:t>Distribution of all crimes across the West Midlands in 2019</a:t>
+            </a:r>
+            <a:endParaRPr lang="en-GB" sz="1800">
+              <a:effectLst/>
+              <a:latin typeface="Calibri" panose="020F0502020204030204" pitchFamily="34" charset="0"/>
+              <a:ea typeface="Calibri" panose="020F0502020204030204" pitchFamily="34" charset="0"/>
+              <a:cs typeface="Times New Roman" panose="02020603050405020304" pitchFamily="18" charset="0"/>
+            </a:endParaRPr>
+          </a:p>
+        </p:txBody>
+      </p:sp>
+      <p:sp>
+        <p:nvSpPr>
+          <p:cNvPr id="16" name="TextBox 15">
+            <a:extLst>
+              <a:ext uri="{FF2B5EF4-FFF2-40B4-BE49-F238E27FC236}">
+                <a16:creationId xmlns:a16="http://schemas.microsoft.com/office/drawing/2014/main" id="{1111CFD9-207E-4A91-B3CB-9FA3BC864459}"/>
+              </a:ext>
+            </a:extLst>
+          </p:cNvPr>
+          <p:cNvSpPr txBox="1"/>
+          <p:nvPr/>
+        </p:nvSpPr>
+        <p:spPr>
+          <a:xfrm>
+            <a:off x="92475" y="1844176"/>
+            <a:ext cx="6094520" cy="375552"/>
+          </a:xfrm>
+          <a:prstGeom prst="rect">
+            <a:avLst/>
+          </a:prstGeom>
+          <a:noFill/>
+        </p:spPr>
+        <p:txBody>
+          <a:bodyPr wrap="square">
+            <a:spAutoFit/>
+          </a:bodyPr>
+          <a:lstStyle/>
+          <a:p>
+            <a:pPr>
+              <a:lnSpc>
+                <a:spcPct val="107000"/>
+              </a:lnSpc>
+            </a:pPr>
+            <a:r>
+              <a:rPr lang="en-US" sz="1800">
+                <a:effectLst/>
+                <a:latin typeface="Calibri" panose="020F0502020204030204" pitchFamily="34" charset="0"/>
+                <a:ea typeface="Calibri" panose="020F0502020204030204" pitchFamily="34" charset="0"/>
+                <a:cs typeface="Times New Roman" panose="02020603050405020304" pitchFamily="18" charset="0"/>
+              </a:rPr>
+              <a:t>Distribution of all bike thefts across the West Midlands in 2019</a:t>
+            </a:r>
+            <a:endParaRPr lang="en-GB" sz="1800">
+              <a:effectLst/>
+              <a:latin typeface="Calibri" panose="020F0502020204030204" pitchFamily="34" charset="0"/>
+              <a:ea typeface="Calibri" panose="020F0502020204030204" pitchFamily="34" charset="0"/>
+              <a:cs typeface="Times New Roman" panose="02020603050405020304" pitchFamily="18" charset="0"/>
+            </a:endParaRPr>
+          </a:p>
+        </p:txBody>
+      </p:sp>
+      <p:sp>
+        <p:nvSpPr>
+          <p:cNvPr id="17" name="TextBox 16">
+            <a:extLst>
+              <a:ext uri="{FF2B5EF4-FFF2-40B4-BE49-F238E27FC236}">
+                <a16:creationId xmlns:a16="http://schemas.microsoft.com/office/drawing/2014/main" id="{E21FC1A4-5BA9-498F-B91D-437D82CC7900}"/>
+              </a:ext>
+            </a:extLst>
+          </p:cNvPr>
+          <p:cNvSpPr txBox="1"/>
+          <p:nvPr/>
+        </p:nvSpPr>
+        <p:spPr>
+          <a:xfrm>
+            <a:off x="92474" y="537776"/>
+            <a:ext cx="12099525" cy="1264642"/>
+          </a:xfrm>
+          <a:prstGeom prst="rect">
+            <a:avLst/>
+          </a:prstGeom>
+          <a:noFill/>
+        </p:spPr>
+        <p:txBody>
+          <a:bodyPr wrap="square">
+            <a:spAutoFit/>
+          </a:bodyPr>
+          <a:lstStyle/>
+          <a:p>
+            <a:pPr>
+              <a:lnSpc>
+                <a:spcPct val="107000"/>
+              </a:lnSpc>
+            </a:pPr>
+            <a:r>
+              <a:rPr lang="en-US" sz="1800">
+                <a:effectLst/>
+                <a:latin typeface="Calibri" panose="020F0502020204030204" pitchFamily="34" charset="0"/>
+                <a:ea typeface="Calibri" panose="020F0502020204030204" pitchFamily="34" charset="0"/>
+                <a:cs typeface="Times New Roman" panose="02020603050405020304" pitchFamily="18" charset="0"/>
+              </a:rPr>
+              <a:t>Crimes are focused on the city centers and when you look specifically at bike thefts the story is similar with some notable exceptions.</a:t>
+            </a:r>
+          </a:p>
+          <a:p>
+            <a:pPr>
+              <a:lnSpc>
+                <a:spcPct val="107000"/>
+              </a:lnSpc>
+            </a:pPr>
+            <a:r>
+              <a:rPr lang="en-US">
+                <a:latin typeface="Calibri" panose="020F0502020204030204" pitchFamily="34" charset="0"/>
+                <a:ea typeface="Calibri" panose="020F0502020204030204" pitchFamily="34" charset="0"/>
+                <a:cs typeface="Times New Roman" panose="02020603050405020304" pitchFamily="18" charset="0"/>
+              </a:rPr>
+              <a:t>There appears to be a lot of bike thefts in areas around Universities, especially Warwick &amp; Birmingham University and notably less bike thefts in Dudley! </a:t>
+            </a:r>
+            <a:endParaRPr lang="en-GB" sz="1800">
+              <a:effectLst/>
+              <a:latin typeface="Calibri" panose="020F0502020204030204" pitchFamily="34" charset="0"/>
+              <a:ea typeface="Calibri" panose="020F0502020204030204" pitchFamily="34" charset="0"/>
+              <a:cs typeface="Times New Roman" panose="02020603050405020304" pitchFamily="18" charset="0"/>
+            </a:endParaRPr>
+          </a:p>
+        </p:txBody>
+      </p:sp>
+    </p:spTree>
+    <p:extLst>
+      <p:ext uri="{BB962C8B-B14F-4D97-AF65-F5344CB8AC3E}">
+        <p14:creationId xmlns:p14="http://schemas.microsoft.com/office/powerpoint/2010/main" val="65529273"/>
+      </p:ext>
+    </p:extLst>
+  </p:cSld>
+  <p:clrMapOvr>
+    <a:masterClrMapping/>
+  </p:clrMapOvr>
+</p:sld>
+</file>
+
+<file path=ppt/slides/slide14.xml><?xml version="1.0" encoding="utf-8"?>
+<p:sld xmlns:a="http://schemas.openxmlformats.org/drawingml/2006/main" xmlns:r="http://schemas.openxmlformats.org/officeDocument/2006/relationships" xmlns:p="http://schemas.openxmlformats.org/presentationml/2006/main">
+  <p:cSld>
+    <p:spTree>
+      <p:nvGrpSpPr>
+        <p:cNvPr id="1" name=""/>
+        <p:cNvGrpSpPr/>
+        <p:nvPr/>
+      </p:nvGrpSpPr>
+      <p:grpSpPr>
+        <a:xfrm>
+          <a:off x="0" y="0"/>
+          <a:ext cx="0" cy="0"/>
+          <a:chOff x="0" y="0"/>
+          <a:chExt cx="0" cy="0"/>
+        </a:xfrm>
+      </p:grpSpPr>
+      <p:sp>
+        <p:nvSpPr>
           <p:cNvPr id="5" name="TextBox 4">
             <a:extLst>
               <a:ext uri="{FF2B5EF4-FFF2-40B4-BE49-F238E27FC236}">
@@ -4269,7 +5499,7 @@
               </a:spcBef>
             </a:pPr>
             <a:r>
-              <a:rPr lang="en-GB" sz="2400" b="1" dirty="0">
+              <a:rPr lang="en-GB" sz="2400" b="1">
                 <a:solidFill>
                   <a:srgbClr val="2F5496"/>
                 </a:solidFill>
@@ -4291,7 +5521,7 @@
               </a:spcAft>
             </a:pPr>
             <a:r>
-              <a:rPr lang="en-US" sz="1800" dirty="0">
+              <a:rPr lang="en-US" sz="1800">
                 <a:effectLst/>
                 <a:latin typeface="Calibri"/>
                 <a:ea typeface="Calibri"/>
@@ -4300,7 +5530,7 @@
               <a:t>There is a weak positive correlation between LSOA Index of Multiple Deprivation score and crime count. Walsall has the strongest positive correlation, and this supports our hypothesis. The other districts do not tend to have a </a:t>
             </a:r>
             <a:r>
-              <a:rPr lang="en-US" sz="1800" dirty="0" err="1">
+              <a:rPr lang="en-US" sz="1800" err="1">
                 <a:effectLst/>
                 <a:latin typeface="Calibri"/>
                 <a:ea typeface="Calibri"/>
@@ -4309,7 +5539,7 @@
               <a:t>signifcantly</a:t>
             </a:r>
             <a:r>
-              <a:rPr lang="en-US" sz="1800" dirty="0">
+              <a:rPr lang="en-US" sz="1800">
                 <a:effectLst/>
                 <a:latin typeface="Calibri"/>
                 <a:ea typeface="Calibri"/>
@@ -4318,7 +5548,7 @@
               <a:t> </a:t>
             </a:r>
             <a:r>
-              <a:rPr lang="en-US" sz="1800" dirty="0" err="1">
+              <a:rPr lang="en-US" sz="1800" err="1">
                 <a:effectLst/>
                 <a:latin typeface="Calibri"/>
                 <a:ea typeface="Calibri"/>
@@ -4327,7 +5557,7 @@
               <a:t>maority</a:t>
             </a:r>
             <a:r>
-              <a:rPr lang="en-US" sz="1800" dirty="0">
+              <a:rPr lang="en-US" sz="1800">
                 <a:effectLst/>
                 <a:latin typeface="Calibri"/>
                 <a:ea typeface="Calibri"/>
@@ -4336,7 +5566,7 @@
               <a:t> of LSOAs that have crime counts higher than 300. </a:t>
             </a:r>
             <a:r>
-              <a:rPr lang="en-US" sz="1800" dirty="0" err="1">
+              <a:rPr lang="en-US" sz="1800" err="1">
                 <a:effectLst/>
                 <a:latin typeface="Calibri"/>
                 <a:ea typeface="Calibri"/>
@@ -4345,7 +5575,7 @@
               <a:t>Sandwell</a:t>
             </a:r>
             <a:r>
-              <a:rPr lang="en-US" sz="1800" dirty="0">
+              <a:rPr lang="en-US" sz="1800">
                 <a:effectLst/>
                 <a:latin typeface="Calibri"/>
                 <a:ea typeface="Calibri"/>
@@ -4364,7 +5594,7 @@
               </a:spcAft>
             </a:pPr>
             <a:r>
-              <a:rPr lang="en-US" sz="1800" dirty="0">
+              <a:rPr lang="en-US" sz="1800">
                 <a:effectLst/>
                 <a:latin typeface="Calibri"/>
                 <a:ea typeface="Calibri"/>
@@ -4383,7 +5613,7 @@
               </a:spcAft>
             </a:pPr>
             <a:r>
-              <a:rPr lang="en-US" sz="1800" dirty="0">
+              <a:rPr lang="en-US" sz="1800">
                 <a:effectLst/>
                 <a:latin typeface="Calibri"/>
                 <a:ea typeface="Calibri"/>
@@ -4402,7 +5632,7 @@
               </a:spcAft>
             </a:pPr>
             <a:r>
-              <a:rPr lang="en-US" sz="1800" dirty="0">
+              <a:rPr lang="en-US" sz="1800">
                 <a:effectLst/>
                 <a:latin typeface="Calibri"/>
                 <a:ea typeface="Calibri"/>
@@ -4421,7 +5651,7 @@
               </a:spcAft>
             </a:pPr>
             <a:r>
-              <a:rPr lang="en-US" sz="1800" dirty="0">
+              <a:rPr lang="en-US" sz="1800">
                 <a:effectLst/>
                 <a:latin typeface="Calibri"/>
                 <a:ea typeface="Calibri"/>
@@ -4430,7 +5660,7 @@
               <a:t>Depending on which district and LSOA you are in you will witness different crimes, e.g. In </a:t>
             </a:r>
             <a:r>
-              <a:rPr lang="en-US" sz="1800" dirty="0" err="1">
+              <a:rPr lang="en-US" sz="1800" err="1">
                 <a:effectLst/>
                 <a:latin typeface="Calibri"/>
                 <a:ea typeface="Calibri"/>
@@ -4439,7 +5669,7 @@
               <a:t>Solihull</a:t>
             </a:r>
             <a:r>
-              <a:rPr lang="en-US" sz="1800" dirty="0">
+              <a:rPr lang="en-US" sz="1800">
                 <a:effectLst/>
                 <a:latin typeface="Calibri"/>
                 <a:ea typeface="Calibri"/>
@@ -4458,7 +5688,7 @@
               </a:spcAft>
             </a:pPr>
             <a:r>
-              <a:rPr lang="en-US" sz="1800" dirty="0">
+              <a:rPr lang="en-US" sz="1800">
                 <a:effectLst/>
                 <a:latin typeface="Calibri"/>
                 <a:ea typeface="Calibri"/>
@@ -4477,7 +5707,7 @@
               </a:spcAft>
             </a:pPr>
             <a:r>
-              <a:rPr lang="en-US" sz="1800" dirty="0">
+              <a:rPr lang="en-US" sz="1800">
                 <a:effectLst/>
                 <a:latin typeface="Calibri"/>
                 <a:ea typeface="Calibri"/>
@@ -4485,7 +5715,7 @@
               </a:rPr>
               <a:t>Burglary, Shoplifting, Criminal damage and arson is higher in LSOAs with lower IMD scores. Vehicle crime is massively higher in in LSOAs with lower IMD scores. However, Theft from person and public order crime is much lower than LSOAs with higher IMD scores.</a:t>
             </a:r>
-            <a:endParaRPr lang="en-GB" sz="1800" dirty="0">
+            <a:endParaRPr lang="en-GB" sz="1800">
               <a:effectLst/>
               <a:latin typeface="Calibri"/>
               <a:ea typeface="Calibri"/>
@@ -4553,8 +5783,8 @@
         </p:nvSpPr>
         <p:spPr>
           <a:xfrm>
-            <a:off x="1298733" y="1374363"/>
-            <a:ext cx="9941574" cy="4034502"/>
+            <a:off x="1258890" y="816559"/>
+            <a:ext cx="9941574" cy="4923592"/>
           </a:xfrm>
           <a:prstGeom prst="rect">
             <a:avLst/>
@@ -4587,7 +5817,7 @@
               </a:spcBef>
             </a:pPr>
             <a:r>
-              <a:rPr lang="en-US"/>
+              <a:rPr lang="en-US" b="1"/>
               <a:t>Purpose of the project</a:t>
             </a:r>
             <a:endParaRPr lang="en-US" b="1">
@@ -4595,6 +5825,26 @@
                 <a:srgbClr val="2F5496"/>
               </a:solidFill>
               <a:cs typeface="Times New Roman"/>
+            </a:endParaRPr>
+          </a:p>
+          <a:p>
+            <a:pPr algn="just">
+              <a:lnSpc>
+                <a:spcPct val="107000"/>
+              </a:lnSpc>
+              <a:spcBef>
+                <a:spcPts val="200"/>
+              </a:spcBef>
+            </a:pPr>
+            <a:r>
+              <a:rPr lang="en-US">
+                <a:ea typeface="+mn-lt"/>
+                <a:cs typeface="+mn-lt"/>
+              </a:rPr>
+              <a:t>To use the west midlands 2019 crime data obtained from West Midlands police, to investigate if the Index of multiple Deprivation (IMD) score had any correlation to the crime rate in the respective area. To determine if certain areas were pre-disposed to higher rates of crime and what else could the IMD score inform us about the crime rates. (break this down into bullet points and if needed)</a:t>
+            </a:r>
+            <a:endParaRPr lang="en-US">
+              <a:cs typeface="Calibri" panose="020F0502020204030204"/>
             </a:endParaRPr>
           </a:p>
           <a:p>
@@ -4606,7 +5856,7 @@
                 <a:spcPts val="200"/>
               </a:spcBef>
             </a:pPr>
-            <a:endParaRPr lang="en-US" dirty="0"/>
+            <a:endParaRPr lang="en-US"/>
           </a:p>
           <a:p>
             <a:pPr algn="ctr">
@@ -4617,22 +5867,11 @@
                 <a:spcPts val="200"/>
               </a:spcBef>
             </a:pPr>
-            <a:endParaRPr lang="en-US" dirty="0"/>
-          </a:p>
-          <a:p>
-            <a:pPr algn="ctr">
-              <a:lnSpc>
-                <a:spcPct val="107000"/>
-              </a:lnSpc>
-              <a:spcBef>
-                <a:spcPts val="200"/>
-              </a:spcBef>
-            </a:pPr>
-            <a:r>
-              <a:rPr lang="en-US" dirty="0"/>
+            <a:r>
+              <a:rPr lang="en-US" b="1"/>
               <a:t>Research questions</a:t>
             </a:r>
-            <a:endParaRPr lang="en-US" b="1" dirty="0">
+            <a:endParaRPr lang="en-US" b="1">
               <a:solidFill>
                 <a:srgbClr val="2F5496"/>
               </a:solidFill>
@@ -4648,27 +5887,13 @@
               <a:buChar char="•"/>
             </a:pPr>
             <a:r>
-              <a:rPr lang="en-US" dirty="0">
-                <a:ea typeface="+mn-lt"/>
-                <a:cs typeface="+mn-lt"/>
-              </a:rPr>
-              <a:t>Does </a:t>
-            </a:r>
-            <a:r>
               <a:rPr lang="en-US">
                 <a:ea typeface="+mn-lt"/>
                 <a:cs typeface="+mn-lt"/>
               </a:rPr>
-              <a:t>the crime data</a:t>
-            </a:r>
-            <a:r>
-              <a:rPr lang="en-US" dirty="0">
-                <a:ea typeface="+mn-lt"/>
-                <a:cs typeface="+mn-lt"/>
-              </a:rPr>
-              <a:t> from the West Midlands Police database correlate with the Index of Multiple Deprivation (IMD) score? </a:t>
-            </a:r>
-            <a:endParaRPr lang="en-GB" dirty="0">
+              <a:t>Does the crime data from the West Midlands Police database correlate with the Index of Multiple Deprivation (IMD) score? </a:t>
+            </a:r>
+            <a:endParaRPr lang="en-GB">
               <a:ea typeface="+mn-lt"/>
               <a:cs typeface="+mn-lt"/>
             </a:endParaRPr>
@@ -4681,7 +5906,7 @@
               <a:buFont typeface="Arial"/>
               <a:buChar char="•"/>
             </a:pPr>
-            <a:endParaRPr lang="en-US" dirty="0">
+            <a:endParaRPr lang="en-US">
               <a:ea typeface="+mn-lt"/>
               <a:cs typeface="+mn-lt"/>
             </a:endParaRPr>
@@ -4695,13 +5920,13 @@
               <a:buChar char="•"/>
             </a:pPr>
             <a:r>
-              <a:rPr lang="en-US" dirty="0">
+              <a:rPr lang="en-US">
                 <a:ea typeface="+mn-lt"/>
                 <a:cs typeface="+mn-lt"/>
               </a:rPr>
               <a:t>Which district and Lower Layer Super Output Areas (LLSOAs) have higher rates of crime?</a:t>
             </a:r>
-            <a:endParaRPr lang="en-GB" dirty="0">
+            <a:endParaRPr lang="en-GB">
               <a:ea typeface="+mn-lt"/>
               <a:cs typeface="+mn-lt"/>
             </a:endParaRPr>
@@ -4714,7 +5939,7 @@
               <a:buFont typeface="Arial"/>
               <a:buChar char="•"/>
             </a:pPr>
-            <a:endParaRPr lang="en-US" dirty="0">
+            <a:endParaRPr lang="en-US">
               <a:ea typeface="+mn-lt"/>
               <a:cs typeface="+mn-lt"/>
             </a:endParaRPr>
@@ -4728,13 +5953,13 @@
               <a:buChar char="•"/>
             </a:pPr>
             <a:r>
-              <a:rPr lang="en-US" dirty="0">
+              <a:rPr lang="en-US">
                 <a:ea typeface="+mn-lt"/>
                 <a:cs typeface="+mn-lt"/>
               </a:rPr>
               <a:t>What type of crime might you be exposed to in certain LLSOAs?</a:t>
             </a:r>
-            <a:endParaRPr lang="en-GB" dirty="0">
+            <a:endParaRPr lang="en-GB">
               <a:ea typeface="+mn-lt"/>
               <a:cs typeface="+mn-lt"/>
             </a:endParaRPr>
@@ -4747,7 +5972,7 @@
               <a:buFont typeface="Arial"/>
               <a:buChar char="•"/>
             </a:pPr>
-            <a:endParaRPr lang="en-US" dirty="0">
+            <a:endParaRPr lang="en-US">
               <a:ea typeface="+mn-lt"/>
               <a:cs typeface="+mn-lt"/>
             </a:endParaRPr>
@@ -4764,13 +5989,13 @@
               <a:buChar char="•"/>
             </a:pPr>
             <a:r>
-              <a:rPr lang="en-US" dirty="0">
+              <a:rPr lang="en-US">
                 <a:ea typeface="+mn-lt"/>
                 <a:cs typeface="+mn-lt"/>
               </a:rPr>
               <a:t>Where is the safest place to park your bike?</a:t>
             </a:r>
-            <a:endParaRPr lang="en-US" dirty="0">
+            <a:endParaRPr lang="en-US">
               <a:cs typeface="Calibri" panose="020F0502020204030204"/>
             </a:endParaRPr>
           </a:p>
@@ -4844,13 +6069,13 @@
               <a:buNone/>
             </a:pPr>
             <a:r>
-              <a:rPr lang="en-US" dirty="0">
+              <a:rPr lang="en-US" b="1">
                 <a:ea typeface="+mn-lt"/>
                 <a:cs typeface="+mn-lt"/>
               </a:rPr>
               <a:t>AIMS</a:t>
             </a:r>
-            <a:endParaRPr lang="en-US"/>
+            <a:endParaRPr lang="en-US" b="1"/>
           </a:p>
           <a:p>
             <a:pPr algn="ctr">
@@ -4861,7 +6086,7 @@
                 <a:spcPts val="0"/>
               </a:spcBef>
             </a:pPr>
-            <a:endParaRPr lang="en-US" dirty="0">
+            <a:endParaRPr lang="en-US">
               <a:ea typeface="+mn-lt"/>
               <a:cs typeface="+mn-lt"/>
             </a:endParaRPr>
@@ -4877,7 +6102,7 @@
               <a:buFont typeface="Arial,Sans-Serif" panose="020B0604020202020204" pitchFamily="34" charset="0"/>
             </a:pPr>
             <a:r>
-              <a:rPr lang="en-US" dirty="0">
+              <a:rPr lang="en-US">
                 <a:ea typeface="+mn-lt"/>
                 <a:cs typeface="+mn-lt"/>
               </a:rPr>
@@ -4894,7 +6119,7 @@
               </a:spcBef>
               <a:buFont typeface="Arial,Sans-Serif" panose="020B0604020202020204" pitchFamily="34" charset="0"/>
             </a:pPr>
-            <a:endParaRPr lang="en-US" dirty="0">
+            <a:endParaRPr lang="en-US">
               <a:ea typeface="+mn-lt"/>
               <a:cs typeface="+mn-lt"/>
             </a:endParaRPr>
@@ -4910,7 +6135,7 @@
               <a:buFont typeface="Arial,Sans-Serif" panose="020B0604020202020204" pitchFamily="34" charset="0"/>
             </a:pPr>
             <a:r>
-              <a:rPr lang="en-US" dirty="0">
+              <a:rPr lang="en-US">
                 <a:ea typeface="+mn-lt"/>
                 <a:cs typeface="+mn-lt"/>
               </a:rPr>
@@ -4927,7 +6152,7 @@
               </a:spcBef>
               <a:buFont typeface="Arial,Sans-Serif" panose="020B0604020202020204" pitchFamily="34" charset="0"/>
             </a:pPr>
-            <a:endParaRPr lang="en-US" dirty="0">
+            <a:endParaRPr lang="en-US">
               <a:ea typeface="+mn-lt"/>
               <a:cs typeface="+mn-lt"/>
             </a:endParaRPr>
@@ -4943,7 +6168,7 @@
               <a:buFont typeface="Arial,Sans-Serif" panose="020B0604020202020204" pitchFamily="34" charset="0"/>
             </a:pPr>
             <a:r>
-              <a:rPr lang="en-US" dirty="0">
+              <a:rPr lang="en-US">
                 <a:ea typeface="+mn-lt"/>
                 <a:cs typeface="+mn-lt"/>
               </a:rPr>
@@ -4959,7 +6184,7 @@
                 <a:spcPts val="200"/>
               </a:spcBef>
             </a:pPr>
-            <a:endParaRPr lang="en-US" dirty="0">
+            <a:endParaRPr lang="en-US">
               <a:ea typeface="+mn-lt"/>
               <a:cs typeface="+mn-lt"/>
             </a:endParaRPr>
@@ -4975,7 +6200,7 @@
               <a:buNone/>
             </a:pPr>
             <a:r>
-              <a:rPr lang="en-US" dirty="0">
+              <a:rPr lang="en-US" b="1">
                 <a:ea typeface="+mn-lt"/>
                 <a:cs typeface="+mn-lt"/>
               </a:rPr>
@@ -4991,7 +6216,7 @@
                 <a:spcPts val="200"/>
               </a:spcBef>
             </a:pPr>
-            <a:endParaRPr lang="en-US" dirty="0">
+            <a:endParaRPr lang="en-US">
               <a:ea typeface="+mn-lt"/>
               <a:cs typeface="+mn-lt"/>
             </a:endParaRPr>
@@ -5007,7 +6232,7 @@
               <a:buFont typeface="Arial,Sans-Serif" panose="020B0604020202020204" pitchFamily="34" charset="0"/>
             </a:pPr>
             <a:r>
-              <a:rPr lang="en-US" dirty="0">
+              <a:rPr lang="en-US">
                 <a:ea typeface="+mn-lt"/>
                 <a:cs typeface="+mn-lt"/>
               </a:rPr>
@@ -5024,7 +6249,7 @@
               </a:spcBef>
               <a:buFont typeface="Arial,Sans-Serif" panose="020B0604020202020204" pitchFamily="34" charset="0"/>
             </a:pPr>
-            <a:endParaRPr lang="en-US" dirty="0">
+            <a:endParaRPr lang="en-US">
               <a:ea typeface="+mn-lt"/>
               <a:cs typeface="+mn-lt"/>
             </a:endParaRPr>
@@ -5040,7 +6265,7 @@
               <a:buFont typeface="Arial,Sans-Serif" panose="020B0604020202020204" pitchFamily="34" charset="0"/>
             </a:pPr>
             <a:r>
-              <a:rPr lang="en-US" dirty="0">
+              <a:rPr lang="en-US">
                 <a:ea typeface="+mn-lt"/>
                 <a:cs typeface="+mn-lt"/>
               </a:rPr>
@@ -5057,7 +6282,7 @@
               </a:spcBef>
               <a:buFont typeface="Arial,Sans-Serif" panose="020B0604020202020204" pitchFamily="34" charset="0"/>
             </a:pPr>
-            <a:endParaRPr lang="en-US" dirty="0">
+            <a:endParaRPr lang="en-US">
               <a:ea typeface="+mn-lt"/>
               <a:cs typeface="+mn-lt"/>
             </a:endParaRPr>
@@ -5073,7 +6298,7 @@
               <a:buFont typeface="Arial,Sans-Serif" panose="020B0604020202020204" pitchFamily="34" charset="0"/>
             </a:pPr>
             <a:r>
-              <a:rPr lang="en-US" dirty="0">
+              <a:rPr lang="en-US">
                 <a:ea typeface="+mn-lt"/>
                 <a:cs typeface="+mn-lt"/>
               </a:rPr>
@@ -5090,7 +6315,7 @@
               </a:spcBef>
               <a:buFont typeface="Arial,Sans-Serif" panose="020B0604020202020204" pitchFamily="34" charset="0"/>
             </a:pPr>
-            <a:endParaRPr lang="en-US" dirty="0">
+            <a:endParaRPr lang="en-US">
               <a:ea typeface="+mn-lt"/>
               <a:cs typeface="+mn-lt"/>
             </a:endParaRPr>
@@ -5106,13 +6331,13 @@
               <a:buFont typeface="Arial,Sans-Serif" panose="020B0604020202020204" pitchFamily="34" charset="0"/>
             </a:pPr>
             <a:r>
-              <a:rPr lang="en-US" dirty="0">
+              <a:rPr lang="en-US">
                 <a:ea typeface="+mn-lt"/>
                 <a:cs typeface="+mn-lt"/>
               </a:rPr>
               <a:t>Determine which areas are safest</a:t>
             </a:r>
-            <a:endParaRPr lang="en-GB" dirty="0"/>
+            <a:endParaRPr lang="en-GB"/>
           </a:p>
         </p:txBody>
       </p:sp>
@@ -5148,10 +6373,10 @@
       </p:grpSpPr>
       <p:sp>
         <p:nvSpPr>
-          <p:cNvPr id="5" name="TextBox 4">
-            <a:extLst>
-              <a:ext uri="{FF2B5EF4-FFF2-40B4-BE49-F238E27FC236}">
-                <a16:creationId xmlns:a16="http://schemas.microsoft.com/office/drawing/2014/main" id="{1067E8E7-3F39-433E-AF96-90C3BB8B1BE9}"/>
+          <p:cNvPr id="6" name="TextBox 5">
+            <a:extLst>
+              <a:ext uri="{FF2B5EF4-FFF2-40B4-BE49-F238E27FC236}">
+                <a16:creationId xmlns:a16="http://schemas.microsoft.com/office/drawing/2014/main" id="{C3A9A4E7-69CC-4FD0-AE73-7EA6EA0E5089}"/>
               </a:ext>
             </a:extLst>
           </p:cNvPr>
@@ -5160,8 +6385,8 @@
         </p:nvSpPr>
         <p:spPr>
           <a:xfrm>
-            <a:off x="2887462" y="597898"/>
-            <a:ext cx="6094520" cy="375552"/>
+            <a:off x="3217079" y="415649"/>
+            <a:ext cx="5760692" cy="968278"/>
           </a:xfrm>
           <a:prstGeom prst="rect">
             <a:avLst/>
@@ -5169,7 +6394,7 @@
           <a:noFill/>
         </p:spPr>
         <p:txBody>
-          <a:bodyPr wrap="square">
+          <a:bodyPr wrap="square" lIns="91440" tIns="45720" rIns="91440" bIns="45720" anchor="t">
             <a:spAutoFit/>
           </a:bodyPr>
           <a:lstStyle/>
@@ -5178,220 +6403,21 @@
               <a:lnSpc>
                 <a:spcPct val="107000"/>
               </a:lnSpc>
-              <a:spcBef>
-                <a:spcPts val="1200"/>
-              </a:spcBef>
-            </a:pPr>
-            <a:r>
-              <a:rPr lang="en-US" sz="1800" b="1" u="sng" kern="0">
-                <a:solidFill>
-                  <a:srgbClr val="2F5496"/>
-                </a:solidFill>
-                <a:effectLst/>
-                <a:latin typeface="Calibri Light" panose="020F0302020204030204" pitchFamily="34" charset="0"/>
-                <a:ea typeface="Times New Roman" panose="02020603050405020304" pitchFamily="18" charset="0"/>
-                <a:cs typeface="Times New Roman" panose="02020603050405020304" pitchFamily="18" charset="0"/>
-              </a:rPr>
-              <a:t>2019 Crime Survey for the West Midlands</a:t>
-            </a:r>
-            <a:endParaRPr lang="en-GB" sz="1800" b="1" kern="0">
-              <a:solidFill>
-                <a:srgbClr val="2F5496"/>
-              </a:solidFill>
-              <a:effectLst/>
-              <a:latin typeface="Calibri Light" panose="020F0302020204030204" pitchFamily="34" charset="0"/>
-              <a:ea typeface="Times New Roman" panose="02020603050405020304" pitchFamily="18" charset="0"/>
-              <a:cs typeface="Times New Roman" panose="02020603050405020304" pitchFamily="18" charset="0"/>
-            </a:endParaRPr>
-          </a:p>
-        </p:txBody>
-      </p:sp>
-      <p:sp>
-        <p:nvSpPr>
-          <p:cNvPr id="7" name="TextBox 6">
-            <a:extLst>
-              <a:ext uri="{FF2B5EF4-FFF2-40B4-BE49-F238E27FC236}">
-                <a16:creationId xmlns:a16="http://schemas.microsoft.com/office/drawing/2014/main" id="{10BFC1BE-8EA2-4D60-ADC9-2D241CC3F81E}"/>
-              </a:ext>
-            </a:extLst>
-          </p:cNvPr>
-          <p:cNvSpPr txBox="1"/>
-          <p:nvPr/>
-        </p:nvSpPr>
-        <p:spPr>
-          <a:xfrm>
-            <a:off x="3332825" y="1270971"/>
-            <a:ext cx="6094520" cy="1711109"/>
-          </a:xfrm>
-          <a:prstGeom prst="rect">
-            <a:avLst/>
-          </a:prstGeom>
-          <a:noFill/>
-        </p:spPr>
-        <p:txBody>
-          <a:bodyPr wrap="square">
-            <a:spAutoFit/>
-          </a:bodyPr>
-          <a:lstStyle/>
-          <a:p>
-            <a:pPr>
-              <a:lnSpc>
-                <a:spcPct val="107000"/>
-              </a:lnSpc>
-              <a:spcBef>
-                <a:spcPts val="200"/>
-              </a:spcBef>
-            </a:pPr>
-            <a:r>
-              <a:rPr lang="en-GB" sz="2400" b="1">
-                <a:solidFill>
-                  <a:srgbClr val="2F5496"/>
-                </a:solidFill>
-                <a:effectLst/>
-                <a:latin typeface="Calibri Light" panose="020F0302020204030204" pitchFamily="34" charset="0"/>
-                <a:ea typeface="Times New Roman" panose="02020603050405020304" pitchFamily="18" charset="0"/>
-                <a:cs typeface="Times New Roman" panose="02020603050405020304" pitchFamily="18" charset="0"/>
-              </a:rPr>
-              <a:t>HYPOTHESIS</a:t>
-            </a:r>
-          </a:p>
-          <a:p>
-            <a:pPr>
-              <a:lnSpc>
-                <a:spcPct val="107000"/>
-              </a:lnSpc>
-              <a:spcBef>
-                <a:spcPts val="200"/>
-              </a:spcBef>
-            </a:pPr>
-            <a:r>
-              <a:rPr lang="en-US" sz="1800" b="1">
-                <a:solidFill>
-                  <a:srgbClr val="2F5496"/>
-                </a:solidFill>
-                <a:effectLst/>
-                <a:latin typeface="Calibri" panose="020F0502020204030204" pitchFamily="34" charset="0"/>
-                <a:ea typeface="Calibri" panose="020F0502020204030204" pitchFamily="34" charset="0"/>
-                <a:cs typeface="Times New Roman" panose="02020603050405020304" pitchFamily="18" charset="0"/>
-              </a:rPr>
-              <a:t> </a:t>
-            </a:r>
-            <a:endParaRPr lang="en-GB" sz="2400" b="1">
-              <a:solidFill>
-                <a:srgbClr val="2F5496"/>
-              </a:solidFill>
-              <a:effectLst/>
-              <a:latin typeface="Calibri Light" panose="020F0302020204030204" pitchFamily="34" charset="0"/>
-              <a:ea typeface="Times New Roman" panose="02020603050405020304" pitchFamily="18" charset="0"/>
-              <a:cs typeface="Times New Roman" panose="02020603050405020304" pitchFamily="18" charset="0"/>
-            </a:endParaRPr>
-          </a:p>
-          <a:p>
-            <a:pPr>
-              <a:lnSpc>
-                <a:spcPct val="107000"/>
-              </a:lnSpc>
-              <a:spcBef>
-                <a:spcPts val="200"/>
-              </a:spcBef>
-            </a:pPr>
-            <a:r>
-              <a:rPr lang="en-US" sz="1800" b="1">
-                <a:solidFill>
-                  <a:srgbClr val="2F5496"/>
-                </a:solidFill>
-                <a:effectLst/>
-                <a:latin typeface="Calibri" panose="020F0502020204030204" pitchFamily="34" charset="0"/>
-                <a:ea typeface="Calibri" panose="020F0502020204030204" pitchFamily="34" charset="0"/>
-                <a:cs typeface="Times New Roman" panose="02020603050405020304" pitchFamily="18" charset="0"/>
-              </a:rPr>
-              <a:t>Within the West Midlands during 2019 did the Index of Multiple Deprivation (IMD) Score of an area influence the exposure to certain crimes in that area.</a:t>
-            </a:r>
-            <a:endParaRPr lang="en-GB" sz="2400" b="1">
-              <a:solidFill>
-                <a:srgbClr val="2F5496"/>
-              </a:solidFill>
-              <a:effectLst/>
-              <a:latin typeface="Calibri Light" panose="020F0302020204030204" pitchFamily="34" charset="0"/>
-              <a:ea typeface="Times New Roman" panose="02020603050405020304" pitchFamily="18" charset="0"/>
-              <a:cs typeface="Times New Roman" panose="02020603050405020304" pitchFamily="18" charset="0"/>
-            </a:endParaRPr>
-          </a:p>
-        </p:txBody>
-      </p:sp>
-      <p:sp>
-        <p:nvSpPr>
-          <p:cNvPr id="6" name="TextBox 5">
-            <a:extLst>
-              <a:ext uri="{FF2B5EF4-FFF2-40B4-BE49-F238E27FC236}">
-                <a16:creationId xmlns:a16="http://schemas.microsoft.com/office/drawing/2014/main" id="{C3A9A4E7-69CC-4FD0-AE73-7EA6EA0E5089}"/>
-              </a:ext>
-            </a:extLst>
-          </p:cNvPr>
-          <p:cNvSpPr txBox="1"/>
-          <p:nvPr/>
-        </p:nvSpPr>
-        <p:spPr>
-          <a:xfrm>
-            <a:off x="3332825" y="3175289"/>
-            <a:ext cx="6094520" cy="3244221"/>
-          </a:xfrm>
-          <a:prstGeom prst="rect">
-            <a:avLst/>
-          </a:prstGeom>
-          <a:noFill/>
-        </p:spPr>
-        <p:txBody>
-          <a:bodyPr wrap="square">
-            <a:spAutoFit/>
-          </a:bodyPr>
-          <a:lstStyle/>
-          <a:p>
-            <a:pPr>
-              <a:lnSpc>
-                <a:spcPct val="107000"/>
-              </a:lnSpc>
-              <a:spcBef>
-                <a:spcPts val="200"/>
-              </a:spcBef>
-            </a:pPr>
-            <a:r>
-              <a:rPr lang="en-US" sz="2400" b="1">
-                <a:solidFill>
-                  <a:srgbClr val="2F5496"/>
-                </a:solidFill>
-                <a:effectLst/>
-                <a:latin typeface="Calibri Light" panose="020F0302020204030204" pitchFamily="34" charset="0"/>
-                <a:ea typeface="Times New Roman" panose="02020603050405020304" pitchFamily="18" charset="0"/>
-                <a:cs typeface="Times New Roman" panose="02020603050405020304" pitchFamily="18" charset="0"/>
-              </a:rPr>
-              <a:t>RESEARCH QUESTIONS</a:t>
-            </a:r>
-            <a:endParaRPr lang="en-GB" sz="2400" b="1">
-              <a:solidFill>
-                <a:srgbClr val="2F5496"/>
-              </a:solidFill>
-              <a:effectLst/>
-              <a:latin typeface="Calibri Light" panose="020F0302020204030204" pitchFamily="34" charset="0"/>
-              <a:ea typeface="Times New Roman" panose="02020603050405020304" pitchFamily="18" charset="0"/>
-              <a:cs typeface="Times New Roman" panose="02020603050405020304" pitchFamily="18" charset="0"/>
-            </a:endParaRPr>
-          </a:p>
-          <a:p>
-            <a:pPr>
-              <a:lnSpc>
-                <a:spcPct val="107000"/>
-              </a:lnSpc>
-              <a:spcAft>
-                <a:spcPts val="800"/>
-              </a:spcAft>
             </a:pPr>
             <a:r>
               <a:rPr lang="en-US" sz="1800">
                 <a:effectLst/>
-                <a:latin typeface="Calibri" panose="020F0502020204030204" pitchFamily="34" charset="0"/>
+                <a:latin typeface="Calibri"/>
                 <a:ea typeface="Calibri" panose="020F0502020204030204" pitchFamily="34" charset="0"/>
-                <a:cs typeface="Times New Roman" panose="02020603050405020304" pitchFamily="18" charset="0"/>
+                <a:cs typeface="Times New Roman"/>
+              </a:rPr>
+              <a:t>Does the crime data sourced from the West Midlands Police database correlate with the Index of Multiple Deprivation (IMD) score?</a:t>
+            </a:r>
+            <a:r>
+              <a:rPr lang="en-US">
+                <a:latin typeface="Calibri"/>
+                <a:ea typeface="Calibri" panose="020F0502020204030204" pitchFamily="34" charset="0"/>
+                <a:cs typeface="Times New Roman"/>
               </a:rPr>
               <a:t> </a:t>
             </a:r>
@@ -5402,111 +6428,48 @@
               <a:cs typeface="Times New Roman" panose="02020603050405020304" pitchFamily="18" charset="0"/>
             </a:endParaRPr>
           </a:p>
-          <a:p>
-            <a:pPr marL="342900" lvl="0" indent="-342900">
-              <a:lnSpc>
-                <a:spcPct val="107000"/>
-              </a:lnSpc>
-              <a:buFont typeface="+mj-lt"/>
-              <a:buAutoNum type="arabicParenR"/>
-            </a:pPr>
-            <a:r>
-              <a:rPr lang="en-US" sz="1800">
-                <a:effectLst/>
-                <a:latin typeface="Calibri" panose="020F0502020204030204" pitchFamily="34" charset="0"/>
-                <a:ea typeface="Calibri" panose="020F0502020204030204" pitchFamily="34" charset="0"/>
-                <a:cs typeface="Times New Roman" panose="02020603050405020304" pitchFamily="18" charset="0"/>
-              </a:rPr>
-              <a:t>Does the crime data sourced from the West Midlands Police database correlate with the Index of Multiple Deprivation (IMD) score? </a:t>
-            </a:r>
-            <a:endParaRPr lang="en-GB" sz="1800">
-              <a:effectLst/>
-              <a:latin typeface="Calibri" panose="020F0502020204030204" pitchFamily="34" charset="0"/>
-              <a:ea typeface="Calibri" panose="020F0502020204030204" pitchFamily="34" charset="0"/>
-              <a:cs typeface="Times New Roman" panose="02020603050405020304" pitchFamily="18" charset="0"/>
-            </a:endParaRPr>
-          </a:p>
-          <a:p>
-            <a:pPr marL="342900" lvl="0" indent="-342900">
-              <a:lnSpc>
-                <a:spcPct val="107000"/>
-              </a:lnSpc>
-              <a:buFont typeface="+mj-lt"/>
-              <a:buAutoNum type="arabicParenR"/>
-            </a:pPr>
-            <a:r>
-              <a:rPr lang="en-US" sz="1800">
-                <a:effectLst/>
-                <a:latin typeface="Calibri" panose="020F0502020204030204" pitchFamily="34" charset="0"/>
-                <a:ea typeface="Calibri" panose="020F0502020204030204" pitchFamily="34" charset="0"/>
-                <a:cs typeface="Times New Roman" panose="02020603050405020304" pitchFamily="18" charset="0"/>
-              </a:rPr>
-              <a:t>Which district and Lower Layer Super Output Areas (LLSOAs) have higher rates of crime?</a:t>
-            </a:r>
-            <a:endParaRPr lang="en-GB" sz="1800">
-              <a:effectLst/>
-              <a:latin typeface="Calibri" panose="020F0502020204030204" pitchFamily="34" charset="0"/>
-              <a:ea typeface="Calibri" panose="020F0502020204030204" pitchFamily="34" charset="0"/>
-              <a:cs typeface="Times New Roman" panose="02020603050405020304" pitchFamily="18" charset="0"/>
-            </a:endParaRPr>
-          </a:p>
-          <a:p>
-            <a:pPr marL="342900" lvl="0" indent="-342900">
-              <a:lnSpc>
-                <a:spcPct val="107000"/>
-              </a:lnSpc>
-              <a:buFont typeface="+mj-lt"/>
-              <a:buAutoNum type="arabicParenR"/>
-            </a:pPr>
-            <a:r>
-              <a:rPr lang="en-US" sz="1800">
-                <a:effectLst/>
-                <a:latin typeface="Calibri" panose="020F0502020204030204" pitchFamily="34" charset="0"/>
-                <a:ea typeface="Calibri" panose="020F0502020204030204" pitchFamily="34" charset="0"/>
-                <a:cs typeface="Times New Roman" panose="02020603050405020304" pitchFamily="18" charset="0"/>
-              </a:rPr>
-              <a:t>What type of crime might you be exposed to in certain LLSOAs?</a:t>
-            </a:r>
-            <a:endParaRPr lang="en-GB" sz="1800">
-              <a:effectLst/>
-              <a:latin typeface="Calibri" panose="020F0502020204030204" pitchFamily="34" charset="0"/>
-              <a:ea typeface="Calibri" panose="020F0502020204030204" pitchFamily="34" charset="0"/>
-              <a:cs typeface="Times New Roman" panose="02020603050405020304" pitchFamily="18" charset="0"/>
-            </a:endParaRPr>
-          </a:p>
-          <a:p>
-            <a:pPr marL="342900" lvl="0" indent="-342900">
-              <a:lnSpc>
-                <a:spcPct val="107000"/>
-              </a:lnSpc>
-              <a:spcAft>
-                <a:spcPts val="800"/>
-              </a:spcAft>
-              <a:buFont typeface="+mj-lt"/>
-              <a:buAutoNum type="arabicParenR"/>
-            </a:pPr>
-            <a:r>
-              <a:rPr lang="en-US" sz="1800">
-                <a:effectLst/>
-                <a:latin typeface="Calibri" panose="020F0502020204030204" pitchFamily="34" charset="0"/>
-                <a:ea typeface="Calibri" panose="020F0502020204030204" pitchFamily="34" charset="0"/>
-                <a:cs typeface="Times New Roman" panose="02020603050405020304" pitchFamily="18" charset="0"/>
-              </a:rPr>
-              <a:t>Where is the safest place to park your bike?</a:t>
-            </a:r>
-            <a:endParaRPr lang="en-GB" sz="1800">
-              <a:effectLst/>
-              <a:latin typeface="Calibri" panose="020F0502020204030204" pitchFamily="34" charset="0"/>
-              <a:ea typeface="Calibri" panose="020F0502020204030204" pitchFamily="34" charset="0"/>
-              <a:cs typeface="Times New Roman" panose="02020603050405020304" pitchFamily="18" charset="0"/>
-            </a:endParaRPr>
-          </a:p>
-        </p:txBody>
-      </p:sp>
+        </p:txBody>
+      </p:sp>
+      <p:pic>
+        <p:nvPicPr>
+          <p:cNvPr id="8" name="Picture 7" descr="Chart, scatter chart&#10;&#10;Description automatically generated">
+            <a:extLst>
+              <a:ext uri="{FF2B5EF4-FFF2-40B4-BE49-F238E27FC236}">
+                <a16:creationId xmlns:a16="http://schemas.microsoft.com/office/drawing/2014/main" id="{0C4FCB69-BCE5-4C8A-82F1-642218BD9265}"/>
+              </a:ext>
+            </a:extLst>
+          </p:cNvPr>
+          <p:cNvPicPr>
+            <a:picLocks noChangeAspect="1"/>
+          </p:cNvPicPr>
+          <p:nvPr/>
+        </p:nvPicPr>
+        <p:blipFill>
+          <a:blip r:embed="rId2">
+            <a:extLst>
+              <a:ext uri="{28A0092B-C50C-407E-A947-70E740481C1C}">
+                <a14:useLocalDpi xmlns:a14="http://schemas.microsoft.com/office/drawing/2010/main" val="0"/>
+              </a:ext>
+            </a:extLst>
+          </a:blip>
+          <a:stretch>
+            <a:fillRect/>
+          </a:stretch>
+        </p:blipFill>
+        <p:spPr>
+          <a:xfrm>
+            <a:off x="1689393" y="1247125"/>
+            <a:ext cx="8605312" cy="5699245"/>
+          </a:xfrm>
+          <a:prstGeom prst="rect">
+            <a:avLst/>
+          </a:prstGeom>
+        </p:spPr>
+      </p:pic>
     </p:spTree>
     <p:extLst>
       <p:ext uri="{BB962C8B-B14F-4D97-AF65-F5344CB8AC3E}">
-        <p14:creationId xmlns:p14="http://schemas.microsoft.com/office/powerpoint/2010/main" val="2964110369"/>
+        <p14:creationId xmlns:p14="http://schemas.microsoft.com/office/powerpoint/2010/main" val="3392799334"/>
       </p:ext>
     </p:extLst>
   </p:cSld>
@@ -5547,8 +6510,8 @@
         </p:nvSpPr>
         <p:spPr>
           <a:xfrm>
-            <a:off x="92475" y="76983"/>
-            <a:ext cx="6094520" cy="968278"/>
+            <a:off x="261523" y="734823"/>
+            <a:ext cx="4080668" cy="3635547"/>
           </a:xfrm>
           <a:prstGeom prst="rect">
             <a:avLst/>
@@ -5556,40 +6519,287 @@
           <a:noFill/>
         </p:spPr>
         <p:txBody>
-          <a:bodyPr wrap="square">
+          <a:bodyPr wrap="square" lIns="91440" tIns="45720" rIns="91440" bIns="45720" anchor="t">
             <a:spAutoFit/>
           </a:bodyPr>
           <a:lstStyle/>
+          <a:p>
+            <a:pPr>
+              <a:lnSpc>
+                <a:spcPct val="107000"/>
+              </a:lnSpc>
+            </a:pPr>
+            <a:r>
+              <a:rPr lang="en-US">
+                <a:latin typeface="Calibri"/>
+                <a:ea typeface="Calibri" panose="020F0502020204030204" pitchFamily="34" charset="0"/>
+                <a:cs typeface="Times New Roman"/>
+              </a:rPr>
+              <a:t>The</a:t>
+            </a:r>
+            <a:r>
+              <a:rPr lang="en-US" sz="1800">
+                <a:effectLst/>
+                <a:latin typeface="Calibri"/>
+                <a:ea typeface="Calibri" panose="020F0502020204030204" pitchFamily="34" charset="0"/>
+                <a:cs typeface="Times New Roman"/>
+              </a:rPr>
+              <a:t> </a:t>
+            </a:r>
+            <a:r>
+              <a:rPr lang="en-US">
+                <a:latin typeface="Calibri"/>
+                <a:ea typeface="Calibri" panose="020F0502020204030204" pitchFamily="34" charset="0"/>
+                <a:cs typeface="Times New Roman"/>
+              </a:rPr>
+              <a:t>same </a:t>
+            </a:r>
+            <a:r>
+              <a:rPr lang="en-US" sz="1800">
+                <a:effectLst/>
+                <a:latin typeface="Calibri"/>
+                <a:ea typeface="Calibri" panose="020F0502020204030204" pitchFamily="34" charset="0"/>
+                <a:cs typeface="Times New Roman"/>
+              </a:rPr>
+              <a:t>plot </a:t>
+            </a:r>
+            <a:r>
+              <a:rPr lang="en-US">
+                <a:latin typeface="Calibri"/>
+                <a:ea typeface="Calibri" panose="020F0502020204030204" pitchFamily="34" charset="0"/>
+                <a:cs typeface="Times New Roman"/>
+              </a:rPr>
+              <a:t>with the</a:t>
+            </a:r>
+            <a:r>
+              <a:rPr lang="en-US" sz="1800">
+                <a:effectLst/>
+                <a:latin typeface="Calibri"/>
+                <a:ea typeface="Calibri" panose="020F0502020204030204" pitchFamily="34" charset="0"/>
+                <a:cs typeface="Times New Roman"/>
+              </a:rPr>
+              <a:t> outliers</a:t>
+            </a:r>
+            <a:r>
+              <a:rPr lang="en-US">
+                <a:latin typeface="Calibri"/>
+                <a:ea typeface="Calibri" panose="020F0502020204030204" pitchFamily="34" charset="0"/>
+                <a:cs typeface="Times New Roman"/>
+              </a:rPr>
+              <a:t> omitted for</a:t>
+            </a:r>
+            <a:r>
+              <a:rPr lang="en-US" sz="1800">
+                <a:effectLst/>
+                <a:latin typeface="Calibri"/>
+                <a:ea typeface="Calibri" panose="020F0502020204030204" pitchFamily="34" charset="0"/>
+                <a:cs typeface="Times New Roman"/>
+              </a:rPr>
+              <a:t> statistical analysis</a:t>
+            </a:r>
+            <a:r>
+              <a:rPr lang="en-US">
+                <a:latin typeface="Calibri"/>
+                <a:ea typeface="Calibri" panose="020F0502020204030204" pitchFamily="34" charset="0"/>
+                <a:cs typeface="Times New Roman"/>
+              </a:rPr>
+              <a:t>.</a:t>
+            </a:r>
+            <a:endParaRPr lang="en-US"/>
+          </a:p>
+          <a:p>
+            <a:pPr>
+              <a:lnSpc>
+                <a:spcPct val="107000"/>
+              </a:lnSpc>
+            </a:pPr>
+            <a:endParaRPr lang="en-US">
+              <a:latin typeface="Calibri"/>
+              <a:ea typeface="Calibri" panose="020F0502020204030204" pitchFamily="34" charset="0"/>
+              <a:cs typeface="Times New Roman"/>
+            </a:endParaRPr>
+          </a:p>
+          <a:p>
+            <a:pPr>
+              <a:lnSpc>
+                <a:spcPct val="107000"/>
+              </a:lnSpc>
+            </a:pPr>
+            <a:r>
+              <a:rPr lang="en-US">
+                <a:latin typeface="Calibri"/>
+                <a:ea typeface="Calibri" panose="020F0502020204030204" pitchFamily="34" charset="0"/>
+                <a:cs typeface="Times New Roman"/>
+              </a:rPr>
+              <a:t>By removing outliers, </a:t>
+            </a:r>
+            <a:r>
+              <a:rPr lang="en-US" sz="1800">
+                <a:effectLst/>
+                <a:latin typeface="Calibri"/>
+                <a:ea typeface="Calibri" panose="020F0502020204030204" pitchFamily="34" charset="0"/>
+                <a:cs typeface="Times New Roman"/>
+              </a:rPr>
+              <a:t>the y </a:t>
+            </a:r>
+            <a:r>
+              <a:rPr lang="en-US">
+                <a:latin typeface="Calibri"/>
+                <a:ea typeface="Calibri" panose="020F0502020204030204" pitchFamily="34" charset="0"/>
+                <a:cs typeface="Times New Roman"/>
+              </a:rPr>
+              <a:t>limit was reduced </a:t>
+            </a:r>
+            <a:r>
+              <a:rPr lang="en-US" sz="1800">
+                <a:effectLst/>
+                <a:latin typeface="Calibri"/>
+                <a:ea typeface="Calibri" panose="020F0502020204030204" pitchFamily="34" charset="0"/>
+                <a:cs typeface="Times New Roman"/>
+              </a:rPr>
+              <a:t>to 600 </a:t>
+            </a:r>
+            <a:r>
+              <a:rPr lang="en-US">
+                <a:latin typeface="Calibri"/>
+                <a:ea typeface="Calibri" panose="020F0502020204030204" pitchFamily="34" charset="0"/>
+                <a:cs typeface="Times New Roman"/>
+              </a:rPr>
+              <a:t>from over</a:t>
+            </a:r>
+            <a:r>
+              <a:rPr lang="en-US" sz="1800">
+                <a:effectLst/>
+                <a:latin typeface="Calibri"/>
+                <a:ea typeface="Calibri" panose="020F0502020204030204" pitchFamily="34" charset="0"/>
+                <a:cs typeface="Times New Roman"/>
+              </a:rPr>
+              <a:t> 4000 so that </a:t>
+            </a:r>
+            <a:endParaRPr lang="en-US">
+              <a:latin typeface="Calibri"/>
+              <a:ea typeface="Calibri" panose="020F0502020204030204" pitchFamily="34" charset="0"/>
+              <a:cs typeface="Calibri"/>
+            </a:endParaRPr>
+          </a:p>
+          <a:p>
+            <a:pPr>
+              <a:lnSpc>
+                <a:spcPct val="107000"/>
+              </a:lnSpc>
+            </a:pPr>
+            <a:endParaRPr lang="en-US">
+              <a:latin typeface="Calibri"/>
+              <a:ea typeface="Calibri" panose="020F0502020204030204" pitchFamily="34" charset="0"/>
+              <a:cs typeface="Times New Roman"/>
+            </a:endParaRPr>
+          </a:p>
+          <a:p>
+            <a:pPr>
+              <a:lnSpc>
+                <a:spcPct val="107000"/>
+              </a:lnSpc>
+            </a:pPr>
+            <a:endParaRPr lang="en-US">
+              <a:latin typeface="Calibri"/>
+              <a:ea typeface="Calibri" panose="020F0502020204030204" pitchFamily="34" charset="0"/>
+              <a:cs typeface="Times New Roman"/>
+            </a:endParaRPr>
+          </a:p>
+          <a:p>
+            <a:pPr>
+              <a:lnSpc>
+                <a:spcPct val="107000"/>
+              </a:lnSpc>
+            </a:pPr>
+            <a:r>
+              <a:rPr lang="en-US">
+                <a:latin typeface="Calibri"/>
+                <a:ea typeface="Calibri" panose="020F0502020204030204" pitchFamily="34" charset="0"/>
+                <a:cs typeface="Times New Roman"/>
+              </a:rPr>
+              <a:t>We</a:t>
+            </a:r>
+            <a:r>
+              <a:rPr lang="en-US" sz="1800">
+                <a:effectLst/>
+                <a:latin typeface="Calibri"/>
+                <a:ea typeface="Calibri" panose="020F0502020204030204" pitchFamily="34" charset="0"/>
+                <a:cs typeface="Times New Roman"/>
+              </a:rPr>
+              <a:t> </a:t>
+            </a:r>
+            <a:r>
+              <a:rPr lang="en-US">
+                <a:latin typeface="Calibri"/>
+                <a:ea typeface="Calibri" panose="020F0502020204030204" pitchFamily="34" charset="0"/>
+                <a:cs typeface="Times New Roman"/>
+              </a:rPr>
+              <a:t>could then</a:t>
+            </a:r>
+            <a:r>
+              <a:rPr lang="en-US" sz="1800">
+                <a:effectLst/>
+                <a:latin typeface="Calibri"/>
+                <a:ea typeface="Calibri" panose="020F0502020204030204" pitchFamily="34" charset="0"/>
+                <a:cs typeface="Times New Roman"/>
+              </a:rPr>
+              <a:t> visualize any correlation and view the linear regression</a:t>
+            </a:r>
+            <a:r>
+              <a:rPr lang="en-US">
+                <a:latin typeface="Calibri"/>
+                <a:ea typeface="Calibri" panose="020F0502020204030204" pitchFamily="34" charset="0"/>
+                <a:cs typeface="Times New Roman"/>
+              </a:rPr>
+              <a:t> in a higher resolution</a:t>
+            </a:r>
+            <a:r>
+              <a:rPr lang="en-US" sz="1800">
+                <a:effectLst/>
+                <a:latin typeface="Calibri"/>
+                <a:ea typeface="Calibri" panose="020F0502020204030204" pitchFamily="34" charset="0"/>
+                <a:cs typeface="Times New Roman"/>
+              </a:rPr>
+              <a:t>.</a:t>
+            </a:r>
+            <a:endParaRPr lang="en-US">
+              <a:cs typeface="Calibri"/>
+            </a:endParaRPr>
+          </a:p>
+          <a:p>
+            <a:pPr>
+              <a:lnSpc>
+                <a:spcPct val="107000"/>
+              </a:lnSpc>
+            </a:pPr>
+            <a:endParaRPr lang="en-US">
+              <a:latin typeface="Calibri"/>
+              <a:ea typeface="Calibri" panose="020F0502020204030204" pitchFamily="34" charset="0"/>
+              <a:cs typeface="Times New Roman"/>
+            </a:endParaRPr>
+          </a:p>
           <a:p>
             <a:pPr lvl="0">
               <a:lnSpc>
                 <a:spcPct val="107000"/>
               </a:lnSpc>
             </a:pPr>
-            <a:r>
-              <a:rPr lang="en-US" sz="1800">
-                <a:effectLst/>
-                <a:latin typeface="Calibri" panose="020F0502020204030204" pitchFamily="34" charset="0"/>
-                <a:ea typeface="Calibri" panose="020F0502020204030204" pitchFamily="34" charset="0"/>
-                <a:cs typeface="Times New Roman" panose="02020603050405020304" pitchFamily="18" charset="0"/>
-              </a:rPr>
-              <a:t>Does the crime data sourced from the West Midlands Police database correlate with the Index of Multiple Deprivation (IMD) score? </a:t>
-            </a:r>
-            <a:endParaRPr lang="en-GB" sz="1800">
+            <a:endParaRPr lang="en-US" sz="1800">
               <a:effectLst/>
-              <a:latin typeface="Calibri" panose="020F0502020204030204" pitchFamily="34" charset="0"/>
+              <a:latin typeface="Calibri"/>
               <a:ea typeface="Calibri" panose="020F0502020204030204" pitchFamily="34" charset="0"/>
-              <a:cs typeface="Times New Roman" panose="02020603050405020304" pitchFamily="18" charset="0"/>
+              <a:cs typeface="Times New Roman"/>
             </a:endParaRPr>
           </a:p>
         </p:txBody>
       </p:sp>
       <p:pic>
         <p:nvPicPr>
-          <p:cNvPr id="8" name="Picture 7" descr="Chart, scatter chart&#10;&#10;Description automatically generated">
-            <a:extLst>
-              <a:ext uri="{FF2B5EF4-FFF2-40B4-BE49-F238E27FC236}">
-                <a16:creationId xmlns:a16="http://schemas.microsoft.com/office/drawing/2014/main" id="{0C4FCB69-BCE5-4C8A-82F1-642218BD9265}"/>
+          <p:cNvPr id="3" name="Picture 2" descr="Chart, scatter chart&#10;&#10;Description automatically generated">
+            <a:extLst>
+              <a:ext uri="{FF2B5EF4-FFF2-40B4-BE49-F238E27FC236}">
+                <a16:creationId xmlns:a16="http://schemas.microsoft.com/office/drawing/2014/main" id="{B914380B-A1CC-41CD-A5F5-9B6745399D6F}"/>
               </a:ext>
             </a:extLst>
           </p:cNvPr>
@@ -5612,18 +6822,211 @@
         </p:blipFill>
         <p:spPr>
           <a:xfrm>
-            <a:off x="381000" y="476655"/>
-            <a:ext cx="11430000" cy="6858000"/>
+            <a:off x="3660781" y="213862"/>
+            <a:ext cx="8391859" cy="6652521"/>
           </a:xfrm>
           <a:prstGeom prst="rect">
             <a:avLst/>
           </a:prstGeom>
         </p:spPr>
       </p:pic>
+      <p:sp>
+        <p:nvSpPr>
+          <p:cNvPr id="2" name="TextBox 1">
+            <a:extLst>
+              <a:ext uri="{FF2B5EF4-FFF2-40B4-BE49-F238E27FC236}">
+                <a16:creationId xmlns:a16="http://schemas.microsoft.com/office/drawing/2014/main" id="{F81E2893-A43A-9099-B2AA-6B97F5CB23F4}"/>
+              </a:ext>
+            </a:extLst>
+          </p:cNvPr>
+          <p:cNvSpPr txBox="1"/>
+          <p:nvPr/>
+        </p:nvSpPr>
+        <p:spPr>
+          <a:xfrm>
+            <a:off x="3585882" y="215153"/>
+            <a:ext cx="5020235" cy="369332"/>
+          </a:xfrm>
+          <a:prstGeom prst="rect">
+            <a:avLst/>
+          </a:prstGeom>
+          <a:noFill/>
+        </p:spPr>
+        <p:txBody>
+          <a:bodyPr rot="0" spcFirstLastPara="0" vertOverflow="overflow" horzOverflow="overflow" vert="horz" wrap="square" lIns="91440" tIns="45720" rIns="91440" bIns="45720" numCol="1" spcCol="0" rtlCol="0" fromWordArt="0" anchor="t" anchorCtr="0" forceAA="0" compatLnSpc="1">
+            <a:prstTxWarp prst="textNoShape">
+              <a:avLst/>
+            </a:prstTxWarp>
+            <a:spAutoFit/>
+          </a:bodyPr>
+          <a:lstStyle/>
+          <a:p>
+            <a:endParaRPr lang="en-US">
+              <a:cs typeface="Calibri"/>
+            </a:endParaRPr>
+          </a:p>
+        </p:txBody>
+      </p:sp>
+      <p:sp>
+        <p:nvSpPr>
+          <p:cNvPr id="5" name="TextBox 1">
+            <a:extLst>
+              <a:ext uri="{FF2B5EF4-FFF2-40B4-BE49-F238E27FC236}">
+                <a16:creationId xmlns:a16="http://schemas.microsoft.com/office/drawing/2014/main" id="{4BDA7DDB-1E43-0EB0-F0C4-2155A26F9BA7}"/>
+              </a:ext>
+            </a:extLst>
+          </p:cNvPr>
+          <p:cNvSpPr txBox="1"/>
+          <p:nvPr/>
+        </p:nvSpPr>
+        <p:spPr>
+          <a:xfrm>
+            <a:off x="261186" y="4042085"/>
+            <a:ext cx="4081028" cy="2308324"/>
+          </a:xfrm>
+          <a:prstGeom prst="rect">
+            <a:avLst/>
+          </a:prstGeom>
+          <a:noFill/>
+        </p:spPr>
+        <p:txBody>
+          <a:bodyPr rot="0" spcFirstLastPara="0" vert="horz" wrap="square" lIns="91440" tIns="45720" rIns="91440" bIns="45720" numCol="1" spcCol="0" rtlCol="0" fromWordArt="0" anchor="t" anchorCtr="0" forceAA="0" compatLnSpc="1">
+            <a:prstTxWarp prst="textNoShape">
+              <a:avLst/>
+            </a:prstTxWarp>
+            <a:spAutoFit/>
+          </a:bodyPr>
+          <a:lstStyle>
+            <a:defPPr>
+              <a:defRPr lang="en-US"/>
+            </a:defPPr>
+            <a:lvl1pPr marL="0" algn="l" defTabSz="914400" rtl="0" eaLnBrk="1" latinLnBrk="0" hangingPunct="1">
+              <a:defRPr sz="1800" kern="1200">
+                <a:solidFill>
+                  <a:schemeClr val="tx1"/>
+                </a:solidFill>
+                <a:latin typeface="+mn-lt"/>
+                <a:ea typeface="+mn-ea"/>
+                <a:cs typeface="+mn-cs"/>
+              </a:defRPr>
+            </a:lvl1pPr>
+            <a:lvl2pPr marL="457200" algn="l" defTabSz="914400" rtl="0" eaLnBrk="1" latinLnBrk="0" hangingPunct="1">
+              <a:defRPr sz="1800" kern="1200">
+                <a:solidFill>
+                  <a:schemeClr val="tx1"/>
+                </a:solidFill>
+                <a:latin typeface="+mn-lt"/>
+                <a:ea typeface="+mn-ea"/>
+                <a:cs typeface="+mn-cs"/>
+              </a:defRPr>
+            </a:lvl2pPr>
+            <a:lvl3pPr marL="914400" algn="l" defTabSz="914400" rtl="0" eaLnBrk="1" latinLnBrk="0" hangingPunct="1">
+              <a:defRPr sz="1800" kern="1200">
+                <a:solidFill>
+                  <a:schemeClr val="tx1"/>
+                </a:solidFill>
+                <a:latin typeface="+mn-lt"/>
+                <a:ea typeface="+mn-ea"/>
+                <a:cs typeface="+mn-cs"/>
+              </a:defRPr>
+            </a:lvl3pPr>
+            <a:lvl4pPr marL="1371600" algn="l" defTabSz="914400" rtl="0" eaLnBrk="1" latinLnBrk="0" hangingPunct="1">
+              <a:defRPr sz="1800" kern="1200">
+                <a:solidFill>
+                  <a:schemeClr val="tx1"/>
+                </a:solidFill>
+                <a:latin typeface="+mn-lt"/>
+                <a:ea typeface="+mn-ea"/>
+                <a:cs typeface="+mn-cs"/>
+              </a:defRPr>
+            </a:lvl4pPr>
+            <a:lvl5pPr marL="1828800" algn="l" defTabSz="914400" rtl="0" eaLnBrk="1" latinLnBrk="0" hangingPunct="1">
+              <a:defRPr sz="1800" kern="1200">
+                <a:solidFill>
+                  <a:schemeClr val="tx1"/>
+                </a:solidFill>
+                <a:latin typeface="+mn-lt"/>
+                <a:ea typeface="+mn-ea"/>
+                <a:cs typeface="+mn-cs"/>
+              </a:defRPr>
+            </a:lvl5pPr>
+            <a:lvl6pPr marL="2286000" algn="l" defTabSz="914400" rtl="0" eaLnBrk="1" latinLnBrk="0" hangingPunct="1">
+              <a:defRPr sz="1800" kern="1200">
+                <a:solidFill>
+                  <a:schemeClr val="tx1"/>
+                </a:solidFill>
+                <a:latin typeface="+mn-lt"/>
+                <a:ea typeface="+mn-ea"/>
+                <a:cs typeface="+mn-cs"/>
+              </a:defRPr>
+            </a:lvl6pPr>
+            <a:lvl7pPr marL="2743200" algn="l" defTabSz="914400" rtl="0" eaLnBrk="1" latinLnBrk="0" hangingPunct="1">
+              <a:defRPr sz="1800" kern="1200">
+                <a:solidFill>
+                  <a:schemeClr val="tx1"/>
+                </a:solidFill>
+                <a:latin typeface="+mn-lt"/>
+                <a:ea typeface="+mn-ea"/>
+                <a:cs typeface="+mn-cs"/>
+              </a:defRPr>
+            </a:lvl7pPr>
+            <a:lvl8pPr marL="3200400" algn="l" defTabSz="914400" rtl="0" eaLnBrk="1" latinLnBrk="0" hangingPunct="1">
+              <a:defRPr sz="1800" kern="1200">
+                <a:solidFill>
+                  <a:schemeClr val="tx1"/>
+                </a:solidFill>
+                <a:latin typeface="+mn-lt"/>
+                <a:ea typeface="+mn-ea"/>
+                <a:cs typeface="+mn-cs"/>
+              </a:defRPr>
+            </a:lvl8pPr>
+            <a:lvl9pPr marL="3657600" algn="l" defTabSz="914400" rtl="0" eaLnBrk="1" latinLnBrk="0" hangingPunct="1">
+              <a:defRPr sz="1800" kern="1200">
+                <a:solidFill>
+                  <a:schemeClr val="tx1"/>
+                </a:solidFill>
+                <a:latin typeface="+mn-lt"/>
+                <a:ea typeface="+mn-ea"/>
+                <a:cs typeface="+mn-cs"/>
+              </a:defRPr>
+            </a:lvl9pPr>
+          </a:lstStyle>
+          <a:p>
+            <a:pPr algn="just"/>
+            <a:r>
+              <a:rPr lang="en-GB">
+                <a:ea typeface="+mn-lt"/>
+                <a:cs typeface="+mn-lt"/>
+              </a:rPr>
+              <a:t>The line of linear regression shows that there is a positive linear correlation, but it is quite weak. </a:t>
+            </a:r>
+          </a:p>
+          <a:p>
+            <a:pPr algn="just"/>
+            <a:endParaRPr lang="en-GB">
+              <a:ea typeface="+mn-lt"/>
+              <a:cs typeface="+mn-lt"/>
+            </a:endParaRPr>
+          </a:p>
+          <a:p>
+            <a:pPr algn="just"/>
+            <a:r>
+              <a:rPr lang="en-GB">
+                <a:ea typeface="+mn-lt"/>
+                <a:cs typeface="+mn-lt"/>
+              </a:rPr>
+              <a:t>Whilst the amount of crimes increase the higher IMD score is not uniform. There are also high crime rates in LSOAs with low IMD scores. </a:t>
+            </a:r>
+            <a:endParaRPr lang="en-GB">
+              <a:cs typeface="Calibri"/>
+            </a:endParaRPr>
+          </a:p>
+        </p:txBody>
+      </p:sp>
     </p:spTree>
     <p:extLst>
       <p:ext uri="{BB962C8B-B14F-4D97-AF65-F5344CB8AC3E}">
-        <p14:creationId xmlns:p14="http://schemas.microsoft.com/office/powerpoint/2010/main" val="3392799334"/>
+        <p14:creationId xmlns:p14="http://schemas.microsoft.com/office/powerpoint/2010/main" val="1131150299"/>
       </p:ext>
     </p:extLst>
   </p:cSld>
@@ -5636,6 +7039,14 @@
 <file path=ppt/slides/slide6.xml><?xml version="1.0" encoding="utf-8"?>
 <p:sld xmlns:a="http://schemas.openxmlformats.org/drawingml/2006/main" xmlns:r="http://schemas.openxmlformats.org/officeDocument/2006/relationships" xmlns:p="http://schemas.openxmlformats.org/presentationml/2006/main">
   <p:cSld>
+    <p:bg>
+      <p:bgPr>
+        <a:solidFill>
+          <a:schemeClr val="bg1"/>
+        </a:solidFill>
+        <a:effectLst/>
+      </p:bgPr>
+    </p:bg>
     <p:spTree>
       <p:nvGrpSpPr>
         <p:cNvPr id="1" name=""/>
@@ -5650,79 +7061,166 @@
           <a:chExt cx="0" cy="0"/>
         </a:xfrm>
       </p:grpSpPr>
-      <p:sp>
-        <p:nvSpPr>
-          <p:cNvPr id="6" name="TextBox 5">
-            <a:extLst>
-              <a:ext uri="{FF2B5EF4-FFF2-40B4-BE49-F238E27FC236}">
-                <a16:creationId xmlns:a16="http://schemas.microsoft.com/office/drawing/2014/main" id="{C3A9A4E7-69CC-4FD0-AE73-7EA6EA0E5089}"/>
-              </a:ext>
-            </a:extLst>
-          </p:cNvPr>
-          <p:cNvSpPr txBox="1"/>
-          <p:nvPr/>
-        </p:nvSpPr>
-        <p:spPr>
+      <p:sp useBgFill="1">
+        <p:nvSpPr>
+          <p:cNvPr id="112" name="Rectangle 111">
+            <a:extLst>
+              <a:ext uri="{FF2B5EF4-FFF2-40B4-BE49-F238E27FC236}">
+                <a16:creationId xmlns:a16="http://schemas.microsoft.com/office/drawing/2014/main" id="{B96FC576-AE30-4C09-A12C-0582F2A6A067}"/>
+              </a:ext>
+              <a:ext uri="{C183D7F6-B498-43B3-948B-1728B52AA6E4}">
+                <adec:decorative xmlns:adec="http://schemas.microsoft.com/office/drawing/2017/decorative" val="1"/>
+              </a:ext>
+            </a:extLst>
+          </p:cNvPr>
+          <p:cNvSpPr>
+            <a:spLocks noGrp="1" noRot="1" noChangeAspect="1" noMove="1" noResize="1" noEditPoints="1" noAdjustHandles="1" noChangeArrowheads="1" noChangeShapeType="1" noTextEdit="1"/>
+          </p:cNvSpPr>
+          <p:nvPr>
+            <p:extLst>
+              <p:ext uri="{386F3935-93C4-4BCD-93E2-E3B085C9AB24}">
+                <p16:designElem xmlns:p16="http://schemas.microsoft.com/office/powerpoint/2015/main" val="1"/>
+              </p:ext>
+            </p:extLst>
+          </p:nvPr>
+        </p:nvSpPr>
+        <p:spPr bwMode="white">
           <a:xfrm>
-            <a:off x="92474" y="76984"/>
-            <a:ext cx="11634927" cy="1264642"/>
+            <a:off x="1524" y="0"/>
+            <a:ext cx="12188952" cy="6858000"/>
           </a:xfrm>
           <a:prstGeom prst="rect">
             <a:avLst/>
           </a:prstGeom>
-          <a:noFill/>
+          <a:ln>
+            <a:noFill/>
+          </a:ln>
         </p:spPr>
-        <p:txBody>
-          <a:bodyPr wrap="square">
-            <a:spAutoFit/>
-          </a:bodyPr>
-          <a:lstStyle/>
-          <a:p>
-            <a:pPr lvl="0">
-              <a:lnSpc>
-                <a:spcPct val="107000"/>
-              </a:lnSpc>
-            </a:pPr>
-            <a:r>
-              <a:rPr lang="en-US" sz="1800">
-                <a:effectLst/>
-                <a:latin typeface="Calibri" panose="020F0502020204030204" pitchFamily="34" charset="0"/>
-                <a:ea typeface="Calibri" panose="020F0502020204030204" pitchFamily="34" charset="0"/>
-                <a:cs typeface="Times New Roman" panose="02020603050405020304" pitchFamily="18" charset="0"/>
-              </a:rPr>
-              <a:t>This plot highlights a few outliers which for the statistical analysis can be omitted for the sake of finding out whether there is a correlation between the LSOA crime count and LSOA IMD score. We have therefore reduced the y limits to 600 rather than over 4000 so that we can visualize any correlation and view the linear regression.</a:t>
-            </a:r>
-          </a:p>
-          <a:p>
-            <a:pPr lvl="0">
-              <a:lnSpc>
-                <a:spcPct val="107000"/>
-              </a:lnSpc>
-            </a:pPr>
-            <a:r>
-              <a:rPr lang="en-US" sz="1800">
-                <a:effectLst/>
-                <a:latin typeface="Calibri" panose="020F0502020204030204" pitchFamily="34" charset="0"/>
-                <a:ea typeface="Calibri" panose="020F0502020204030204" pitchFamily="34" charset="0"/>
-                <a:cs typeface="Times New Roman" panose="02020603050405020304" pitchFamily="18" charset="0"/>
-              </a:rPr>
-              <a:t>The line of linear regression shows that there is a positive linear correlation, but it is quite weak.</a:t>
-            </a:r>
-            <a:endParaRPr lang="en-GB" sz="1800">
-              <a:effectLst/>
-              <a:latin typeface="Calibri" panose="020F0502020204030204" pitchFamily="34" charset="0"/>
-              <a:ea typeface="Calibri" panose="020F0502020204030204" pitchFamily="34" charset="0"/>
-              <a:cs typeface="Times New Roman" panose="02020603050405020304" pitchFamily="18" charset="0"/>
-            </a:endParaRPr>
+        <p:style>
+          <a:lnRef idx="2">
+            <a:schemeClr val="accent1">
+              <a:shade val="50000"/>
+            </a:schemeClr>
+          </a:lnRef>
+          <a:fillRef idx="1">
+            <a:schemeClr val="accent1"/>
+          </a:fillRef>
+          <a:effectRef idx="0">
+            <a:schemeClr val="accent1"/>
+          </a:effectRef>
+          <a:fontRef idx="minor">
+            <a:schemeClr val="lt1"/>
+          </a:fontRef>
+        </p:style>
+        <p:txBody>
+          <a:bodyPr rtlCol="0" anchor="ctr"/>
+          <a:lstStyle>
+            <a:defPPr>
+              <a:defRPr lang="en-US"/>
+            </a:defPPr>
+            <a:lvl1pPr marL="0" algn="l" defTabSz="914400" rtl="0" eaLnBrk="1" latinLnBrk="0" hangingPunct="1">
+              <a:defRPr sz="1800" kern="1200">
+                <a:solidFill>
+                  <a:schemeClr val="lt1"/>
+                </a:solidFill>
+                <a:latin typeface="+mn-lt"/>
+                <a:ea typeface="+mn-ea"/>
+                <a:cs typeface="+mn-cs"/>
+              </a:defRPr>
+            </a:lvl1pPr>
+            <a:lvl2pPr marL="457200" algn="l" defTabSz="914400" rtl="0" eaLnBrk="1" latinLnBrk="0" hangingPunct="1">
+              <a:defRPr sz="1800" kern="1200">
+                <a:solidFill>
+                  <a:schemeClr val="lt1"/>
+                </a:solidFill>
+                <a:latin typeface="+mn-lt"/>
+                <a:ea typeface="+mn-ea"/>
+                <a:cs typeface="+mn-cs"/>
+              </a:defRPr>
+            </a:lvl2pPr>
+            <a:lvl3pPr marL="914400" algn="l" defTabSz="914400" rtl="0" eaLnBrk="1" latinLnBrk="0" hangingPunct="1">
+              <a:defRPr sz="1800" kern="1200">
+                <a:solidFill>
+                  <a:schemeClr val="lt1"/>
+                </a:solidFill>
+                <a:latin typeface="+mn-lt"/>
+                <a:ea typeface="+mn-ea"/>
+                <a:cs typeface="+mn-cs"/>
+              </a:defRPr>
+            </a:lvl3pPr>
+            <a:lvl4pPr marL="1371600" algn="l" defTabSz="914400" rtl="0" eaLnBrk="1" latinLnBrk="0" hangingPunct="1">
+              <a:defRPr sz="1800" kern="1200">
+                <a:solidFill>
+                  <a:schemeClr val="lt1"/>
+                </a:solidFill>
+                <a:latin typeface="+mn-lt"/>
+                <a:ea typeface="+mn-ea"/>
+                <a:cs typeface="+mn-cs"/>
+              </a:defRPr>
+            </a:lvl4pPr>
+            <a:lvl5pPr marL="1828800" algn="l" defTabSz="914400" rtl="0" eaLnBrk="1" latinLnBrk="0" hangingPunct="1">
+              <a:defRPr sz="1800" kern="1200">
+                <a:solidFill>
+                  <a:schemeClr val="lt1"/>
+                </a:solidFill>
+                <a:latin typeface="+mn-lt"/>
+                <a:ea typeface="+mn-ea"/>
+                <a:cs typeface="+mn-cs"/>
+              </a:defRPr>
+            </a:lvl5pPr>
+            <a:lvl6pPr marL="2286000" algn="l" defTabSz="914400" rtl="0" eaLnBrk="1" latinLnBrk="0" hangingPunct="1">
+              <a:defRPr sz="1800" kern="1200">
+                <a:solidFill>
+                  <a:schemeClr val="lt1"/>
+                </a:solidFill>
+                <a:latin typeface="+mn-lt"/>
+                <a:ea typeface="+mn-ea"/>
+                <a:cs typeface="+mn-cs"/>
+              </a:defRPr>
+            </a:lvl6pPr>
+            <a:lvl7pPr marL="2743200" algn="l" defTabSz="914400" rtl="0" eaLnBrk="1" latinLnBrk="0" hangingPunct="1">
+              <a:defRPr sz="1800" kern="1200">
+                <a:solidFill>
+                  <a:schemeClr val="lt1"/>
+                </a:solidFill>
+                <a:latin typeface="+mn-lt"/>
+                <a:ea typeface="+mn-ea"/>
+                <a:cs typeface="+mn-cs"/>
+              </a:defRPr>
+            </a:lvl7pPr>
+            <a:lvl8pPr marL="3200400" algn="l" defTabSz="914400" rtl="0" eaLnBrk="1" latinLnBrk="0" hangingPunct="1">
+              <a:defRPr sz="1800" kern="1200">
+                <a:solidFill>
+                  <a:schemeClr val="lt1"/>
+                </a:solidFill>
+                <a:latin typeface="+mn-lt"/>
+                <a:ea typeface="+mn-ea"/>
+                <a:cs typeface="+mn-cs"/>
+              </a:defRPr>
+            </a:lvl8pPr>
+            <a:lvl9pPr marL="3657600" algn="l" defTabSz="914400" rtl="0" eaLnBrk="1" latinLnBrk="0" hangingPunct="1">
+              <a:defRPr sz="1800" kern="1200">
+                <a:solidFill>
+                  <a:schemeClr val="lt1"/>
+                </a:solidFill>
+                <a:latin typeface="+mn-lt"/>
+                <a:ea typeface="+mn-ea"/>
+                <a:cs typeface="+mn-cs"/>
+              </a:defRPr>
+            </a:lvl9pPr>
+          </a:lstStyle>
+          <a:p>
+            <a:pPr algn="ctr"/>
+            <a:endParaRPr lang="en-US"/>
           </a:p>
         </p:txBody>
       </p:sp>
       <p:pic>
         <p:nvPicPr>
-          <p:cNvPr id="3" name="Picture 2" descr="Chart, scatter chart&#10;&#10;Description automatically generated">
-            <a:extLst>
-              <a:ext uri="{FF2B5EF4-FFF2-40B4-BE49-F238E27FC236}">
-                <a16:creationId xmlns:a16="http://schemas.microsoft.com/office/drawing/2014/main" id="{B914380B-A1CC-41CD-A5F5-9B6745399D6F}"/>
+          <p:cNvPr id="3" name="Picture 2" descr="Chart, pie chart&#10;&#10;Description automatically generated">
+            <a:extLst>
+              <a:ext uri="{FF2B5EF4-FFF2-40B4-BE49-F238E27FC236}">
+                <a16:creationId xmlns:a16="http://schemas.microsoft.com/office/drawing/2014/main" id="{10C1E427-6032-6C90-F900-F82CA4FE5222}"/>
               </a:ext>
             </a:extLst>
           </p:cNvPr>
@@ -5731,7 +7229,7 @@
           </p:cNvPicPr>
           <p:nvPr/>
         </p:nvPicPr>
-        <p:blipFill>
+        <p:blipFill rotWithShape="1">
           <a:blip r:embed="rId2">
             <a:extLst>
               <a:ext uri="{28A0092B-C50C-407E-A947-70E740481C1C}">
@@ -5739,24 +7237,175 @@
               </a:ext>
             </a:extLst>
           </a:blip>
-          <a:stretch>
-            <a:fillRect/>
-          </a:stretch>
+          <a:srcRect t="4206" r="2" b="2093"/>
+          <a:stretch/>
         </p:blipFill>
         <p:spPr>
           <a:xfrm>
-            <a:off x="772437" y="897742"/>
-            <a:ext cx="10647125" cy="6388275"/>
+            <a:off x="1" y="10"/>
+            <a:ext cx="6099048" cy="3428990"/>
           </a:xfrm>
           <a:prstGeom prst="rect">
             <a:avLst/>
           </a:prstGeom>
         </p:spPr>
       </p:pic>
+      <p:pic>
+        <p:nvPicPr>
+          <p:cNvPr id="2" name="Picture 1" descr="Chart, pie chart&#10;&#10;Description automatically generated">
+            <a:extLst>
+              <a:ext uri="{FF2B5EF4-FFF2-40B4-BE49-F238E27FC236}">
+                <a16:creationId xmlns:a16="http://schemas.microsoft.com/office/drawing/2014/main" id="{A69DDB2F-5C94-322D-92D3-1786677CAF59}"/>
+              </a:ext>
+            </a:extLst>
+          </p:cNvPr>
+          <p:cNvPicPr>
+            <a:picLocks noChangeAspect="1"/>
+          </p:cNvPicPr>
+          <p:nvPr/>
+        </p:nvPicPr>
+        <p:blipFill rotWithShape="1">
+          <a:blip r:embed="rId3">
+            <a:extLst>
+              <a:ext uri="{28A0092B-C50C-407E-A947-70E740481C1C}">
+                <a14:useLocalDpi xmlns:a14="http://schemas.microsoft.com/office/drawing/2010/main" val="0"/>
+              </a:ext>
+            </a:extLst>
+          </a:blip>
+          <a:srcRect t="4229" r="2" b="2071"/>
+          <a:stretch/>
+        </p:blipFill>
+        <p:spPr>
+          <a:xfrm>
+            <a:off x="6092952" y="10"/>
+            <a:ext cx="6099048" cy="3428990"/>
+          </a:xfrm>
+          <a:prstGeom prst="rect">
+            <a:avLst/>
+          </a:prstGeom>
+        </p:spPr>
+      </p:pic>
+      <p:pic>
+        <p:nvPicPr>
+          <p:cNvPr id="7" name="Picture 6" descr="Chart, scatter chart&#10;&#10;Description automatically generated">
+            <a:extLst>
+              <a:ext uri="{FF2B5EF4-FFF2-40B4-BE49-F238E27FC236}">
+                <a16:creationId xmlns:a16="http://schemas.microsoft.com/office/drawing/2014/main" id="{BFC99F52-5D58-4B2C-9755-346FD2505360}"/>
+              </a:ext>
+            </a:extLst>
+          </p:cNvPr>
+          <p:cNvPicPr>
+            <a:picLocks noChangeAspect="1"/>
+          </p:cNvPicPr>
+          <p:nvPr/>
+        </p:nvPicPr>
+        <p:blipFill rotWithShape="1">
+          <a:blip r:embed="rId4">
+            <a:extLst>
+              <a:ext uri="{28A0092B-C50C-407E-A947-70E740481C1C}">
+                <a14:useLocalDpi xmlns:a14="http://schemas.microsoft.com/office/drawing/2010/main" val="0"/>
+              </a:ext>
+            </a:extLst>
+          </a:blip>
+          <a:srcRect t="3205" r="2" b="3094"/>
+          <a:stretch/>
+        </p:blipFill>
+        <p:spPr>
+          <a:xfrm>
+            <a:off x="1" y="3429000"/>
+            <a:ext cx="6099048" cy="3429000"/>
+          </a:xfrm>
+          <a:prstGeom prst="rect">
+            <a:avLst/>
+          </a:prstGeom>
+        </p:spPr>
+      </p:pic>
+      <p:pic>
+        <p:nvPicPr>
+          <p:cNvPr id="4" name="Picture 3" descr="Chart, scatter chart&#10;&#10;Description automatically generated">
+            <a:extLst>
+              <a:ext uri="{FF2B5EF4-FFF2-40B4-BE49-F238E27FC236}">
+                <a16:creationId xmlns:a16="http://schemas.microsoft.com/office/drawing/2014/main" id="{493218C3-157F-443B-A7BE-6F0F93F7844C}"/>
+              </a:ext>
+            </a:extLst>
+          </p:cNvPr>
+          <p:cNvPicPr>
+            <a:picLocks noChangeAspect="1"/>
+          </p:cNvPicPr>
+          <p:nvPr/>
+        </p:nvPicPr>
+        <p:blipFill rotWithShape="1">
+          <a:blip r:embed="rId5">
+            <a:extLst>
+              <a:ext uri="{28A0092B-C50C-407E-A947-70E740481C1C}">
+                <a14:useLocalDpi xmlns:a14="http://schemas.microsoft.com/office/drawing/2010/main" val="0"/>
+              </a:ext>
+            </a:extLst>
+          </a:blip>
+          <a:srcRect t="3307" r="2" b="2992"/>
+          <a:stretch/>
+        </p:blipFill>
+        <p:spPr>
+          <a:xfrm>
+            <a:off x="6092952" y="3429000"/>
+            <a:ext cx="6099048" cy="3429000"/>
+          </a:xfrm>
+          <a:prstGeom prst="rect">
+            <a:avLst/>
+          </a:prstGeom>
+        </p:spPr>
+      </p:pic>
+      <p:sp>
+        <p:nvSpPr>
+          <p:cNvPr id="6" name="TextBox 5">
+            <a:extLst>
+              <a:ext uri="{FF2B5EF4-FFF2-40B4-BE49-F238E27FC236}">
+                <a16:creationId xmlns:a16="http://schemas.microsoft.com/office/drawing/2014/main" id="{C3A9A4E7-69CC-4FD0-AE73-7EA6EA0E5089}"/>
+              </a:ext>
+            </a:extLst>
+          </p:cNvPr>
+          <p:cNvSpPr txBox="1"/>
+          <p:nvPr/>
+        </p:nvSpPr>
+        <p:spPr>
+          <a:xfrm>
+            <a:off x="454467" y="2023110"/>
+            <a:ext cx="2469624" cy="2846070"/>
+          </a:xfrm>
+          <a:prstGeom prst="rect">
+            <a:avLst/>
+          </a:prstGeom>
+        </p:spPr>
+        <p:txBody>
+          <a:bodyPr vert="horz" lIns="91440" tIns="45720" rIns="91440" bIns="45720" rtlCol="0" anchor="ctr">
+            <a:normAutofit/>
+          </a:bodyPr>
+          <a:lstStyle/>
+          <a:p>
+            <a:pPr>
+              <a:lnSpc>
+                <a:spcPct val="90000"/>
+              </a:lnSpc>
+              <a:spcBef>
+                <a:spcPct val="0"/>
+              </a:spcBef>
+              <a:spcAft>
+                <a:spcPts val="600"/>
+              </a:spcAft>
+            </a:pPr>
+            <a:endParaRPr lang="en-US" sz="3700" kern="1200">
+              <a:effectLst/>
+              <a:latin typeface="+mj-lt"/>
+              <a:ea typeface="+mj-ea"/>
+              <a:cs typeface="Calibri Light"/>
+            </a:endParaRPr>
+          </a:p>
+        </p:txBody>
+      </p:sp>
     </p:spTree>
     <p:extLst>
       <p:ext uri="{BB962C8B-B14F-4D97-AF65-F5344CB8AC3E}">
-        <p14:creationId xmlns:p14="http://schemas.microsoft.com/office/powerpoint/2010/main" val="1131150299"/>
+        <p14:creationId xmlns:p14="http://schemas.microsoft.com/office/powerpoint/2010/main" val="779155758"/>
       </p:ext>
     </p:extLst>
   </p:cSld>
@@ -5769,6 +7418,14 @@
 <file path=ppt/slides/slide7.xml><?xml version="1.0" encoding="utf-8"?>
 <p:sld xmlns:a="http://schemas.openxmlformats.org/drawingml/2006/main" xmlns:r="http://schemas.openxmlformats.org/officeDocument/2006/relationships" xmlns:p="http://schemas.openxmlformats.org/presentationml/2006/main">
   <p:cSld>
+    <p:bg>
+      <p:bgPr>
+        <a:solidFill>
+          <a:schemeClr val="bg1"/>
+        </a:solidFill>
+        <a:effectLst/>
+      </p:bgPr>
+    </p:bg>
     <p:spTree>
       <p:nvGrpSpPr>
         <p:cNvPr id="1" name=""/>
@@ -5783,63 +7440,166 @@
           <a:chExt cx="0" cy="0"/>
         </a:xfrm>
       </p:grpSpPr>
-      <p:sp>
-        <p:nvSpPr>
-          <p:cNvPr id="6" name="TextBox 5">
-            <a:extLst>
-              <a:ext uri="{FF2B5EF4-FFF2-40B4-BE49-F238E27FC236}">
-                <a16:creationId xmlns:a16="http://schemas.microsoft.com/office/drawing/2014/main" id="{C3A9A4E7-69CC-4FD0-AE73-7EA6EA0E5089}"/>
-              </a:ext>
-            </a:extLst>
-          </p:cNvPr>
-          <p:cNvSpPr txBox="1"/>
-          <p:nvPr/>
-        </p:nvSpPr>
-        <p:spPr>
+      <p:sp useBgFill="1">
+        <p:nvSpPr>
+          <p:cNvPr id="70" name="Rectangle 72">
+            <a:extLst>
+              <a:ext uri="{FF2B5EF4-FFF2-40B4-BE49-F238E27FC236}">
+                <a16:creationId xmlns:a16="http://schemas.microsoft.com/office/drawing/2014/main" id="{F4AEA020-F47C-4D8F-B20C-E5BDB814AF53}"/>
+              </a:ext>
+              <a:ext uri="{C183D7F6-B498-43B3-948B-1728B52AA6E4}">
+                <adec:decorative xmlns:adec="http://schemas.microsoft.com/office/drawing/2017/decorative" val="1"/>
+              </a:ext>
+            </a:extLst>
+          </p:cNvPr>
+          <p:cNvSpPr>
+            <a:spLocks noGrp="1" noRot="1" noChangeAspect="1" noMove="1" noResize="1" noEditPoints="1" noAdjustHandles="1" noChangeArrowheads="1" noChangeShapeType="1" noTextEdit="1"/>
+          </p:cNvSpPr>
+          <p:nvPr>
+            <p:extLst>
+              <p:ext uri="{386F3935-93C4-4BCD-93E2-E3B085C9AB24}">
+                <p16:designElem xmlns:p16="http://schemas.microsoft.com/office/powerpoint/2015/main" val="1"/>
+              </p:ext>
+            </p:extLst>
+          </p:nvPr>
+        </p:nvSpPr>
+        <p:spPr bwMode="white">
           <a:xfrm>
-            <a:off x="92475" y="76983"/>
-            <a:ext cx="6094520" cy="968278"/>
+            <a:off x="1524" y="0"/>
+            <a:ext cx="12188952" cy="6858000"/>
           </a:xfrm>
           <a:prstGeom prst="rect">
             <a:avLst/>
           </a:prstGeom>
-          <a:noFill/>
+          <a:ln>
+            <a:noFill/>
+          </a:ln>
         </p:spPr>
-        <p:txBody>
-          <a:bodyPr wrap="square">
-            <a:spAutoFit/>
-          </a:bodyPr>
-          <a:lstStyle/>
-          <a:p>
-            <a:pPr lvl="0">
-              <a:lnSpc>
-                <a:spcPct val="107000"/>
-              </a:lnSpc>
-            </a:pPr>
-            <a:r>
-              <a:rPr lang="en-US" sz="1800">
-                <a:effectLst/>
-                <a:latin typeface="Calibri" panose="020F0502020204030204" pitchFamily="34" charset="0"/>
-                <a:ea typeface="Calibri" panose="020F0502020204030204" pitchFamily="34" charset="0"/>
-                <a:cs typeface="Times New Roman" panose="02020603050405020304" pitchFamily="18" charset="0"/>
-              </a:rPr>
-              <a:t>Does the crime data sourced from the West Midlands Police database correlate with the Index of Multiple Deprivation (IMD) score? </a:t>
-            </a:r>
-            <a:endParaRPr lang="en-GB" sz="1800">
-              <a:effectLst/>
-              <a:latin typeface="Calibri" panose="020F0502020204030204" pitchFamily="34" charset="0"/>
-              <a:ea typeface="Calibri" panose="020F0502020204030204" pitchFamily="34" charset="0"/>
-              <a:cs typeface="Times New Roman" panose="02020603050405020304" pitchFamily="18" charset="0"/>
-            </a:endParaRPr>
+        <p:style>
+          <a:lnRef idx="2">
+            <a:schemeClr val="accent1">
+              <a:shade val="50000"/>
+            </a:schemeClr>
+          </a:lnRef>
+          <a:fillRef idx="1">
+            <a:schemeClr val="accent1"/>
+          </a:fillRef>
+          <a:effectRef idx="0">
+            <a:schemeClr val="accent1"/>
+          </a:effectRef>
+          <a:fontRef idx="minor">
+            <a:schemeClr val="lt1"/>
+          </a:fontRef>
+        </p:style>
+        <p:txBody>
+          <a:bodyPr rtlCol="0" anchor="ctr"/>
+          <a:lstStyle>
+            <a:defPPr>
+              <a:defRPr lang="en-US"/>
+            </a:defPPr>
+            <a:lvl1pPr marL="0" algn="l" defTabSz="914400" rtl="0" eaLnBrk="1" latinLnBrk="0" hangingPunct="1">
+              <a:defRPr sz="1800" kern="1200">
+                <a:solidFill>
+                  <a:schemeClr val="lt1"/>
+                </a:solidFill>
+                <a:latin typeface="+mn-lt"/>
+                <a:ea typeface="+mn-ea"/>
+                <a:cs typeface="+mn-cs"/>
+              </a:defRPr>
+            </a:lvl1pPr>
+            <a:lvl2pPr marL="457200" algn="l" defTabSz="914400" rtl="0" eaLnBrk="1" latinLnBrk="0" hangingPunct="1">
+              <a:defRPr sz="1800" kern="1200">
+                <a:solidFill>
+                  <a:schemeClr val="lt1"/>
+                </a:solidFill>
+                <a:latin typeface="+mn-lt"/>
+                <a:ea typeface="+mn-ea"/>
+                <a:cs typeface="+mn-cs"/>
+              </a:defRPr>
+            </a:lvl2pPr>
+            <a:lvl3pPr marL="914400" algn="l" defTabSz="914400" rtl="0" eaLnBrk="1" latinLnBrk="0" hangingPunct="1">
+              <a:defRPr sz="1800" kern="1200">
+                <a:solidFill>
+                  <a:schemeClr val="lt1"/>
+                </a:solidFill>
+                <a:latin typeface="+mn-lt"/>
+                <a:ea typeface="+mn-ea"/>
+                <a:cs typeface="+mn-cs"/>
+              </a:defRPr>
+            </a:lvl3pPr>
+            <a:lvl4pPr marL="1371600" algn="l" defTabSz="914400" rtl="0" eaLnBrk="1" latinLnBrk="0" hangingPunct="1">
+              <a:defRPr sz="1800" kern="1200">
+                <a:solidFill>
+                  <a:schemeClr val="lt1"/>
+                </a:solidFill>
+                <a:latin typeface="+mn-lt"/>
+                <a:ea typeface="+mn-ea"/>
+                <a:cs typeface="+mn-cs"/>
+              </a:defRPr>
+            </a:lvl4pPr>
+            <a:lvl5pPr marL="1828800" algn="l" defTabSz="914400" rtl="0" eaLnBrk="1" latinLnBrk="0" hangingPunct="1">
+              <a:defRPr sz="1800" kern="1200">
+                <a:solidFill>
+                  <a:schemeClr val="lt1"/>
+                </a:solidFill>
+                <a:latin typeface="+mn-lt"/>
+                <a:ea typeface="+mn-ea"/>
+                <a:cs typeface="+mn-cs"/>
+              </a:defRPr>
+            </a:lvl5pPr>
+            <a:lvl6pPr marL="2286000" algn="l" defTabSz="914400" rtl="0" eaLnBrk="1" latinLnBrk="0" hangingPunct="1">
+              <a:defRPr sz="1800" kern="1200">
+                <a:solidFill>
+                  <a:schemeClr val="lt1"/>
+                </a:solidFill>
+                <a:latin typeface="+mn-lt"/>
+                <a:ea typeface="+mn-ea"/>
+                <a:cs typeface="+mn-cs"/>
+              </a:defRPr>
+            </a:lvl6pPr>
+            <a:lvl7pPr marL="2743200" algn="l" defTabSz="914400" rtl="0" eaLnBrk="1" latinLnBrk="0" hangingPunct="1">
+              <a:defRPr sz="1800" kern="1200">
+                <a:solidFill>
+                  <a:schemeClr val="lt1"/>
+                </a:solidFill>
+                <a:latin typeface="+mn-lt"/>
+                <a:ea typeface="+mn-ea"/>
+                <a:cs typeface="+mn-cs"/>
+              </a:defRPr>
+            </a:lvl7pPr>
+            <a:lvl8pPr marL="3200400" algn="l" defTabSz="914400" rtl="0" eaLnBrk="1" latinLnBrk="0" hangingPunct="1">
+              <a:defRPr sz="1800" kern="1200">
+                <a:solidFill>
+                  <a:schemeClr val="lt1"/>
+                </a:solidFill>
+                <a:latin typeface="+mn-lt"/>
+                <a:ea typeface="+mn-ea"/>
+                <a:cs typeface="+mn-cs"/>
+              </a:defRPr>
+            </a:lvl8pPr>
+            <a:lvl9pPr marL="3657600" algn="l" defTabSz="914400" rtl="0" eaLnBrk="1" latinLnBrk="0" hangingPunct="1">
+              <a:defRPr sz="1800" kern="1200">
+                <a:solidFill>
+                  <a:schemeClr val="lt1"/>
+                </a:solidFill>
+                <a:latin typeface="+mn-lt"/>
+                <a:ea typeface="+mn-ea"/>
+                <a:cs typeface="+mn-cs"/>
+              </a:defRPr>
+            </a:lvl9pPr>
+          </a:lstStyle>
+          <a:p>
+            <a:pPr algn="ctr"/>
+            <a:endParaRPr lang="en-US"/>
           </a:p>
         </p:txBody>
       </p:sp>
       <p:pic>
         <p:nvPicPr>
-          <p:cNvPr id="4" name="Picture 3" descr="Chart, scatter chart&#10;&#10;Description automatically generated">
-            <a:extLst>
-              <a:ext uri="{FF2B5EF4-FFF2-40B4-BE49-F238E27FC236}">
-                <a16:creationId xmlns:a16="http://schemas.microsoft.com/office/drawing/2014/main" id="{493218C3-157F-443B-A7BE-6F0F93F7844C}"/>
+          <p:cNvPr id="6" name="Picture 5" descr="Chart, pie chart&#10;&#10;Description automatically generated">
+            <a:extLst>
+              <a:ext uri="{FF2B5EF4-FFF2-40B4-BE49-F238E27FC236}">
+                <a16:creationId xmlns:a16="http://schemas.microsoft.com/office/drawing/2014/main" id="{B3CE4890-B514-D7D8-E6CA-CE9D32CFB780}"/>
               </a:ext>
             </a:extLst>
           </p:cNvPr>
@@ -5848,7 +7608,7 @@
           </p:cNvPicPr>
           <p:nvPr/>
         </p:nvPicPr>
-        <p:blipFill>
+        <p:blipFill rotWithShape="1">
           <a:blip r:embed="rId2">
             <a:extLst>
               <a:ext uri="{28A0092B-C50C-407E-A947-70E740481C1C}">
@@ -5856,14 +7616,13 @@
               </a:ext>
             </a:extLst>
           </a:blip>
-          <a:stretch>
-            <a:fillRect/>
-          </a:stretch>
+          <a:srcRect t="4343" r="1" b="2083"/>
+          <a:stretch/>
         </p:blipFill>
         <p:spPr>
           <a:xfrm>
-            <a:off x="442671" y="1045261"/>
-            <a:ext cx="5131278" cy="3078767"/>
+            <a:off x="1005840" y="545007"/>
+            <a:ext cx="4990352" cy="2801817"/>
           </a:xfrm>
           <a:prstGeom prst="rect">
             <a:avLst/>
@@ -5872,10 +7631,10 @@
       </p:pic>
       <p:pic>
         <p:nvPicPr>
-          <p:cNvPr id="7" name="Picture 6" descr="Chart, scatter chart&#10;&#10;Description automatically generated">
-            <a:extLst>
-              <a:ext uri="{FF2B5EF4-FFF2-40B4-BE49-F238E27FC236}">
-                <a16:creationId xmlns:a16="http://schemas.microsoft.com/office/drawing/2014/main" id="{BFC99F52-5D58-4B2C-9755-346FD2505360}"/>
+          <p:cNvPr id="7" name="Picture 6" descr="Chart, pie chart&#10;&#10;Description automatically generated">
+            <a:extLst>
+              <a:ext uri="{FF2B5EF4-FFF2-40B4-BE49-F238E27FC236}">
+                <a16:creationId xmlns:a16="http://schemas.microsoft.com/office/drawing/2014/main" id="{360E25F5-1C96-F41A-6925-6F8EFCC7F6F3}"/>
               </a:ext>
             </a:extLst>
           </p:cNvPr>
@@ -5884,7 +7643,7 @@
           </p:cNvPicPr>
           <p:nvPr/>
         </p:nvPicPr>
-        <p:blipFill>
+        <p:blipFill rotWithShape="1">
           <a:blip r:embed="rId3">
             <a:extLst>
               <a:ext uri="{28A0092B-C50C-407E-A947-70E740481C1C}">
@@ -5892,14 +7651,13 @@
               </a:ext>
             </a:extLst>
           </a:blip>
-          <a:stretch>
-            <a:fillRect/>
-          </a:stretch>
+          <a:srcRect t="4343" r="1" b="2084"/>
+          <a:stretch/>
         </p:blipFill>
         <p:spPr>
           <a:xfrm>
-            <a:off x="5843143" y="1045260"/>
-            <a:ext cx="5131278" cy="3078767"/>
+            <a:off x="6602215" y="545007"/>
+            <a:ext cx="4990352" cy="2801817"/>
           </a:xfrm>
           <a:prstGeom prst="rect">
             <a:avLst/>
@@ -5908,10 +7666,10 @@
       </p:pic>
       <p:pic>
         <p:nvPicPr>
-          <p:cNvPr id="9" name="Picture 8" descr="Chart, scatter chart&#10;&#10;Description automatically generated">
-            <a:extLst>
-              <a:ext uri="{FF2B5EF4-FFF2-40B4-BE49-F238E27FC236}">
-                <a16:creationId xmlns:a16="http://schemas.microsoft.com/office/drawing/2014/main" id="{755250D7-7A94-48F9-B29D-59CD821C5F43}"/>
+          <p:cNvPr id="5" name="Picture 4" descr="Chart, scatter chart&#10;&#10;Description automatically generated">
+            <a:extLst>
+              <a:ext uri="{FF2B5EF4-FFF2-40B4-BE49-F238E27FC236}">
+                <a16:creationId xmlns:a16="http://schemas.microsoft.com/office/drawing/2014/main" id="{3917BF97-D048-8380-BBAA-009FCCA70A64}"/>
               </a:ext>
             </a:extLst>
           </p:cNvPr>
@@ -5920,7 +7678,7 @@
           </p:cNvPicPr>
           <p:nvPr/>
         </p:nvPicPr>
-        <p:blipFill>
+        <p:blipFill rotWithShape="1">
           <a:blip r:embed="rId4">
             <a:extLst>
               <a:ext uri="{28A0092B-C50C-407E-A947-70E740481C1C}">
@@ -5928,14 +7686,13 @@
               </a:ext>
             </a:extLst>
           </a:blip>
-          <a:stretch>
-            <a:fillRect/>
-          </a:stretch>
+          <a:srcRect t="3466" r="1" b="3390"/>
+          <a:stretch/>
         </p:blipFill>
         <p:spPr>
           <a:xfrm>
-            <a:off x="442671" y="3779232"/>
-            <a:ext cx="5131278" cy="3078767"/>
+            <a:off x="904240" y="3637073"/>
+            <a:ext cx="5193552" cy="2845387"/>
           </a:xfrm>
           <a:prstGeom prst="rect">
             <a:avLst/>
@@ -5944,10 +7701,10 @@
       </p:pic>
       <p:pic>
         <p:nvPicPr>
-          <p:cNvPr id="11" name="Picture 10" descr="Chart, scatter chart&#10;&#10;Description automatically generated">
-            <a:extLst>
-              <a:ext uri="{FF2B5EF4-FFF2-40B4-BE49-F238E27FC236}">
-                <a16:creationId xmlns:a16="http://schemas.microsoft.com/office/drawing/2014/main" id="{29093651-753A-4E8B-A8C3-46D2E1B3CF2D}"/>
+          <p:cNvPr id="3" name="Picture 2" descr="Chart, scatter chart&#10;&#10;Description automatically generated">
+            <a:extLst>
+              <a:ext uri="{FF2B5EF4-FFF2-40B4-BE49-F238E27FC236}">
+                <a16:creationId xmlns:a16="http://schemas.microsoft.com/office/drawing/2014/main" id="{F89AD94A-149C-DFD7-AC1D-843DFB630E1C}"/>
               </a:ext>
             </a:extLst>
           </p:cNvPr>
@@ -5956,7 +7713,7 @@
           </p:cNvPicPr>
           <p:nvPr/>
         </p:nvPicPr>
-        <p:blipFill>
+        <p:blipFill rotWithShape="1">
           <a:blip r:embed="rId5">
             <a:extLst>
               <a:ext uri="{28A0092B-C50C-407E-A947-70E740481C1C}">
@@ -5964,14 +7721,13 @@
               </a:ext>
             </a:extLst>
           </a:blip>
-          <a:stretch>
-            <a:fillRect/>
-          </a:stretch>
+          <a:srcRect t="3475" r="1" b="3381"/>
+          <a:stretch/>
         </p:blipFill>
         <p:spPr>
           <a:xfrm>
-            <a:off x="5843144" y="3777333"/>
-            <a:ext cx="5131278" cy="3078767"/>
+            <a:off x="6314348" y="3569338"/>
+            <a:ext cx="5447552" cy="2969566"/>
           </a:xfrm>
           <a:prstGeom prst="rect">
             <a:avLst/>
@@ -5981,7 +7737,7 @@
     </p:spTree>
     <p:extLst>
       <p:ext uri="{BB962C8B-B14F-4D97-AF65-F5344CB8AC3E}">
-        <p14:creationId xmlns:p14="http://schemas.microsoft.com/office/powerpoint/2010/main" val="779155758"/>
+        <p14:creationId xmlns:p14="http://schemas.microsoft.com/office/powerpoint/2010/main" val="2964110369"/>
       </p:ext>
     </p:extLst>
   </p:cSld>
@@ -5994,6 +7750,14 @@
 <file path=ppt/slides/slide8.xml><?xml version="1.0" encoding="utf-8"?>
 <p:sld xmlns:a="http://schemas.openxmlformats.org/drawingml/2006/main" xmlns:r="http://schemas.openxmlformats.org/officeDocument/2006/relationships" xmlns:p="http://schemas.openxmlformats.org/presentationml/2006/main">
   <p:cSld>
+    <p:bg>
+      <p:bgPr>
+        <a:solidFill>
+          <a:schemeClr val="bg1"/>
+        </a:solidFill>
+        <a:effectLst/>
+      </p:bgPr>
+    </p:bg>
     <p:spTree>
       <p:nvGrpSpPr>
         <p:cNvPr id="1" name=""/>
@@ -6008,63 +7772,166 @@
           <a:chExt cx="0" cy="0"/>
         </a:xfrm>
       </p:grpSpPr>
-      <p:sp>
-        <p:nvSpPr>
-          <p:cNvPr id="6" name="TextBox 5">
-            <a:extLst>
-              <a:ext uri="{FF2B5EF4-FFF2-40B4-BE49-F238E27FC236}">
-                <a16:creationId xmlns:a16="http://schemas.microsoft.com/office/drawing/2014/main" id="{C3A9A4E7-69CC-4FD0-AE73-7EA6EA0E5089}"/>
-              </a:ext>
-            </a:extLst>
-          </p:cNvPr>
-          <p:cNvSpPr txBox="1"/>
-          <p:nvPr/>
-        </p:nvSpPr>
-        <p:spPr>
+      <p:sp useBgFill="1">
+        <p:nvSpPr>
+          <p:cNvPr id="50" name="Rectangle 47">
+            <a:extLst>
+              <a:ext uri="{FF2B5EF4-FFF2-40B4-BE49-F238E27FC236}">
+                <a16:creationId xmlns:a16="http://schemas.microsoft.com/office/drawing/2014/main" id="{F4AEA020-F47C-4D8F-B20C-E5BDB814AF53}"/>
+              </a:ext>
+              <a:ext uri="{C183D7F6-B498-43B3-948B-1728B52AA6E4}">
+                <adec:decorative xmlns:adec="http://schemas.microsoft.com/office/drawing/2017/decorative" val="1"/>
+              </a:ext>
+            </a:extLst>
+          </p:cNvPr>
+          <p:cNvSpPr>
+            <a:spLocks noGrp="1" noRot="1" noChangeAspect="1" noMove="1" noResize="1" noEditPoints="1" noAdjustHandles="1" noChangeArrowheads="1" noChangeShapeType="1" noTextEdit="1"/>
+          </p:cNvSpPr>
+          <p:nvPr>
+            <p:extLst>
+              <p:ext uri="{386F3935-93C4-4BCD-93E2-E3B085C9AB24}">
+                <p16:designElem xmlns:p16="http://schemas.microsoft.com/office/powerpoint/2015/main" val="1"/>
+              </p:ext>
+            </p:extLst>
+          </p:nvPr>
+        </p:nvSpPr>
+        <p:spPr bwMode="white">
           <a:xfrm>
-            <a:off x="92475" y="76983"/>
-            <a:ext cx="6094520" cy="968278"/>
+            <a:off x="1524" y="0"/>
+            <a:ext cx="12188952" cy="6858000"/>
           </a:xfrm>
           <a:prstGeom prst="rect">
             <a:avLst/>
           </a:prstGeom>
-          <a:noFill/>
+          <a:ln>
+            <a:noFill/>
+          </a:ln>
         </p:spPr>
-        <p:txBody>
-          <a:bodyPr wrap="square">
-            <a:spAutoFit/>
-          </a:bodyPr>
-          <a:lstStyle/>
-          <a:p>
-            <a:pPr lvl="0">
-              <a:lnSpc>
-                <a:spcPct val="107000"/>
-              </a:lnSpc>
-            </a:pPr>
-            <a:r>
-              <a:rPr lang="en-US" sz="1800">
-                <a:effectLst/>
-                <a:latin typeface="Calibri" panose="020F0502020204030204" pitchFamily="34" charset="0"/>
-                <a:ea typeface="Calibri" panose="020F0502020204030204" pitchFamily="34" charset="0"/>
-                <a:cs typeface="Times New Roman" panose="02020603050405020304" pitchFamily="18" charset="0"/>
-              </a:rPr>
-              <a:t>Does the crime data sourced from the West Midlands Police database correlate with the Index of Multiple Deprivation (IMD) score? </a:t>
-            </a:r>
-            <a:endParaRPr lang="en-GB" sz="1800">
-              <a:effectLst/>
-              <a:latin typeface="Calibri" panose="020F0502020204030204" pitchFamily="34" charset="0"/>
-              <a:ea typeface="Calibri" panose="020F0502020204030204" pitchFamily="34" charset="0"/>
-              <a:cs typeface="Times New Roman" panose="02020603050405020304" pitchFamily="18" charset="0"/>
-            </a:endParaRPr>
+        <p:style>
+          <a:lnRef idx="2">
+            <a:schemeClr val="accent1">
+              <a:shade val="50000"/>
+            </a:schemeClr>
+          </a:lnRef>
+          <a:fillRef idx="1">
+            <a:schemeClr val="accent1"/>
+          </a:fillRef>
+          <a:effectRef idx="0">
+            <a:schemeClr val="accent1"/>
+          </a:effectRef>
+          <a:fontRef idx="minor">
+            <a:schemeClr val="lt1"/>
+          </a:fontRef>
+        </p:style>
+        <p:txBody>
+          <a:bodyPr rtlCol="0" anchor="ctr"/>
+          <a:lstStyle>
+            <a:defPPr>
+              <a:defRPr lang="en-US"/>
+            </a:defPPr>
+            <a:lvl1pPr marL="0" algn="l" defTabSz="914400" rtl="0" eaLnBrk="1" latinLnBrk="0" hangingPunct="1">
+              <a:defRPr sz="1800" kern="1200">
+                <a:solidFill>
+                  <a:schemeClr val="lt1"/>
+                </a:solidFill>
+                <a:latin typeface="+mn-lt"/>
+                <a:ea typeface="+mn-ea"/>
+                <a:cs typeface="+mn-cs"/>
+              </a:defRPr>
+            </a:lvl1pPr>
+            <a:lvl2pPr marL="457200" algn="l" defTabSz="914400" rtl="0" eaLnBrk="1" latinLnBrk="0" hangingPunct="1">
+              <a:defRPr sz="1800" kern="1200">
+                <a:solidFill>
+                  <a:schemeClr val="lt1"/>
+                </a:solidFill>
+                <a:latin typeface="+mn-lt"/>
+                <a:ea typeface="+mn-ea"/>
+                <a:cs typeface="+mn-cs"/>
+              </a:defRPr>
+            </a:lvl2pPr>
+            <a:lvl3pPr marL="914400" algn="l" defTabSz="914400" rtl="0" eaLnBrk="1" latinLnBrk="0" hangingPunct="1">
+              <a:defRPr sz="1800" kern="1200">
+                <a:solidFill>
+                  <a:schemeClr val="lt1"/>
+                </a:solidFill>
+                <a:latin typeface="+mn-lt"/>
+                <a:ea typeface="+mn-ea"/>
+                <a:cs typeface="+mn-cs"/>
+              </a:defRPr>
+            </a:lvl3pPr>
+            <a:lvl4pPr marL="1371600" algn="l" defTabSz="914400" rtl="0" eaLnBrk="1" latinLnBrk="0" hangingPunct="1">
+              <a:defRPr sz="1800" kern="1200">
+                <a:solidFill>
+                  <a:schemeClr val="lt1"/>
+                </a:solidFill>
+                <a:latin typeface="+mn-lt"/>
+                <a:ea typeface="+mn-ea"/>
+                <a:cs typeface="+mn-cs"/>
+              </a:defRPr>
+            </a:lvl4pPr>
+            <a:lvl5pPr marL="1828800" algn="l" defTabSz="914400" rtl="0" eaLnBrk="1" latinLnBrk="0" hangingPunct="1">
+              <a:defRPr sz="1800" kern="1200">
+                <a:solidFill>
+                  <a:schemeClr val="lt1"/>
+                </a:solidFill>
+                <a:latin typeface="+mn-lt"/>
+                <a:ea typeface="+mn-ea"/>
+                <a:cs typeface="+mn-cs"/>
+              </a:defRPr>
+            </a:lvl5pPr>
+            <a:lvl6pPr marL="2286000" algn="l" defTabSz="914400" rtl="0" eaLnBrk="1" latinLnBrk="0" hangingPunct="1">
+              <a:defRPr sz="1800" kern="1200">
+                <a:solidFill>
+                  <a:schemeClr val="lt1"/>
+                </a:solidFill>
+                <a:latin typeface="+mn-lt"/>
+                <a:ea typeface="+mn-ea"/>
+                <a:cs typeface="+mn-cs"/>
+              </a:defRPr>
+            </a:lvl6pPr>
+            <a:lvl7pPr marL="2743200" algn="l" defTabSz="914400" rtl="0" eaLnBrk="1" latinLnBrk="0" hangingPunct="1">
+              <a:defRPr sz="1800" kern="1200">
+                <a:solidFill>
+                  <a:schemeClr val="lt1"/>
+                </a:solidFill>
+                <a:latin typeface="+mn-lt"/>
+                <a:ea typeface="+mn-ea"/>
+                <a:cs typeface="+mn-cs"/>
+              </a:defRPr>
+            </a:lvl7pPr>
+            <a:lvl8pPr marL="3200400" algn="l" defTabSz="914400" rtl="0" eaLnBrk="1" latinLnBrk="0" hangingPunct="1">
+              <a:defRPr sz="1800" kern="1200">
+                <a:solidFill>
+                  <a:schemeClr val="lt1"/>
+                </a:solidFill>
+                <a:latin typeface="+mn-lt"/>
+                <a:ea typeface="+mn-ea"/>
+                <a:cs typeface="+mn-cs"/>
+              </a:defRPr>
+            </a:lvl8pPr>
+            <a:lvl9pPr marL="3657600" algn="l" defTabSz="914400" rtl="0" eaLnBrk="1" latinLnBrk="0" hangingPunct="1">
+              <a:defRPr sz="1800" kern="1200">
+                <a:solidFill>
+                  <a:schemeClr val="lt1"/>
+                </a:solidFill>
+                <a:latin typeface="+mn-lt"/>
+                <a:ea typeface="+mn-ea"/>
+                <a:cs typeface="+mn-cs"/>
+              </a:defRPr>
+            </a:lvl9pPr>
+          </a:lstStyle>
+          <a:p>
+            <a:pPr algn="ctr"/>
+            <a:endParaRPr lang="en-US"/>
           </a:p>
         </p:txBody>
       </p:sp>
       <p:pic>
         <p:nvPicPr>
-          <p:cNvPr id="3" name="Picture 2" descr="Chart, scatter chart&#10;&#10;Description automatically generated">
-            <a:extLst>
-              <a:ext uri="{FF2B5EF4-FFF2-40B4-BE49-F238E27FC236}">
-                <a16:creationId xmlns:a16="http://schemas.microsoft.com/office/drawing/2014/main" id="{E1479AB2-386A-4CD3-8511-B78FDB92D380}"/>
+          <p:cNvPr id="4" name="Picture 3" descr="Chart, pie chart&#10;&#10;Description automatically generated">
+            <a:extLst>
+              <a:ext uri="{FF2B5EF4-FFF2-40B4-BE49-F238E27FC236}">
+                <a16:creationId xmlns:a16="http://schemas.microsoft.com/office/drawing/2014/main" id="{E5E4E2F7-7AED-F12F-FF3A-805410134CB2}"/>
               </a:ext>
             </a:extLst>
           </p:cNvPr>
@@ -6073,7 +7940,7 @@
           </p:cNvPicPr>
           <p:nvPr/>
         </p:nvPicPr>
-        <p:blipFill>
+        <p:blipFill rotWithShape="1">
           <a:blip r:embed="rId2">
             <a:extLst>
               <a:ext uri="{28A0092B-C50C-407E-A947-70E740481C1C}">
@@ -6081,14 +7948,83 @@
               </a:ext>
             </a:extLst>
           </a:blip>
-          <a:stretch>
-            <a:fillRect/>
-          </a:stretch>
+          <a:srcRect t="4417" r="1" b="2009"/>
+          <a:stretch/>
         </p:blipFill>
         <p:spPr>
           <a:xfrm>
-            <a:off x="3329495" y="3662461"/>
-            <a:ext cx="5715000" cy="3429000"/>
+            <a:off x="1005840" y="545007"/>
+            <a:ext cx="4990352" cy="2801817"/>
+          </a:xfrm>
+          <a:prstGeom prst="rect">
+            <a:avLst/>
+          </a:prstGeom>
+        </p:spPr>
+      </p:pic>
+      <p:pic>
+        <p:nvPicPr>
+          <p:cNvPr id="2" name="Picture 1" descr="Chart, pie chart&#10;&#10;Description automatically generated">
+            <a:extLst>
+              <a:ext uri="{FF2B5EF4-FFF2-40B4-BE49-F238E27FC236}">
+                <a16:creationId xmlns:a16="http://schemas.microsoft.com/office/drawing/2014/main" id="{FD0B44B5-E1EA-4DAD-4EBE-5985103A85F9}"/>
+              </a:ext>
+            </a:extLst>
+          </p:cNvPr>
+          <p:cNvPicPr>
+            <a:picLocks noChangeAspect="1"/>
+          </p:cNvPicPr>
+          <p:nvPr/>
+        </p:nvPicPr>
+        <p:blipFill rotWithShape="1">
+          <a:blip r:embed="rId3">
+            <a:extLst>
+              <a:ext uri="{28A0092B-C50C-407E-A947-70E740481C1C}">
+                <a14:useLocalDpi xmlns:a14="http://schemas.microsoft.com/office/drawing/2010/main" val="0"/>
+              </a:ext>
+            </a:extLst>
+          </a:blip>
+          <a:srcRect t="4331" r="1" b="2095"/>
+          <a:stretch/>
+        </p:blipFill>
+        <p:spPr>
+          <a:xfrm>
+            <a:off x="6184526" y="545007"/>
+            <a:ext cx="4990352" cy="2801817"/>
+          </a:xfrm>
+          <a:prstGeom prst="rect">
+            <a:avLst/>
+          </a:prstGeom>
+        </p:spPr>
+      </p:pic>
+      <p:pic>
+        <p:nvPicPr>
+          <p:cNvPr id="12" name="Picture 11" descr="Chart, scatter chart&#10;&#10;Description automatically generated">
+            <a:extLst>
+              <a:ext uri="{FF2B5EF4-FFF2-40B4-BE49-F238E27FC236}">
+                <a16:creationId xmlns:a16="http://schemas.microsoft.com/office/drawing/2014/main" id="{DF0CB7BA-AD53-43F1-8EA7-59D43B40FA6F}"/>
+              </a:ext>
+            </a:extLst>
+          </p:cNvPr>
+          <p:cNvPicPr>
+            <a:picLocks noChangeAspect="1"/>
+          </p:cNvPicPr>
+          <p:nvPr/>
+        </p:nvPicPr>
+        <p:blipFill rotWithShape="1">
+          <a:blip r:embed="rId4">
+            <a:extLst>
+              <a:ext uri="{28A0092B-C50C-407E-A947-70E740481C1C}">
+                <a14:useLocalDpi xmlns:a14="http://schemas.microsoft.com/office/drawing/2010/main" val="0"/>
+              </a:ext>
+            </a:extLst>
+          </a:blip>
+          <a:srcRect t="3465" r="1" b="3392"/>
+          <a:stretch/>
+        </p:blipFill>
+        <p:spPr>
+          <a:xfrm>
+            <a:off x="1005840" y="3518539"/>
+            <a:ext cx="4990352" cy="2788943"/>
           </a:xfrm>
           <a:prstGeom prst="rect">
             <a:avLst/>
@@ -6109,58 +8045,21 @@
           </p:cNvPicPr>
           <p:nvPr/>
         </p:nvPicPr>
-        <p:blipFill>
-          <a:blip r:embed="rId3">
+        <p:blipFill rotWithShape="1">
+          <a:blip r:embed="rId5">
             <a:extLst>
               <a:ext uri="{28A0092B-C50C-407E-A947-70E740481C1C}">
                 <a14:useLocalDpi xmlns:a14="http://schemas.microsoft.com/office/drawing/2010/main" val="0"/>
               </a:ext>
             </a:extLst>
           </a:blip>
-          <a:stretch>
-            <a:fillRect/>
-          </a:stretch>
+          <a:srcRect t="3469" r="1" b="3388"/>
+          <a:stretch/>
         </p:blipFill>
         <p:spPr>
           <a:xfrm>
-            <a:off x="5920901" y="700388"/>
-            <a:ext cx="5715000" cy="3429000"/>
-          </a:xfrm>
-          <a:prstGeom prst="rect">
-            <a:avLst/>
-          </a:prstGeom>
-        </p:spPr>
-      </p:pic>
-      <p:pic>
-        <p:nvPicPr>
-          <p:cNvPr id="12" name="Picture 11" descr="Chart, scatter chart&#10;&#10;Description automatically generated">
-            <a:extLst>
-              <a:ext uri="{FF2B5EF4-FFF2-40B4-BE49-F238E27FC236}">
-                <a16:creationId xmlns:a16="http://schemas.microsoft.com/office/drawing/2014/main" id="{DF0CB7BA-AD53-43F1-8EA7-59D43B40FA6F}"/>
-              </a:ext>
-            </a:extLst>
-          </p:cNvPr>
-          <p:cNvPicPr>
-            <a:picLocks noChangeAspect="1"/>
-          </p:cNvPicPr>
-          <p:nvPr/>
-        </p:nvPicPr>
-        <p:blipFill>
-          <a:blip r:embed="rId4">
-            <a:extLst>
-              <a:ext uri="{28A0092B-C50C-407E-A947-70E740481C1C}">
-                <a14:useLocalDpi xmlns:a14="http://schemas.microsoft.com/office/drawing/2010/main" val="0"/>
-              </a:ext>
-            </a:extLst>
-          </a:blip>
-          <a:stretch>
-            <a:fillRect/>
-          </a:stretch>
-        </p:blipFill>
-        <p:spPr>
-          <a:xfrm>
-            <a:off x="591767" y="700388"/>
-            <a:ext cx="5715001" cy="3429001"/>
+            <a:off x="6184526" y="3518539"/>
+            <a:ext cx="4990352" cy="2788943"/>
           </a:xfrm>
           <a:prstGeom prst="rect">
             <a:avLst/>
@@ -6183,6 +8082,14 @@
 <file path=ppt/slides/slide9.xml><?xml version="1.0" encoding="utf-8"?>
 <p:sld xmlns:a="http://schemas.openxmlformats.org/drawingml/2006/main" xmlns:r="http://schemas.openxmlformats.org/officeDocument/2006/relationships" xmlns:p="http://schemas.openxmlformats.org/presentationml/2006/main">
   <p:cSld>
+    <p:bg>
+      <p:bgPr>
+        <a:solidFill>
+          <a:schemeClr val="bg1"/>
+        </a:solidFill>
+        <a:effectLst/>
+      </p:bgPr>
+    </p:bg>
     <p:spTree>
       <p:nvGrpSpPr>
         <p:cNvPr id="1" name=""/>
@@ -6197,63 +8104,279 @@
           <a:chExt cx="0" cy="0"/>
         </a:xfrm>
       </p:grpSpPr>
-      <p:sp>
-        <p:nvSpPr>
-          <p:cNvPr id="6" name="TextBox 5">
-            <a:extLst>
-              <a:ext uri="{FF2B5EF4-FFF2-40B4-BE49-F238E27FC236}">
-                <a16:creationId xmlns:a16="http://schemas.microsoft.com/office/drawing/2014/main" id="{C3A9A4E7-69CC-4FD0-AE73-7EA6EA0E5089}"/>
-              </a:ext>
-            </a:extLst>
-          </p:cNvPr>
-          <p:cNvSpPr txBox="1"/>
-          <p:nvPr/>
+      <p:sp useBgFill="1">
+        <p:nvSpPr>
+          <p:cNvPr id="24" name="Rectangle 12">
+            <a:extLst>
+              <a:ext uri="{FF2B5EF4-FFF2-40B4-BE49-F238E27FC236}">
+                <a16:creationId xmlns:a16="http://schemas.microsoft.com/office/drawing/2014/main" id="{38468727-63BE-4191-B4A6-C30C82C0E986}"/>
+              </a:ext>
+              <a:ext uri="{C183D7F6-B498-43B3-948B-1728B52AA6E4}">
+                <adec:decorative xmlns:adec="http://schemas.microsoft.com/office/drawing/2017/decorative" val="1"/>
+              </a:ext>
+            </a:extLst>
+          </p:cNvPr>
+          <p:cNvSpPr>
+            <a:spLocks noGrp="1" noRot="1" noChangeAspect="1" noMove="1" noResize="1" noEditPoints="1" noAdjustHandles="1" noChangeArrowheads="1" noChangeShapeType="1" noTextEdit="1"/>
+          </p:cNvSpPr>
+          <p:nvPr>
+            <p:extLst>
+              <p:ext uri="{386F3935-93C4-4BCD-93E2-E3B085C9AB24}">
+                <p16:designElem xmlns:p16="http://schemas.microsoft.com/office/powerpoint/2015/main" val="1"/>
+              </p:ext>
+            </p:extLst>
+          </p:nvPr>
         </p:nvSpPr>
         <p:spPr>
           <a:xfrm>
-            <a:off x="92475" y="76983"/>
-            <a:ext cx="6094520" cy="671915"/>
+            <a:off x="0" y="0"/>
+            <a:ext cx="12192000" cy="6858000"/>
           </a:xfrm>
           <a:prstGeom prst="rect">
             <a:avLst/>
           </a:prstGeom>
-          <a:noFill/>
+          <a:ln>
+            <a:noFill/>
+          </a:ln>
         </p:spPr>
-        <p:txBody>
-          <a:bodyPr wrap="square">
-            <a:spAutoFit/>
+        <p:style>
+          <a:lnRef idx="2">
+            <a:schemeClr val="accent1">
+              <a:shade val="50000"/>
+            </a:schemeClr>
+          </a:lnRef>
+          <a:fillRef idx="1">
+            <a:schemeClr val="accent1"/>
+          </a:fillRef>
+          <a:effectRef idx="0">
+            <a:schemeClr val="accent1"/>
+          </a:effectRef>
+          <a:fontRef idx="minor">
+            <a:schemeClr val="lt1"/>
+          </a:fontRef>
+        </p:style>
+        <p:txBody>
+          <a:bodyPr rtlCol="0" anchor="ctr"/>
+          <a:lstStyle/>
+          <a:p>
+            <a:pPr algn="ctr"/>
+            <a:endParaRPr lang="en-US"/>
+          </a:p>
+        </p:txBody>
+      </p:sp>
+      <p:sp>
+        <p:nvSpPr>
+          <p:cNvPr id="25" name="Rectangle 14">
+            <a:extLst>
+              <a:ext uri="{FF2B5EF4-FFF2-40B4-BE49-F238E27FC236}">
+                <a16:creationId xmlns:a16="http://schemas.microsoft.com/office/drawing/2014/main" id="{9D355BB6-1BB8-4828-B246-CFB31742D7B8}"/>
+              </a:ext>
+              <a:ext uri="{C183D7F6-B498-43B3-948B-1728B52AA6E4}">
+                <adec:decorative xmlns:adec="http://schemas.microsoft.com/office/drawing/2017/decorative" val="1"/>
+              </a:ext>
+            </a:extLst>
+          </p:cNvPr>
+          <p:cNvSpPr>
+            <a:spLocks noGrp="1" noRot="1" noChangeAspect="1" noMove="1" noResize="1" noEditPoints="1" noAdjustHandles="1" noChangeArrowheads="1" noChangeShapeType="1" noTextEdit="1"/>
+          </p:cNvSpPr>
+          <p:nvPr>
+            <p:extLst>
+              <p:ext uri="{386F3935-93C4-4BCD-93E2-E3B085C9AB24}">
+                <p16:designElem xmlns:p16="http://schemas.microsoft.com/office/powerpoint/2015/main" val="1"/>
+              </p:ext>
+            </p:extLst>
+          </p:nvPr>
+        </p:nvSpPr>
+        <p:spPr>
+          <a:xfrm>
+            <a:off x="0" y="1134839"/>
+            <a:ext cx="128016" cy="653903"/>
+          </a:xfrm>
+          <a:prstGeom prst="rect">
+            <a:avLst/>
+          </a:prstGeom>
+          <a:solidFill>
+            <a:schemeClr val="accent2"/>
+          </a:solidFill>
+          <a:ln>
+            <a:noFill/>
+          </a:ln>
+        </p:spPr>
+        <p:style>
+          <a:lnRef idx="2">
+            <a:schemeClr val="accent1">
+              <a:shade val="50000"/>
+            </a:schemeClr>
+          </a:lnRef>
+          <a:fillRef idx="1">
+            <a:schemeClr val="accent1"/>
+          </a:fillRef>
+          <a:effectRef idx="0">
+            <a:schemeClr val="accent1"/>
+          </a:effectRef>
+          <a:fontRef idx="minor">
+            <a:schemeClr val="lt1"/>
+          </a:fontRef>
+        </p:style>
+        <p:txBody>
+          <a:bodyPr rtlCol="0" anchor="ctr"/>
+          <a:lstStyle/>
+          <a:p>
+            <a:pPr algn="ctr"/>
+            <a:endParaRPr lang="en-US">
+              <a:solidFill>
+                <a:prstClr val="white"/>
+              </a:solidFill>
+              <a:latin typeface="Calibri" panose="020F0502020204030204"/>
+            </a:endParaRPr>
+          </a:p>
+        </p:txBody>
+      </p:sp>
+      <p:sp>
+        <p:nvSpPr>
+          <p:cNvPr id="26" name="Rectangle 16">
+            <a:extLst>
+              <a:ext uri="{FF2B5EF4-FFF2-40B4-BE49-F238E27FC236}">
+                <a16:creationId xmlns:a16="http://schemas.microsoft.com/office/drawing/2014/main" id="{CA52A9B9-B2B3-46F0-9D53-0EFF9905BF8F}"/>
+              </a:ext>
+              <a:ext uri="{C183D7F6-B498-43B3-948B-1728B52AA6E4}">
+                <adec:decorative xmlns:adec="http://schemas.microsoft.com/office/drawing/2017/decorative" val="1"/>
+              </a:ext>
+            </a:extLst>
+          </p:cNvPr>
+          <p:cNvSpPr>
+            <a:spLocks noGrp="1" noRot="1" noChangeAspect="1" noMove="1" noResize="1" noEditPoints="1" noAdjustHandles="1" noChangeArrowheads="1" noChangeShapeType="1" noTextEdit="1"/>
+          </p:cNvSpPr>
+          <p:nvPr>
+            <p:extLst>
+              <p:ext uri="{386F3935-93C4-4BCD-93E2-E3B085C9AB24}">
+                <p16:designElem xmlns:p16="http://schemas.microsoft.com/office/powerpoint/2015/main" val="1"/>
+              </p:ext>
+            </p:extLst>
+          </p:nvPr>
+        </p:nvSpPr>
+        <p:spPr>
+          <a:xfrm rot="5400000">
+            <a:off x="2245238" y="1452646"/>
+            <a:ext cx="1463040" cy="18288"/>
+          </a:xfrm>
+          <a:prstGeom prst="rect">
+            <a:avLst/>
+          </a:prstGeom>
+          <a:solidFill>
+            <a:srgbClr val="D5D5D5"/>
+          </a:solidFill>
+          <a:ln w="3175">
+            <a:noFill/>
+          </a:ln>
+          <a:effectLst/>
+        </p:spPr>
+        <p:style>
+          <a:lnRef idx="2">
+            <a:schemeClr val="accent1">
+              <a:shade val="50000"/>
+            </a:schemeClr>
+          </a:lnRef>
+          <a:fillRef idx="1">
+            <a:schemeClr val="accent1"/>
+          </a:fillRef>
+          <a:effectRef idx="0">
+            <a:schemeClr val="accent1"/>
+          </a:effectRef>
+          <a:fontRef idx="minor">
+            <a:schemeClr val="lt1"/>
+          </a:fontRef>
+        </p:style>
+        <p:txBody>
+          <a:bodyPr rtlCol="0" anchor="ctr"/>
+          <a:lstStyle/>
+          <a:p>
+            <a:pPr marL="0" marR="0" lvl="0" indent="0" algn="ctr" defTabSz="914400" rtl="0" eaLnBrk="1" fontAlgn="auto" latinLnBrk="0" hangingPunct="1">
+              <a:lnSpc>
+                <a:spcPct val="100000"/>
+              </a:lnSpc>
+              <a:spcBef>
+                <a:spcPts val="0"/>
+              </a:spcBef>
+              <a:spcAft>
+                <a:spcPts val="0"/>
+              </a:spcAft>
+              <a:buClrTx/>
+              <a:buSzTx/>
+              <a:buFontTx/>
+              <a:buNone/>
+              <a:tabLst/>
+              <a:defRPr/>
+            </a:pPr>
+            <a:endParaRPr kumimoji="0" lang="en-US" sz="1800" b="0" i="0" u="none" strike="noStrike" kern="1200" cap="none" spc="0" normalizeH="0" baseline="0" noProof="0">
+              <a:ln>
+                <a:noFill/>
+              </a:ln>
+              <a:solidFill>
+                <a:prstClr val="white"/>
+              </a:solidFill>
+              <a:effectLst/>
+              <a:uLnTx/>
+              <a:uFillTx/>
+              <a:latin typeface="Calibri" panose="020F0502020204030204"/>
+              <a:ea typeface="+mn-ea"/>
+              <a:cs typeface="+mn-cs"/>
+            </a:endParaRPr>
+          </a:p>
+        </p:txBody>
+      </p:sp>
+      <p:sp>
+        <p:nvSpPr>
+          <p:cNvPr id="6" name="TextBox 5">
+            <a:extLst>
+              <a:ext uri="{FF2B5EF4-FFF2-40B4-BE49-F238E27FC236}">
+                <a16:creationId xmlns:a16="http://schemas.microsoft.com/office/drawing/2014/main" id="{534CCD0D-65AC-6B20-FD33-C04A65D438D6}"/>
+              </a:ext>
+            </a:extLst>
+          </p:cNvPr>
+          <p:cNvSpPr txBox="1"/>
+          <p:nvPr/>
+        </p:nvSpPr>
+        <p:spPr>
+          <a:xfrm>
+            <a:off x="3157538" y="412454"/>
+            <a:ext cx="3243262" cy="2101850"/>
+          </a:xfrm>
+          <a:prstGeom prst="rect">
+            <a:avLst/>
+          </a:prstGeom>
+        </p:spPr>
+        <p:txBody>
+          <a:bodyPr rot="0" spcFirstLastPara="0" vertOverflow="overflow" horzOverflow="overflow" vert="horz" lIns="91440" tIns="45720" rIns="91440" bIns="45720" numCol="1" spcCol="0" rtlCol="0" fromWordArt="0" anchor="ctr" anchorCtr="0" forceAA="0" compatLnSpc="1">
+            <a:prstTxWarp prst="textNoShape">
+              <a:avLst/>
+            </a:prstTxWarp>
+            <a:normAutofit/>
           </a:bodyPr>
           <a:lstStyle/>
           <a:p>
             <a:pPr>
               <a:lnSpc>
-                <a:spcPct val="107000"/>
+                <a:spcPct val="90000"/>
               </a:lnSpc>
+              <a:spcAft>
+                <a:spcPts val="600"/>
+              </a:spcAft>
             </a:pPr>
             <a:r>
-              <a:rPr lang="en-US" sz="1800">
-                <a:effectLst/>
-                <a:latin typeface="Calibri" panose="020F0502020204030204" pitchFamily="34" charset="0"/>
-                <a:ea typeface="Calibri" panose="020F0502020204030204" pitchFamily="34" charset="0"/>
-                <a:cs typeface="Times New Roman" panose="02020603050405020304" pitchFamily="18" charset="0"/>
-              </a:rPr>
-              <a:t>Which district and Lower Layer Super Output Areas (LLSOAs) have higher rates of crime?</a:t>
-            </a:r>
-            <a:endParaRPr lang="en-GB" sz="1800">
-              <a:effectLst/>
-              <a:latin typeface="Calibri" panose="020F0502020204030204" pitchFamily="34" charset="0"/>
-              <a:ea typeface="Calibri" panose="020F0502020204030204" pitchFamily="34" charset="0"/>
-              <a:cs typeface="Times New Roman" panose="02020603050405020304" pitchFamily="18" charset="0"/>
-            </a:endParaRPr>
+              <a:rPr lang="en-US" sz="1700"/>
+              <a:t>Does the crime data sourced from the West Midlands Police database correlate with the Index of Multiple Deprivation (IMD) score?</a:t>
+            </a:r>
+            <a:endParaRPr lang="en-US"/>
           </a:p>
         </p:txBody>
       </p:sp>
       <p:pic>
         <p:nvPicPr>
-          <p:cNvPr id="3" name="Picture 2" descr="Chart, bar chart&#10;&#10;Description automatically generated">
-            <a:extLst>
-              <a:ext uri="{FF2B5EF4-FFF2-40B4-BE49-F238E27FC236}">
-                <a16:creationId xmlns:a16="http://schemas.microsoft.com/office/drawing/2014/main" id="{2B77A3F5-AEFA-4FF6-874A-9484778ECD80}"/>
+          <p:cNvPr id="5" name="Picture 4" descr="Chart, scatter chart&#10;&#10;Description automatically generated">
+            <a:extLst>
+              <a:ext uri="{FF2B5EF4-FFF2-40B4-BE49-F238E27FC236}">
+                <a16:creationId xmlns:a16="http://schemas.microsoft.com/office/drawing/2014/main" id="{DF7E972E-2F34-61C8-0B85-CFD47C66E970}"/>
               </a:ext>
             </a:extLst>
           </p:cNvPr>
@@ -6262,7 +8385,7 @@
           </p:cNvPicPr>
           <p:nvPr/>
         </p:nvPicPr>
-        <p:blipFill>
+        <p:blipFill rotWithShape="1">
           <a:blip r:embed="rId2">
             <a:extLst>
               <a:ext uri="{28A0092B-C50C-407E-A947-70E740481C1C}">
@@ -6270,14 +8393,48 @@
               </a:ext>
             </a:extLst>
           </a:blip>
-          <a:stretch>
-            <a:fillRect/>
-          </a:stretch>
+          <a:srcRect l="1485" r="-1" b="-1"/>
+          <a:stretch/>
         </p:blipFill>
         <p:spPr>
           <a:xfrm>
-            <a:off x="1663431" y="1690533"/>
-            <a:ext cx="8484140" cy="5090484"/>
+            <a:off x="20" y="2959630"/>
+            <a:ext cx="6400781" cy="3898370"/>
+          </a:xfrm>
+          <a:prstGeom prst="rect">
+            <a:avLst/>
+          </a:prstGeom>
+        </p:spPr>
+      </p:pic>
+      <p:pic>
+        <p:nvPicPr>
+          <p:cNvPr id="8" name="Picture 7" descr="Chart, pie chart&#10;&#10;Description automatically generated">
+            <a:extLst>
+              <a:ext uri="{FF2B5EF4-FFF2-40B4-BE49-F238E27FC236}">
+                <a16:creationId xmlns:a16="http://schemas.microsoft.com/office/drawing/2014/main" id="{DF8B62DC-92F1-F971-2D6A-2F051E5DE06F}"/>
+              </a:ext>
+            </a:extLst>
+          </p:cNvPr>
+          <p:cNvPicPr>
+            <a:picLocks noChangeAspect="1"/>
+          </p:cNvPicPr>
+          <p:nvPr/>
+        </p:nvPicPr>
+        <p:blipFill rotWithShape="1">
+          <a:blip r:embed="rId3">
+            <a:extLst>
+              <a:ext uri="{28A0092B-C50C-407E-A947-70E740481C1C}">
+                <a14:useLocalDpi xmlns:a14="http://schemas.microsoft.com/office/drawing/2010/main" val="0"/>
+              </a:ext>
+            </a:extLst>
+          </a:blip>
+          <a:srcRect l="26630" r="24370"/>
+          <a:stretch/>
+        </p:blipFill>
+        <p:spPr>
+          <a:xfrm>
+            <a:off x="6591299" y="1"/>
+            <a:ext cx="5600701" cy="6857999"/>
           </a:xfrm>
           <a:prstGeom prst="rect">
             <a:avLst/>
@@ -6287,7 +8444,7 @@
     </p:spTree>
     <p:extLst>
       <p:ext uri="{BB962C8B-B14F-4D97-AF65-F5344CB8AC3E}">
-        <p14:creationId xmlns:p14="http://schemas.microsoft.com/office/powerpoint/2010/main" val="2483310997"/>
+        <p14:creationId xmlns:p14="http://schemas.microsoft.com/office/powerpoint/2010/main" val="2604801215"/>
       </p:ext>
     </p:extLst>
   </p:cSld>
